--- a/units/8/lessons/4/resources/petascale-lesson-8.4-slides.pptx
+++ b/units/8/lessons/4/resources/petascale-lesson-8.4-slides.pptx
@@ -9,7 +9,7 @@
   </p:notesMasterIdLst>
   <p:sldIdLst>
     <p:sldId id="307" r:id="rId2"/>
-    <p:sldId id="308" r:id="rId3"/>
+    <p:sldId id="309" r:id="rId3"/>
     <p:sldId id="256" r:id="rId4"/>
     <p:sldId id="300" r:id="rId5"/>
     <p:sldId id="301" r:id="rId6"/>
@@ -1275,7 +1275,7 @@
           <a:p>
             <a:fld id="{4FB81F69-868F-0C48-BCB6-F426D9DB4389}" type="datetimeFigureOut">
               <a:rPr lang="en-US" smtClean="0"/>
-              <a:t>9/12/20</a:t>
+              <a:t>10/11/20</a:t>
             </a:fld>
             <a:endParaRPr lang="en-US"/>
           </a:p>
@@ -1645,7 +1645,7 @@
           <p:cNvPr id="2" name="Title 1">
             <a:extLst>
               <a:ext uri="{FF2B5EF4-FFF2-40B4-BE49-F238E27FC236}">
-                <a16:creationId xmlns:a16="http://schemas.microsoft.com/office/drawing/2014/main" xmlns="" id="{56EFF52F-5ABF-D141-AB4E-21B68FF01729}"/>
+                <a16:creationId xmlns="" xmlns:a16="http://schemas.microsoft.com/office/drawing/2014/main" id="{56EFF52F-5ABF-D141-AB4E-21B68FF01729}"/>
               </a:ext>
             </a:extLst>
           </p:cNvPr>
@@ -1682,7 +1682,7 @@
           <p:cNvPr id="3" name="Subtitle 2">
             <a:extLst>
               <a:ext uri="{FF2B5EF4-FFF2-40B4-BE49-F238E27FC236}">
-                <a16:creationId xmlns:a16="http://schemas.microsoft.com/office/drawing/2014/main" xmlns="" id="{5DDCC730-1348-0D4A-BEF3-A6A9C3D7A543}"/>
+                <a16:creationId xmlns="" xmlns:a16="http://schemas.microsoft.com/office/drawing/2014/main" id="{5DDCC730-1348-0D4A-BEF3-A6A9C3D7A543}"/>
               </a:ext>
             </a:extLst>
           </p:cNvPr>
@@ -1752,7 +1752,7 @@
           <p:cNvPr id="4" name="Date Placeholder 3">
             <a:extLst>
               <a:ext uri="{FF2B5EF4-FFF2-40B4-BE49-F238E27FC236}">
-                <a16:creationId xmlns:a16="http://schemas.microsoft.com/office/drawing/2014/main" xmlns="" id="{AF217720-FE67-774F-96F0-D2B3B32CC598}"/>
+                <a16:creationId xmlns="" xmlns:a16="http://schemas.microsoft.com/office/drawing/2014/main" id="{AF217720-FE67-774F-96F0-D2B3B32CC598}"/>
               </a:ext>
             </a:extLst>
           </p:cNvPr>
@@ -1770,7 +1770,7 @@
           <a:p>
             <a:fld id="{A821AF8D-EA27-A940-BB27-147E164DA6E4}" type="datetimeFigureOut">
               <a:rPr lang="en-US" smtClean="0"/>
-              <a:t>9/12/20</a:t>
+              <a:t>10/11/20</a:t>
             </a:fld>
             <a:endParaRPr lang="en-US"/>
           </a:p>
@@ -1781,7 +1781,7 @@
           <p:cNvPr id="5" name="Footer Placeholder 4">
             <a:extLst>
               <a:ext uri="{FF2B5EF4-FFF2-40B4-BE49-F238E27FC236}">
-                <a16:creationId xmlns:a16="http://schemas.microsoft.com/office/drawing/2014/main" xmlns="" id="{9E2BDB78-5529-344D-9FDC-97CA95CD8F23}"/>
+                <a16:creationId xmlns="" xmlns:a16="http://schemas.microsoft.com/office/drawing/2014/main" id="{9E2BDB78-5529-344D-9FDC-97CA95CD8F23}"/>
               </a:ext>
             </a:extLst>
           </p:cNvPr>
@@ -1806,7 +1806,7 @@
           <p:cNvPr id="6" name="Slide Number Placeholder 5">
             <a:extLst>
               <a:ext uri="{FF2B5EF4-FFF2-40B4-BE49-F238E27FC236}">
-                <a16:creationId xmlns:a16="http://schemas.microsoft.com/office/drawing/2014/main" xmlns="" id="{1F08EFF8-E2FB-BE42-8964-5FB66A716B35}"/>
+                <a16:creationId xmlns="" xmlns:a16="http://schemas.microsoft.com/office/drawing/2014/main" id="{1F08EFF8-E2FB-BE42-8964-5FB66A716B35}"/>
               </a:ext>
             </a:extLst>
           </p:cNvPr>
@@ -1865,7 +1865,7 @@
           <p:cNvPr id="2" name="Title 1">
             <a:extLst>
               <a:ext uri="{FF2B5EF4-FFF2-40B4-BE49-F238E27FC236}">
-                <a16:creationId xmlns:a16="http://schemas.microsoft.com/office/drawing/2014/main" xmlns="" id="{F0C1A55A-3A79-C94F-B0A0-E6DD603B2F63}"/>
+                <a16:creationId xmlns="" xmlns:a16="http://schemas.microsoft.com/office/drawing/2014/main" id="{F0C1A55A-3A79-C94F-B0A0-E6DD603B2F63}"/>
               </a:ext>
             </a:extLst>
           </p:cNvPr>
@@ -1893,7 +1893,7 @@
           <p:cNvPr id="3" name="Vertical Text Placeholder 2">
             <a:extLst>
               <a:ext uri="{FF2B5EF4-FFF2-40B4-BE49-F238E27FC236}">
-                <a16:creationId xmlns:a16="http://schemas.microsoft.com/office/drawing/2014/main" xmlns="" id="{8D60E525-E11C-6D43-A1EB-ACB93CDC6374}"/>
+                <a16:creationId xmlns="" xmlns:a16="http://schemas.microsoft.com/office/drawing/2014/main" id="{8D60E525-E11C-6D43-A1EB-ACB93CDC6374}"/>
               </a:ext>
             </a:extLst>
           </p:cNvPr>
@@ -1950,7 +1950,7 @@
           <p:cNvPr id="4" name="Date Placeholder 3">
             <a:extLst>
               <a:ext uri="{FF2B5EF4-FFF2-40B4-BE49-F238E27FC236}">
-                <a16:creationId xmlns:a16="http://schemas.microsoft.com/office/drawing/2014/main" xmlns="" id="{B1129E8A-A73C-5645-8B06-7BC3BED69936}"/>
+                <a16:creationId xmlns="" xmlns:a16="http://schemas.microsoft.com/office/drawing/2014/main" id="{B1129E8A-A73C-5645-8B06-7BC3BED69936}"/>
               </a:ext>
             </a:extLst>
           </p:cNvPr>
@@ -1968,7 +1968,7 @@
           <a:p>
             <a:fld id="{A821AF8D-EA27-A940-BB27-147E164DA6E4}" type="datetimeFigureOut">
               <a:rPr lang="en-US" smtClean="0"/>
-              <a:t>9/12/20</a:t>
+              <a:t>10/11/20</a:t>
             </a:fld>
             <a:endParaRPr lang="en-US"/>
           </a:p>
@@ -1979,7 +1979,7 @@
           <p:cNvPr id="5" name="Footer Placeholder 4">
             <a:extLst>
               <a:ext uri="{FF2B5EF4-FFF2-40B4-BE49-F238E27FC236}">
-                <a16:creationId xmlns:a16="http://schemas.microsoft.com/office/drawing/2014/main" xmlns="" id="{C95EDA5C-028A-074D-86B7-38CF15E125A9}"/>
+                <a16:creationId xmlns="" xmlns:a16="http://schemas.microsoft.com/office/drawing/2014/main" id="{C95EDA5C-028A-074D-86B7-38CF15E125A9}"/>
               </a:ext>
             </a:extLst>
           </p:cNvPr>
@@ -2004,7 +2004,7 @@
           <p:cNvPr id="6" name="Slide Number Placeholder 5">
             <a:extLst>
               <a:ext uri="{FF2B5EF4-FFF2-40B4-BE49-F238E27FC236}">
-                <a16:creationId xmlns:a16="http://schemas.microsoft.com/office/drawing/2014/main" xmlns="" id="{704BFC68-8EED-7643-B80D-D68B96C47856}"/>
+                <a16:creationId xmlns="" xmlns:a16="http://schemas.microsoft.com/office/drawing/2014/main" id="{704BFC68-8EED-7643-B80D-D68B96C47856}"/>
               </a:ext>
             </a:extLst>
           </p:cNvPr>
@@ -2063,7 +2063,7 @@
           <p:cNvPr id="2" name="Vertical Title 1">
             <a:extLst>
               <a:ext uri="{FF2B5EF4-FFF2-40B4-BE49-F238E27FC236}">
-                <a16:creationId xmlns:a16="http://schemas.microsoft.com/office/drawing/2014/main" xmlns="" id="{E8F3B61B-DE03-4E4D-8273-68D386B69D5A}"/>
+                <a16:creationId xmlns="" xmlns:a16="http://schemas.microsoft.com/office/drawing/2014/main" id="{E8F3B61B-DE03-4E4D-8273-68D386B69D5A}"/>
               </a:ext>
             </a:extLst>
           </p:cNvPr>
@@ -2096,7 +2096,7 @@
           <p:cNvPr id="3" name="Vertical Text Placeholder 2">
             <a:extLst>
               <a:ext uri="{FF2B5EF4-FFF2-40B4-BE49-F238E27FC236}">
-                <a16:creationId xmlns:a16="http://schemas.microsoft.com/office/drawing/2014/main" xmlns="" id="{837D6FA4-BAE5-F04C-B4FB-C53A3D00B118}"/>
+                <a16:creationId xmlns="" xmlns:a16="http://schemas.microsoft.com/office/drawing/2014/main" id="{837D6FA4-BAE5-F04C-B4FB-C53A3D00B118}"/>
               </a:ext>
             </a:extLst>
           </p:cNvPr>
@@ -2158,7 +2158,7 @@
           <p:cNvPr id="4" name="Date Placeholder 3">
             <a:extLst>
               <a:ext uri="{FF2B5EF4-FFF2-40B4-BE49-F238E27FC236}">
-                <a16:creationId xmlns:a16="http://schemas.microsoft.com/office/drawing/2014/main" xmlns="" id="{0544E3FD-DA26-1E4D-8D85-CC7E7C6145B2}"/>
+                <a16:creationId xmlns="" xmlns:a16="http://schemas.microsoft.com/office/drawing/2014/main" id="{0544E3FD-DA26-1E4D-8D85-CC7E7C6145B2}"/>
               </a:ext>
             </a:extLst>
           </p:cNvPr>
@@ -2176,7 +2176,7 @@
           <a:p>
             <a:fld id="{A821AF8D-EA27-A940-BB27-147E164DA6E4}" type="datetimeFigureOut">
               <a:rPr lang="en-US" smtClean="0"/>
-              <a:t>9/12/20</a:t>
+              <a:t>10/11/20</a:t>
             </a:fld>
             <a:endParaRPr lang="en-US"/>
           </a:p>
@@ -2187,7 +2187,7 @@
           <p:cNvPr id="5" name="Footer Placeholder 4">
             <a:extLst>
               <a:ext uri="{FF2B5EF4-FFF2-40B4-BE49-F238E27FC236}">
-                <a16:creationId xmlns:a16="http://schemas.microsoft.com/office/drawing/2014/main" xmlns="" id="{AC3130FA-8E1A-E141-A22C-AE3974F216C7}"/>
+                <a16:creationId xmlns="" xmlns:a16="http://schemas.microsoft.com/office/drawing/2014/main" id="{AC3130FA-8E1A-E141-A22C-AE3974F216C7}"/>
               </a:ext>
             </a:extLst>
           </p:cNvPr>
@@ -2212,7 +2212,7 @@
           <p:cNvPr id="6" name="Slide Number Placeholder 5">
             <a:extLst>
               <a:ext uri="{FF2B5EF4-FFF2-40B4-BE49-F238E27FC236}">
-                <a16:creationId xmlns:a16="http://schemas.microsoft.com/office/drawing/2014/main" xmlns="" id="{55A1AE83-F2C7-A54A-98E1-D5D2F920D46E}"/>
+                <a16:creationId xmlns="" xmlns:a16="http://schemas.microsoft.com/office/drawing/2014/main" id="{55A1AE83-F2C7-A54A-98E1-D5D2F920D46E}"/>
               </a:ext>
             </a:extLst>
           </p:cNvPr>
@@ -2271,7 +2271,7 @@
           <p:cNvPr id="2" name="Title 1">
             <a:extLst>
               <a:ext uri="{FF2B5EF4-FFF2-40B4-BE49-F238E27FC236}">
-                <a16:creationId xmlns:a16="http://schemas.microsoft.com/office/drawing/2014/main" xmlns="" id="{63A3EA9E-F75E-5B4B-844D-7C5645989A93}"/>
+                <a16:creationId xmlns="" xmlns:a16="http://schemas.microsoft.com/office/drawing/2014/main" id="{63A3EA9E-F75E-5B4B-844D-7C5645989A93}"/>
               </a:ext>
             </a:extLst>
           </p:cNvPr>
@@ -2299,7 +2299,7 @@
           <p:cNvPr id="3" name="Content Placeholder 2">
             <a:extLst>
               <a:ext uri="{FF2B5EF4-FFF2-40B4-BE49-F238E27FC236}">
-                <a16:creationId xmlns:a16="http://schemas.microsoft.com/office/drawing/2014/main" xmlns="" id="{C633C046-BEA5-404D-91CD-19F07C162D52}"/>
+                <a16:creationId xmlns="" xmlns:a16="http://schemas.microsoft.com/office/drawing/2014/main" id="{C633C046-BEA5-404D-91CD-19F07C162D52}"/>
               </a:ext>
             </a:extLst>
           </p:cNvPr>
@@ -2356,7 +2356,7 @@
           <p:cNvPr id="4" name="Date Placeholder 3">
             <a:extLst>
               <a:ext uri="{FF2B5EF4-FFF2-40B4-BE49-F238E27FC236}">
-                <a16:creationId xmlns:a16="http://schemas.microsoft.com/office/drawing/2014/main" xmlns="" id="{79307961-8F16-C843-A71D-B2583AE8751A}"/>
+                <a16:creationId xmlns="" xmlns:a16="http://schemas.microsoft.com/office/drawing/2014/main" id="{79307961-8F16-C843-A71D-B2583AE8751A}"/>
               </a:ext>
             </a:extLst>
           </p:cNvPr>
@@ -2374,7 +2374,7 @@
           <a:p>
             <a:fld id="{A821AF8D-EA27-A940-BB27-147E164DA6E4}" type="datetimeFigureOut">
               <a:rPr lang="en-US" smtClean="0"/>
-              <a:t>9/12/20</a:t>
+              <a:t>10/11/20</a:t>
             </a:fld>
             <a:endParaRPr lang="en-US"/>
           </a:p>
@@ -2385,7 +2385,7 @@
           <p:cNvPr id="5" name="Footer Placeholder 4">
             <a:extLst>
               <a:ext uri="{FF2B5EF4-FFF2-40B4-BE49-F238E27FC236}">
-                <a16:creationId xmlns:a16="http://schemas.microsoft.com/office/drawing/2014/main" xmlns="" id="{CC18C2B7-2466-3241-9FC8-79778F0B4EF4}"/>
+                <a16:creationId xmlns="" xmlns:a16="http://schemas.microsoft.com/office/drawing/2014/main" id="{CC18C2B7-2466-3241-9FC8-79778F0B4EF4}"/>
               </a:ext>
             </a:extLst>
           </p:cNvPr>
@@ -2410,7 +2410,7 @@
           <p:cNvPr id="6" name="Slide Number Placeholder 5">
             <a:extLst>
               <a:ext uri="{FF2B5EF4-FFF2-40B4-BE49-F238E27FC236}">
-                <a16:creationId xmlns:a16="http://schemas.microsoft.com/office/drawing/2014/main" xmlns="" id="{3B26E58B-7F22-1C4D-9173-4541D5BFC024}"/>
+                <a16:creationId xmlns="" xmlns:a16="http://schemas.microsoft.com/office/drawing/2014/main" id="{3B26E58B-7F22-1C4D-9173-4541D5BFC024}"/>
               </a:ext>
             </a:extLst>
           </p:cNvPr>
@@ -2469,7 +2469,7 @@
           <p:cNvPr id="2" name="Title 1">
             <a:extLst>
               <a:ext uri="{FF2B5EF4-FFF2-40B4-BE49-F238E27FC236}">
-                <a16:creationId xmlns:a16="http://schemas.microsoft.com/office/drawing/2014/main" xmlns="" id="{9B9005F0-F0C5-FB41-8113-CCD290AE4156}"/>
+                <a16:creationId xmlns="" xmlns:a16="http://schemas.microsoft.com/office/drawing/2014/main" id="{9B9005F0-F0C5-FB41-8113-CCD290AE4156}"/>
               </a:ext>
             </a:extLst>
           </p:cNvPr>
@@ -2506,7 +2506,7 @@
           <p:cNvPr id="3" name="Text Placeholder 2">
             <a:extLst>
               <a:ext uri="{FF2B5EF4-FFF2-40B4-BE49-F238E27FC236}">
-                <a16:creationId xmlns:a16="http://schemas.microsoft.com/office/drawing/2014/main" xmlns="" id="{BCEE14ED-2E93-B947-9A2C-246A8A468E1B}"/>
+                <a16:creationId xmlns="" xmlns:a16="http://schemas.microsoft.com/office/drawing/2014/main" id="{BCEE14ED-2E93-B947-9A2C-246A8A468E1B}"/>
               </a:ext>
             </a:extLst>
           </p:cNvPr>
@@ -2631,7 +2631,7 @@
           <p:cNvPr id="4" name="Date Placeholder 3">
             <a:extLst>
               <a:ext uri="{FF2B5EF4-FFF2-40B4-BE49-F238E27FC236}">
-                <a16:creationId xmlns:a16="http://schemas.microsoft.com/office/drawing/2014/main" xmlns="" id="{C6B7A258-BFE0-8F43-B085-1086FD89BDFE}"/>
+                <a16:creationId xmlns="" xmlns:a16="http://schemas.microsoft.com/office/drawing/2014/main" id="{C6B7A258-BFE0-8F43-B085-1086FD89BDFE}"/>
               </a:ext>
             </a:extLst>
           </p:cNvPr>
@@ -2649,7 +2649,7 @@
           <a:p>
             <a:fld id="{A821AF8D-EA27-A940-BB27-147E164DA6E4}" type="datetimeFigureOut">
               <a:rPr lang="en-US" smtClean="0"/>
-              <a:t>9/12/20</a:t>
+              <a:t>10/11/20</a:t>
             </a:fld>
             <a:endParaRPr lang="en-US"/>
           </a:p>
@@ -2660,7 +2660,7 @@
           <p:cNvPr id="5" name="Footer Placeholder 4">
             <a:extLst>
               <a:ext uri="{FF2B5EF4-FFF2-40B4-BE49-F238E27FC236}">
-                <a16:creationId xmlns:a16="http://schemas.microsoft.com/office/drawing/2014/main" xmlns="" id="{9EB23650-47BC-384E-96CC-31D9056BE848}"/>
+                <a16:creationId xmlns="" xmlns:a16="http://schemas.microsoft.com/office/drawing/2014/main" id="{9EB23650-47BC-384E-96CC-31D9056BE848}"/>
               </a:ext>
             </a:extLst>
           </p:cNvPr>
@@ -2685,7 +2685,7 @@
           <p:cNvPr id="6" name="Slide Number Placeholder 5">
             <a:extLst>
               <a:ext uri="{FF2B5EF4-FFF2-40B4-BE49-F238E27FC236}">
-                <a16:creationId xmlns:a16="http://schemas.microsoft.com/office/drawing/2014/main" xmlns="" id="{3FB96811-304F-2346-9B21-1D3F2E2DC866}"/>
+                <a16:creationId xmlns="" xmlns:a16="http://schemas.microsoft.com/office/drawing/2014/main" id="{3FB96811-304F-2346-9B21-1D3F2E2DC866}"/>
               </a:ext>
             </a:extLst>
           </p:cNvPr>
@@ -2744,7 +2744,7 @@
           <p:cNvPr id="2" name="Title 1">
             <a:extLst>
               <a:ext uri="{FF2B5EF4-FFF2-40B4-BE49-F238E27FC236}">
-                <a16:creationId xmlns:a16="http://schemas.microsoft.com/office/drawing/2014/main" xmlns="" id="{287D88A1-9255-7241-8107-1489A9A5056F}"/>
+                <a16:creationId xmlns="" xmlns:a16="http://schemas.microsoft.com/office/drawing/2014/main" id="{287D88A1-9255-7241-8107-1489A9A5056F}"/>
               </a:ext>
             </a:extLst>
           </p:cNvPr>
@@ -2772,7 +2772,7 @@
           <p:cNvPr id="3" name="Content Placeholder 2">
             <a:extLst>
               <a:ext uri="{FF2B5EF4-FFF2-40B4-BE49-F238E27FC236}">
-                <a16:creationId xmlns:a16="http://schemas.microsoft.com/office/drawing/2014/main" xmlns="" id="{93A75FBE-0F34-9F40-B265-5E85A84FEF9F}"/>
+                <a16:creationId xmlns="" xmlns:a16="http://schemas.microsoft.com/office/drawing/2014/main" id="{93A75FBE-0F34-9F40-B265-5E85A84FEF9F}"/>
               </a:ext>
             </a:extLst>
           </p:cNvPr>
@@ -2834,7 +2834,7 @@
           <p:cNvPr id="4" name="Content Placeholder 3">
             <a:extLst>
               <a:ext uri="{FF2B5EF4-FFF2-40B4-BE49-F238E27FC236}">
-                <a16:creationId xmlns:a16="http://schemas.microsoft.com/office/drawing/2014/main" xmlns="" id="{C6B649B7-B9B8-A84B-BF66-D030955F146E}"/>
+                <a16:creationId xmlns="" xmlns:a16="http://schemas.microsoft.com/office/drawing/2014/main" id="{C6B649B7-B9B8-A84B-BF66-D030955F146E}"/>
               </a:ext>
             </a:extLst>
           </p:cNvPr>
@@ -2896,7 +2896,7 @@
           <p:cNvPr id="5" name="Date Placeholder 4">
             <a:extLst>
               <a:ext uri="{FF2B5EF4-FFF2-40B4-BE49-F238E27FC236}">
-                <a16:creationId xmlns:a16="http://schemas.microsoft.com/office/drawing/2014/main" xmlns="" id="{89F504BC-772A-5E4A-A4F3-DB7E9CF2B828}"/>
+                <a16:creationId xmlns="" xmlns:a16="http://schemas.microsoft.com/office/drawing/2014/main" id="{89F504BC-772A-5E4A-A4F3-DB7E9CF2B828}"/>
               </a:ext>
             </a:extLst>
           </p:cNvPr>
@@ -2914,7 +2914,7 @@
           <a:p>
             <a:fld id="{A821AF8D-EA27-A940-BB27-147E164DA6E4}" type="datetimeFigureOut">
               <a:rPr lang="en-US" smtClean="0"/>
-              <a:t>9/12/20</a:t>
+              <a:t>10/11/20</a:t>
             </a:fld>
             <a:endParaRPr lang="en-US"/>
           </a:p>
@@ -2925,7 +2925,7 @@
           <p:cNvPr id="6" name="Footer Placeholder 5">
             <a:extLst>
               <a:ext uri="{FF2B5EF4-FFF2-40B4-BE49-F238E27FC236}">
-                <a16:creationId xmlns:a16="http://schemas.microsoft.com/office/drawing/2014/main" xmlns="" id="{26D361FA-0D24-A142-B6B2-377DF01A0EA5}"/>
+                <a16:creationId xmlns="" xmlns:a16="http://schemas.microsoft.com/office/drawing/2014/main" id="{26D361FA-0D24-A142-B6B2-377DF01A0EA5}"/>
               </a:ext>
             </a:extLst>
           </p:cNvPr>
@@ -2950,7 +2950,7 @@
           <p:cNvPr id="7" name="Slide Number Placeholder 6">
             <a:extLst>
               <a:ext uri="{FF2B5EF4-FFF2-40B4-BE49-F238E27FC236}">
-                <a16:creationId xmlns:a16="http://schemas.microsoft.com/office/drawing/2014/main" xmlns="" id="{B51D1DC7-3B60-CF4E-A23A-065E1DD56109}"/>
+                <a16:creationId xmlns="" xmlns:a16="http://schemas.microsoft.com/office/drawing/2014/main" id="{B51D1DC7-3B60-CF4E-A23A-065E1DD56109}"/>
               </a:ext>
             </a:extLst>
           </p:cNvPr>
@@ -3009,7 +3009,7 @@
           <p:cNvPr id="2" name="Title 1">
             <a:extLst>
               <a:ext uri="{FF2B5EF4-FFF2-40B4-BE49-F238E27FC236}">
-                <a16:creationId xmlns:a16="http://schemas.microsoft.com/office/drawing/2014/main" xmlns="" id="{1CB8379D-A4D0-B041-B780-237FB16B663D}"/>
+                <a16:creationId xmlns="" xmlns:a16="http://schemas.microsoft.com/office/drawing/2014/main" id="{1CB8379D-A4D0-B041-B780-237FB16B663D}"/>
               </a:ext>
             </a:extLst>
           </p:cNvPr>
@@ -3042,7 +3042,7 @@
           <p:cNvPr id="3" name="Text Placeholder 2">
             <a:extLst>
               <a:ext uri="{FF2B5EF4-FFF2-40B4-BE49-F238E27FC236}">
-                <a16:creationId xmlns:a16="http://schemas.microsoft.com/office/drawing/2014/main" xmlns="" id="{26068875-7984-8649-8598-9B56CB6F2C14}"/>
+                <a16:creationId xmlns="" xmlns:a16="http://schemas.microsoft.com/office/drawing/2014/main" id="{26068875-7984-8649-8598-9B56CB6F2C14}"/>
               </a:ext>
             </a:extLst>
           </p:cNvPr>
@@ -3113,7 +3113,7 @@
           <p:cNvPr id="4" name="Content Placeholder 3">
             <a:extLst>
               <a:ext uri="{FF2B5EF4-FFF2-40B4-BE49-F238E27FC236}">
-                <a16:creationId xmlns:a16="http://schemas.microsoft.com/office/drawing/2014/main" xmlns="" id="{BB7EB37C-72B6-FB4E-9B23-373779EA9573}"/>
+                <a16:creationId xmlns="" xmlns:a16="http://schemas.microsoft.com/office/drawing/2014/main" id="{BB7EB37C-72B6-FB4E-9B23-373779EA9573}"/>
               </a:ext>
             </a:extLst>
           </p:cNvPr>
@@ -3175,7 +3175,7 @@
           <p:cNvPr id="5" name="Text Placeholder 4">
             <a:extLst>
               <a:ext uri="{FF2B5EF4-FFF2-40B4-BE49-F238E27FC236}">
-                <a16:creationId xmlns:a16="http://schemas.microsoft.com/office/drawing/2014/main" xmlns="" id="{DCF177DF-058A-FC49-BF40-61087803DF73}"/>
+                <a16:creationId xmlns="" xmlns:a16="http://schemas.microsoft.com/office/drawing/2014/main" id="{DCF177DF-058A-FC49-BF40-61087803DF73}"/>
               </a:ext>
             </a:extLst>
           </p:cNvPr>
@@ -3246,7 +3246,7 @@
           <p:cNvPr id="6" name="Content Placeholder 5">
             <a:extLst>
               <a:ext uri="{FF2B5EF4-FFF2-40B4-BE49-F238E27FC236}">
-                <a16:creationId xmlns:a16="http://schemas.microsoft.com/office/drawing/2014/main" xmlns="" id="{3A91DE52-246D-E340-8DEF-CADD15C9BD5A}"/>
+                <a16:creationId xmlns="" xmlns:a16="http://schemas.microsoft.com/office/drawing/2014/main" id="{3A91DE52-246D-E340-8DEF-CADD15C9BD5A}"/>
               </a:ext>
             </a:extLst>
           </p:cNvPr>
@@ -3308,7 +3308,7 @@
           <p:cNvPr id="7" name="Date Placeholder 6">
             <a:extLst>
               <a:ext uri="{FF2B5EF4-FFF2-40B4-BE49-F238E27FC236}">
-                <a16:creationId xmlns:a16="http://schemas.microsoft.com/office/drawing/2014/main" xmlns="" id="{EB9D2EAB-942B-1744-AB3E-1167B0DA2617}"/>
+                <a16:creationId xmlns="" xmlns:a16="http://schemas.microsoft.com/office/drawing/2014/main" id="{EB9D2EAB-942B-1744-AB3E-1167B0DA2617}"/>
               </a:ext>
             </a:extLst>
           </p:cNvPr>
@@ -3326,7 +3326,7 @@
           <a:p>
             <a:fld id="{A821AF8D-EA27-A940-BB27-147E164DA6E4}" type="datetimeFigureOut">
               <a:rPr lang="en-US" smtClean="0"/>
-              <a:t>9/12/20</a:t>
+              <a:t>10/11/20</a:t>
             </a:fld>
             <a:endParaRPr lang="en-US"/>
           </a:p>
@@ -3337,7 +3337,7 @@
           <p:cNvPr id="8" name="Footer Placeholder 7">
             <a:extLst>
               <a:ext uri="{FF2B5EF4-FFF2-40B4-BE49-F238E27FC236}">
-                <a16:creationId xmlns:a16="http://schemas.microsoft.com/office/drawing/2014/main" xmlns="" id="{8E4704A6-171F-B74E-9060-3DFB15550A7C}"/>
+                <a16:creationId xmlns="" xmlns:a16="http://schemas.microsoft.com/office/drawing/2014/main" id="{8E4704A6-171F-B74E-9060-3DFB15550A7C}"/>
               </a:ext>
             </a:extLst>
           </p:cNvPr>
@@ -3362,7 +3362,7 @@
           <p:cNvPr id="9" name="Slide Number Placeholder 8">
             <a:extLst>
               <a:ext uri="{FF2B5EF4-FFF2-40B4-BE49-F238E27FC236}">
-                <a16:creationId xmlns:a16="http://schemas.microsoft.com/office/drawing/2014/main" xmlns="" id="{9BB6CDA1-5DBA-9D49-B352-DBF968D0CB70}"/>
+                <a16:creationId xmlns="" xmlns:a16="http://schemas.microsoft.com/office/drawing/2014/main" id="{9BB6CDA1-5DBA-9D49-B352-DBF968D0CB70}"/>
               </a:ext>
             </a:extLst>
           </p:cNvPr>
@@ -3421,7 +3421,7 @@
           <p:cNvPr id="2" name="Title 1">
             <a:extLst>
               <a:ext uri="{FF2B5EF4-FFF2-40B4-BE49-F238E27FC236}">
-                <a16:creationId xmlns:a16="http://schemas.microsoft.com/office/drawing/2014/main" xmlns="" id="{D5B0EB9B-D728-9E40-ABA5-2FE90BDAE6AA}"/>
+                <a16:creationId xmlns="" xmlns:a16="http://schemas.microsoft.com/office/drawing/2014/main" id="{D5B0EB9B-D728-9E40-ABA5-2FE90BDAE6AA}"/>
               </a:ext>
             </a:extLst>
           </p:cNvPr>
@@ -3449,7 +3449,7 @@
           <p:cNvPr id="3" name="Date Placeholder 2">
             <a:extLst>
               <a:ext uri="{FF2B5EF4-FFF2-40B4-BE49-F238E27FC236}">
-                <a16:creationId xmlns:a16="http://schemas.microsoft.com/office/drawing/2014/main" xmlns="" id="{52796596-4357-3A4A-8563-B2B91A18D3A4}"/>
+                <a16:creationId xmlns="" xmlns:a16="http://schemas.microsoft.com/office/drawing/2014/main" id="{52796596-4357-3A4A-8563-B2B91A18D3A4}"/>
               </a:ext>
             </a:extLst>
           </p:cNvPr>
@@ -3467,7 +3467,7 @@
           <a:p>
             <a:fld id="{A821AF8D-EA27-A940-BB27-147E164DA6E4}" type="datetimeFigureOut">
               <a:rPr lang="en-US" smtClean="0"/>
-              <a:t>9/12/20</a:t>
+              <a:t>10/11/20</a:t>
             </a:fld>
             <a:endParaRPr lang="en-US"/>
           </a:p>
@@ -3478,7 +3478,7 @@
           <p:cNvPr id="4" name="Footer Placeholder 3">
             <a:extLst>
               <a:ext uri="{FF2B5EF4-FFF2-40B4-BE49-F238E27FC236}">
-                <a16:creationId xmlns:a16="http://schemas.microsoft.com/office/drawing/2014/main" xmlns="" id="{42E3B0DF-5B3E-8E46-9F40-B84C0948A817}"/>
+                <a16:creationId xmlns="" xmlns:a16="http://schemas.microsoft.com/office/drawing/2014/main" id="{42E3B0DF-5B3E-8E46-9F40-B84C0948A817}"/>
               </a:ext>
             </a:extLst>
           </p:cNvPr>
@@ -3503,7 +3503,7 @@
           <p:cNvPr id="5" name="Slide Number Placeholder 4">
             <a:extLst>
               <a:ext uri="{FF2B5EF4-FFF2-40B4-BE49-F238E27FC236}">
-                <a16:creationId xmlns:a16="http://schemas.microsoft.com/office/drawing/2014/main" xmlns="" id="{E80D5EBC-72B6-0E4D-AA5D-3A0A4D9D3156}"/>
+                <a16:creationId xmlns="" xmlns:a16="http://schemas.microsoft.com/office/drawing/2014/main" id="{E80D5EBC-72B6-0E4D-AA5D-3A0A4D9D3156}"/>
               </a:ext>
             </a:extLst>
           </p:cNvPr>
@@ -3562,7 +3562,7 @@
           <p:cNvPr id="2" name="Date Placeholder 1">
             <a:extLst>
               <a:ext uri="{FF2B5EF4-FFF2-40B4-BE49-F238E27FC236}">
-                <a16:creationId xmlns:a16="http://schemas.microsoft.com/office/drawing/2014/main" xmlns="" id="{9746A7A7-5ACF-9D4D-9032-65B29DFDBF0F}"/>
+                <a16:creationId xmlns="" xmlns:a16="http://schemas.microsoft.com/office/drawing/2014/main" id="{9746A7A7-5ACF-9D4D-9032-65B29DFDBF0F}"/>
               </a:ext>
             </a:extLst>
           </p:cNvPr>
@@ -3580,7 +3580,7 @@
           <a:p>
             <a:fld id="{A821AF8D-EA27-A940-BB27-147E164DA6E4}" type="datetimeFigureOut">
               <a:rPr lang="en-US" smtClean="0"/>
-              <a:t>9/12/20</a:t>
+              <a:t>10/11/20</a:t>
             </a:fld>
             <a:endParaRPr lang="en-US"/>
           </a:p>
@@ -3591,7 +3591,7 @@
           <p:cNvPr id="3" name="Footer Placeholder 2">
             <a:extLst>
               <a:ext uri="{FF2B5EF4-FFF2-40B4-BE49-F238E27FC236}">
-                <a16:creationId xmlns:a16="http://schemas.microsoft.com/office/drawing/2014/main" xmlns="" id="{F12E0F61-A1D7-8F44-B829-F1C3D6B31F8B}"/>
+                <a16:creationId xmlns="" xmlns:a16="http://schemas.microsoft.com/office/drawing/2014/main" id="{F12E0F61-A1D7-8F44-B829-F1C3D6B31F8B}"/>
               </a:ext>
             </a:extLst>
           </p:cNvPr>
@@ -3616,7 +3616,7 @@
           <p:cNvPr id="4" name="Slide Number Placeholder 3">
             <a:extLst>
               <a:ext uri="{FF2B5EF4-FFF2-40B4-BE49-F238E27FC236}">
-                <a16:creationId xmlns:a16="http://schemas.microsoft.com/office/drawing/2014/main" xmlns="" id="{65747178-BED5-1C48-A6C3-76B82435B134}"/>
+                <a16:creationId xmlns="" xmlns:a16="http://schemas.microsoft.com/office/drawing/2014/main" id="{65747178-BED5-1C48-A6C3-76B82435B134}"/>
               </a:ext>
             </a:extLst>
           </p:cNvPr>
@@ -3675,7 +3675,7 @@
           <p:cNvPr id="2" name="Title 1">
             <a:extLst>
               <a:ext uri="{FF2B5EF4-FFF2-40B4-BE49-F238E27FC236}">
-                <a16:creationId xmlns:a16="http://schemas.microsoft.com/office/drawing/2014/main" xmlns="" id="{81C16306-B158-E140-812E-4649C538955C}"/>
+                <a16:creationId xmlns="" xmlns:a16="http://schemas.microsoft.com/office/drawing/2014/main" id="{81C16306-B158-E140-812E-4649C538955C}"/>
               </a:ext>
             </a:extLst>
           </p:cNvPr>
@@ -3712,7 +3712,7 @@
           <p:cNvPr id="3" name="Content Placeholder 2">
             <a:extLst>
               <a:ext uri="{FF2B5EF4-FFF2-40B4-BE49-F238E27FC236}">
-                <a16:creationId xmlns:a16="http://schemas.microsoft.com/office/drawing/2014/main" xmlns="" id="{2913B2FD-F386-E74E-B235-4A1338499D63}"/>
+                <a16:creationId xmlns="" xmlns:a16="http://schemas.microsoft.com/office/drawing/2014/main" id="{2913B2FD-F386-E74E-B235-4A1338499D63}"/>
               </a:ext>
             </a:extLst>
           </p:cNvPr>
@@ -3802,7 +3802,7 @@
           <p:cNvPr id="4" name="Text Placeholder 3">
             <a:extLst>
               <a:ext uri="{FF2B5EF4-FFF2-40B4-BE49-F238E27FC236}">
-                <a16:creationId xmlns:a16="http://schemas.microsoft.com/office/drawing/2014/main" xmlns="" id="{7E3B1F17-1E70-8943-9626-30A751863EAC}"/>
+                <a16:creationId xmlns="" xmlns:a16="http://schemas.microsoft.com/office/drawing/2014/main" id="{7E3B1F17-1E70-8943-9626-30A751863EAC}"/>
               </a:ext>
             </a:extLst>
           </p:cNvPr>
@@ -3873,7 +3873,7 @@
           <p:cNvPr id="5" name="Date Placeholder 4">
             <a:extLst>
               <a:ext uri="{FF2B5EF4-FFF2-40B4-BE49-F238E27FC236}">
-                <a16:creationId xmlns:a16="http://schemas.microsoft.com/office/drawing/2014/main" xmlns="" id="{FFDBF623-8A9A-7649-8EC2-2CE90E4E5594}"/>
+                <a16:creationId xmlns="" xmlns:a16="http://schemas.microsoft.com/office/drawing/2014/main" id="{FFDBF623-8A9A-7649-8EC2-2CE90E4E5594}"/>
               </a:ext>
             </a:extLst>
           </p:cNvPr>
@@ -3891,7 +3891,7 @@
           <a:p>
             <a:fld id="{A821AF8D-EA27-A940-BB27-147E164DA6E4}" type="datetimeFigureOut">
               <a:rPr lang="en-US" smtClean="0"/>
-              <a:t>9/12/20</a:t>
+              <a:t>10/11/20</a:t>
             </a:fld>
             <a:endParaRPr lang="en-US"/>
           </a:p>
@@ -3902,7 +3902,7 @@
           <p:cNvPr id="6" name="Footer Placeholder 5">
             <a:extLst>
               <a:ext uri="{FF2B5EF4-FFF2-40B4-BE49-F238E27FC236}">
-                <a16:creationId xmlns:a16="http://schemas.microsoft.com/office/drawing/2014/main" xmlns="" id="{E78B6AA3-A4EF-3243-9D30-C361EC7E4E78}"/>
+                <a16:creationId xmlns="" xmlns:a16="http://schemas.microsoft.com/office/drawing/2014/main" id="{E78B6AA3-A4EF-3243-9D30-C361EC7E4E78}"/>
               </a:ext>
             </a:extLst>
           </p:cNvPr>
@@ -3927,7 +3927,7 @@
           <p:cNvPr id="7" name="Slide Number Placeholder 6">
             <a:extLst>
               <a:ext uri="{FF2B5EF4-FFF2-40B4-BE49-F238E27FC236}">
-                <a16:creationId xmlns:a16="http://schemas.microsoft.com/office/drawing/2014/main" xmlns="" id="{ADB4200A-A0D8-1646-AF64-1B1103468CC6}"/>
+                <a16:creationId xmlns="" xmlns:a16="http://schemas.microsoft.com/office/drawing/2014/main" id="{ADB4200A-A0D8-1646-AF64-1B1103468CC6}"/>
               </a:ext>
             </a:extLst>
           </p:cNvPr>
@@ -3986,7 +3986,7 @@
           <p:cNvPr id="2" name="Title 1">
             <a:extLst>
               <a:ext uri="{FF2B5EF4-FFF2-40B4-BE49-F238E27FC236}">
-                <a16:creationId xmlns:a16="http://schemas.microsoft.com/office/drawing/2014/main" xmlns="" id="{BA1870D9-ACB3-0D4E-9068-5A5A161164EC}"/>
+                <a16:creationId xmlns="" xmlns:a16="http://schemas.microsoft.com/office/drawing/2014/main" id="{BA1870D9-ACB3-0D4E-9068-5A5A161164EC}"/>
               </a:ext>
             </a:extLst>
           </p:cNvPr>
@@ -4023,7 +4023,7 @@
           <p:cNvPr id="3" name="Picture Placeholder 2">
             <a:extLst>
               <a:ext uri="{FF2B5EF4-FFF2-40B4-BE49-F238E27FC236}">
-                <a16:creationId xmlns:a16="http://schemas.microsoft.com/office/drawing/2014/main" xmlns="" id="{29D71151-C025-C242-B1B5-9F476E37DF56}"/>
+                <a16:creationId xmlns="" xmlns:a16="http://schemas.microsoft.com/office/drawing/2014/main" id="{29D71151-C025-C242-B1B5-9F476E37DF56}"/>
               </a:ext>
             </a:extLst>
           </p:cNvPr>
@@ -4090,7 +4090,7 @@
           <p:cNvPr id="4" name="Text Placeholder 3">
             <a:extLst>
               <a:ext uri="{FF2B5EF4-FFF2-40B4-BE49-F238E27FC236}">
-                <a16:creationId xmlns:a16="http://schemas.microsoft.com/office/drawing/2014/main" xmlns="" id="{BA1062D9-5600-154E-A452-F2C2D4AFC94F}"/>
+                <a16:creationId xmlns="" xmlns:a16="http://schemas.microsoft.com/office/drawing/2014/main" id="{BA1062D9-5600-154E-A452-F2C2D4AFC94F}"/>
               </a:ext>
             </a:extLst>
           </p:cNvPr>
@@ -4161,7 +4161,7 @@
           <p:cNvPr id="5" name="Date Placeholder 4">
             <a:extLst>
               <a:ext uri="{FF2B5EF4-FFF2-40B4-BE49-F238E27FC236}">
-                <a16:creationId xmlns:a16="http://schemas.microsoft.com/office/drawing/2014/main" xmlns="" id="{34D168B1-1FAB-E942-B6ED-55BB23E10956}"/>
+                <a16:creationId xmlns="" xmlns:a16="http://schemas.microsoft.com/office/drawing/2014/main" id="{34D168B1-1FAB-E942-B6ED-55BB23E10956}"/>
               </a:ext>
             </a:extLst>
           </p:cNvPr>
@@ -4179,7 +4179,7 @@
           <a:p>
             <a:fld id="{A821AF8D-EA27-A940-BB27-147E164DA6E4}" type="datetimeFigureOut">
               <a:rPr lang="en-US" smtClean="0"/>
-              <a:t>9/12/20</a:t>
+              <a:t>10/11/20</a:t>
             </a:fld>
             <a:endParaRPr lang="en-US"/>
           </a:p>
@@ -4190,7 +4190,7 @@
           <p:cNvPr id="6" name="Footer Placeholder 5">
             <a:extLst>
               <a:ext uri="{FF2B5EF4-FFF2-40B4-BE49-F238E27FC236}">
-                <a16:creationId xmlns:a16="http://schemas.microsoft.com/office/drawing/2014/main" xmlns="" id="{1CF0FA1C-B8DF-C246-A650-C7281E1054C5}"/>
+                <a16:creationId xmlns="" xmlns:a16="http://schemas.microsoft.com/office/drawing/2014/main" id="{1CF0FA1C-B8DF-C246-A650-C7281E1054C5}"/>
               </a:ext>
             </a:extLst>
           </p:cNvPr>
@@ -4215,7 +4215,7 @@
           <p:cNvPr id="7" name="Slide Number Placeholder 6">
             <a:extLst>
               <a:ext uri="{FF2B5EF4-FFF2-40B4-BE49-F238E27FC236}">
-                <a16:creationId xmlns:a16="http://schemas.microsoft.com/office/drawing/2014/main" xmlns="" id="{20AECDB3-D9B8-D542-9026-2BEE4302E9D5}"/>
+                <a16:creationId xmlns="" xmlns:a16="http://schemas.microsoft.com/office/drawing/2014/main" id="{20AECDB3-D9B8-D542-9026-2BEE4302E9D5}"/>
               </a:ext>
             </a:extLst>
           </p:cNvPr>
@@ -4279,7 +4279,7 @@
           <p:cNvPr id="2" name="Title Placeholder 1">
             <a:extLst>
               <a:ext uri="{FF2B5EF4-FFF2-40B4-BE49-F238E27FC236}">
-                <a16:creationId xmlns:a16="http://schemas.microsoft.com/office/drawing/2014/main" xmlns="" id="{4A65BC0C-19BC-2549-8995-7E8B378E17D2}"/>
+                <a16:creationId xmlns="" xmlns:a16="http://schemas.microsoft.com/office/drawing/2014/main" id="{4A65BC0C-19BC-2549-8995-7E8B378E17D2}"/>
               </a:ext>
             </a:extLst>
           </p:cNvPr>
@@ -4317,7 +4317,7 @@
           <p:cNvPr id="3" name="Text Placeholder 2">
             <a:extLst>
               <a:ext uri="{FF2B5EF4-FFF2-40B4-BE49-F238E27FC236}">
-                <a16:creationId xmlns:a16="http://schemas.microsoft.com/office/drawing/2014/main" xmlns="" id="{71552650-696F-2547-A413-E3ECFAA92E2A}"/>
+                <a16:creationId xmlns="" xmlns:a16="http://schemas.microsoft.com/office/drawing/2014/main" id="{71552650-696F-2547-A413-E3ECFAA92E2A}"/>
               </a:ext>
             </a:extLst>
           </p:cNvPr>
@@ -4384,7 +4384,7 @@
           <p:cNvPr id="4" name="Date Placeholder 3">
             <a:extLst>
               <a:ext uri="{FF2B5EF4-FFF2-40B4-BE49-F238E27FC236}">
-                <a16:creationId xmlns:a16="http://schemas.microsoft.com/office/drawing/2014/main" xmlns="" id="{BBE2F41E-2A35-E244-B0E9-0F2D42D70907}"/>
+                <a16:creationId xmlns="" xmlns:a16="http://schemas.microsoft.com/office/drawing/2014/main" id="{BBE2F41E-2A35-E244-B0E9-0F2D42D70907}"/>
               </a:ext>
             </a:extLst>
           </p:cNvPr>
@@ -4420,7 +4420,7 @@
           <a:p>
             <a:fld id="{A821AF8D-EA27-A940-BB27-147E164DA6E4}" type="datetimeFigureOut">
               <a:rPr lang="en-US" smtClean="0"/>
-              <a:t>9/12/20</a:t>
+              <a:t>10/11/20</a:t>
             </a:fld>
             <a:endParaRPr lang="en-US"/>
           </a:p>
@@ -4431,7 +4431,7 @@
           <p:cNvPr id="5" name="Footer Placeholder 4">
             <a:extLst>
               <a:ext uri="{FF2B5EF4-FFF2-40B4-BE49-F238E27FC236}">
-                <a16:creationId xmlns:a16="http://schemas.microsoft.com/office/drawing/2014/main" xmlns="" id="{4379C32E-1905-7147-84E6-47A918D822B0}"/>
+                <a16:creationId xmlns="" xmlns:a16="http://schemas.microsoft.com/office/drawing/2014/main" id="{4379C32E-1905-7147-84E6-47A918D822B0}"/>
               </a:ext>
             </a:extLst>
           </p:cNvPr>
@@ -4474,7 +4474,7 @@
           <p:cNvPr id="6" name="Slide Number Placeholder 5">
             <a:extLst>
               <a:ext uri="{FF2B5EF4-FFF2-40B4-BE49-F238E27FC236}">
-                <a16:creationId xmlns:a16="http://schemas.microsoft.com/office/drawing/2014/main" xmlns="" id="{807A4420-334A-5B41-876F-C8F61186E1C0}"/>
+                <a16:creationId xmlns="" xmlns:a16="http://schemas.microsoft.com/office/drawing/2014/main" id="{807A4420-334A-5B41-876F-C8F61186E1C0}"/>
               </a:ext>
             </a:extLst>
           </p:cNvPr>
@@ -4893,15 +4893,7 @@
                 <a:ea typeface="Times New Roman" charset="0"/>
                 <a:cs typeface="Times New Roman" charset="0"/>
               </a:rPr>
-              <a:t>Unit </a:t>
-            </a:r>
-            <a:r>
-              <a:rPr lang="en-US" sz="3600" b="1" dirty="0">
-                <a:latin typeface="Times New Roman" charset="0"/>
-                <a:ea typeface="Times New Roman" charset="0"/>
-                <a:cs typeface="Times New Roman" charset="0"/>
-              </a:rPr>
-              <a:t>8: </a:t>
+              <a:t>Unit 8: </a:t>
             </a:r>
             <a:r>
               <a:rPr lang="en-US" sz="3600" b="1" dirty="0" err="1">
@@ -5002,15 +4994,7 @@
                 <a:ea typeface="Times New Roman" charset="0"/>
                 <a:cs typeface="Times New Roman" charset="0"/>
               </a:rPr>
-              <a:t>Developed by </a:t>
-            </a:r>
-            <a:r>
-              <a:rPr lang="en-US" sz="3600" i="1" dirty="0">
-                <a:latin typeface="Times New Roman" charset="0"/>
-                <a:ea typeface="Times New Roman" charset="0"/>
-                <a:cs typeface="Times New Roman" charset="0"/>
-              </a:rPr>
-              <a:t>Justin </a:t>
+              <a:t>Developed by Justin </a:t>
             </a:r>
             <a:r>
               <a:rPr lang="en-US" sz="3600" i="1" dirty="0" err="1" smtClean="0">
@@ -5096,7 +5080,7 @@
           <p:cNvPr id="2" name="Title 1">
             <a:extLst>
               <a:ext uri="{FF2B5EF4-FFF2-40B4-BE49-F238E27FC236}">
-                <a16:creationId xmlns:a16="http://schemas.microsoft.com/office/drawing/2014/main" xmlns="" id="{AD203B07-CB94-C543-8FED-3C2B518FCA0D}"/>
+                <a16:creationId xmlns="" xmlns:a16="http://schemas.microsoft.com/office/drawing/2014/main" id="{AD203B07-CB94-C543-8FED-3C2B518FCA0D}"/>
               </a:ext>
             </a:extLst>
           </p:cNvPr>
@@ -5131,7 +5115,7 @@
           <p:cNvPr id="3" name="Content Placeholder 2">
             <a:extLst>
               <a:ext uri="{FF2B5EF4-FFF2-40B4-BE49-F238E27FC236}">
-                <a16:creationId xmlns:a16="http://schemas.microsoft.com/office/drawing/2014/main" xmlns="" id="{4E4B41E3-9411-4142-90D8-7B1BB45F2911}"/>
+                <a16:creationId xmlns="" xmlns:a16="http://schemas.microsoft.com/office/drawing/2014/main" id="{4E4B41E3-9411-4142-90D8-7B1BB45F2911}"/>
               </a:ext>
             </a:extLst>
           </p:cNvPr>
@@ -5238,10 +5222,10 @@
           <p:cNvPr id="29" name="Rectangle 28">
             <a:extLst>
               <a:ext uri="{FF2B5EF4-FFF2-40B4-BE49-F238E27FC236}">
-                <a16:creationId xmlns:a16="http://schemas.microsoft.com/office/drawing/2014/main" xmlns="" id="{293F5FFF-2AE2-424B-BE21-49AFFEF68811}"/>
+                <a16:creationId xmlns="" xmlns:a16="http://schemas.microsoft.com/office/drawing/2014/main" id="{293F5FFF-2AE2-424B-BE21-49AFFEF68811}"/>
               </a:ext>
               <a:ext uri="{C183D7F6-B498-43B3-948B-1728B52AA6E4}">
-                <adec:decorative xmlns:adec="http://schemas.microsoft.com/office/drawing/2017/decorative" xmlns="" val="1"/>
+                <adec:decorative xmlns="" xmlns:adec="http://schemas.microsoft.com/office/drawing/2017/decorative" val="1"/>
               </a:ext>
             </a:extLst>
           </p:cNvPr>
@@ -5330,7 +5314,7 @@
           <p:cNvPr id="8" name="Content Placeholder 2">
             <a:extLst>
               <a:ext uri="{FF2B5EF4-FFF2-40B4-BE49-F238E27FC236}">
-                <a16:creationId xmlns:a16="http://schemas.microsoft.com/office/drawing/2014/main" xmlns="" id="{229BC5D3-C8D7-1C49-9F9C-0B3BF35AFBE4}"/>
+                <a16:creationId xmlns="" xmlns:a16="http://schemas.microsoft.com/office/drawing/2014/main" id="{229BC5D3-C8D7-1C49-9F9C-0B3BF35AFBE4}"/>
               </a:ext>
             </a:extLst>
           </p:cNvPr>
@@ -5556,7 +5540,7 @@
           <p:cNvPr id="4" name="Rectangle 3">
             <a:extLst>
               <a:ext uri="{FF2B5EF4-FFF2-40B4-BE49-F238E27FC236}">
-                <a16:creationId xmlns:a16="http://schemas.microsoft.com/office/drawing/2014/main" xmlns="" id="{C2F3D90C-C107-2748-A8D5-91EEF6F90968}"/>
+                <a16:creationId xmlns="" xmlns:a16="http://schemas.microsoft.com/office/drawing/2014/main" id="{C2F3D90C-C107-2748-A8D5-91EEF6F90968}"/>
               </a:ext>
             </a:extLst>
           </p:cNvPr>
@@ -6326,7 +6310,7 @@
           <p:cNvPr id="2" name="Title 1">
             <a:extLst>
               <a:ext uri="{FF2B5EF4-FFF2-40B4-BE49-F238E27FC236}">
-                <a16:creationId xmlns:a16="http://schemas.microsoft.com/office/drawing/2014/main" xmlns="" id="{12AE96A0-ED8F-624C-A189-18C57DFFC328}"/>
+                <a16:creationId xmlns="" xmlns:a16="http://schemas.microsoft.com/office/drawing/2014/main" id="{12AE96A0-ED8F-624C-A189-18C57DFFC328}"/>
               </a:ext>
             </a:extLst>
           </p:cNvPr>
@@ -6402,7 +6386,7 @@
           <p:cNvPr id="2" name="Title 1">
             <a:extLst>
               <a:ext uri="{FF2B5EF4-FFF2-40B4-BE49-F238E27FC236}">
-                <a16:creationId xmlns:a16="http://schemas.microsoft.com/office/drawing/2014/main" xmlns="" id="{AD203B07-CB94-C543-8FED-3C2B518FCA0D}"/>
+                <a16:creationId xmlns="" xmlns:a16="http://schemas.microsoft.com/office/drawing/2014/main" id="{AD203B07-CB94-C543-8FED-3C2B518FCA0D}"/>
               </a:ext>
             </a:extLst>
           </p:cNvPr>
@@ -6437,7 +6421,7 @@
           <p:cNvPr id="3" name="Content Placeholder 2">
             <a:extLst>
               <a:ext uri="{FF2B5EF4-FFF2-40B4-BE49-F238E27FC236}">
-                <a16:creationId xmlns:a16="http://schemas.microsoft.com/office/drawing/2014/main" xmlns="" id="{4E4B41E3-9411-4142-90D8-7B1BB45F2911}"/>
+                <a16:creationId xmlns="" xmlns:a16="http://schemas.microsoft.com/office/drawing/2014/main" id="{4E4B41E3-9411-4142-90D8-7B1BB45F2911}"/>
               </a:ext>
             </a:extLst>
           </p:cNvPr>
@@ -6548,10 +6532,10 @@
           <p:cNvPr id="29" name="Rectangle 28">
             <a:extLst>
               <a:ext uri="{FF2B5EF4-FFF2-40B4-BE49-F238E27FC236}">
-                <a16:creationId xmlns:a16="http://schemas.microsoft.com/office/drawing/2014/main" xmlns="" id="{293F5FFF-2AE2-424B-BE21-49AFFEF68811}"/>
+                <a16:creationId xmlns="" xmlns:a16="http://schemas.microsoft.com/office/drawing/2014/main" id="{293F5FFF-2AE2-424B-BE21-49AFFEF68811}"/>
               </a:ext>
               <a:ext uri="{C183D7F6-B498-43B3-948B-1728B52AA6E4}">
-                <adec:decorative xmlns:adec="http://schemas.microsoft.com/office/drawing/2017/decorative" xmlns="" val="1"/>
+                <adec:decorative xmlns="" xmlns:adec="http://schemas.microsoft.com/office/drawing/2017/decorative" val="1"/>
               </a:ext>
             </a:extLst>
           </p:cNvPr>
@@ -6640,7 +6624,7 @@
           <p:cNvPr id="8" name="Content Placeholder 2">
             <a:extLst>
               <a:ext uri="{FF2B5EF4-FFF2-40B4-BE49-F238E27FC236}">
-                <a16:creationId xmlns:a16="http://schemas.microsoft.com/office/drawing/2014/main" xmlns="" id="{229BC5D3-C8D7-1C49-9F9C-0B3BF35AFBE4}"/>
+                <a16:creationId xmlns="" xmlns:a16="http://schemas.microsoft.com/office/drawing/2014/main" id="{229BC5D3-C8D7-1C49-9F9C-0B3BF35AFBE4}"/>
               </a:ext>
             </a:extLst>
           </p:cNvPr>
@@ -6866,7 +6850,7 @@
           <p:cNvPr id="4" name="Rectangle 3">
             <a:extLst>
               <a:ext uri="{FF2B5EF4-FFF2-40B4-BE49-F238E27FC236}">
-                <a16:creationId xmlns:a16="http://schemas.microsoft.com/office/drawing/2014/main" xmlns="" id="{C2F3D90C-C107-2748-A8D5-91EEF6F90968}"/>
+                <a16:creationId xmlns="" xmlns:a16="http://schemas.microsoft.com/office/drawing/2014/main" id="{C2F3D90C-C107-2748-A8D5-91EEF6F90968}"/>
               </a:ext>
             </a:extLst>
           </p:cNvPr>
@@ -9118,10 +9102,10 @@
           <p:cNvPr id="10" name="Rectangle 9">
             <a:extLst>
               <a:ext uri="{FF2B5EF4-FFF2-40B4-BE49-F238E27FC236}">
-                <a16:creationId xmlns:a16="http://schemas.microsoft.com/office/drawing/2014/main" xmlns="" id="{3A4F209C-C20E-4FA7-B241-1EF4F8D193B2}"/>
+                <a16:creationId xmlns="" xmlns:a16="http://schemas.microsoft.com/office/drawing/2014/main" id="{3A4F209C-C20E-4FA7-B241-1EF4F8D193B2}"/>
               </a:ext>
               <a:ext uri="{C183D7F6-B498-43B3-948B-1728B52AA6E4}">
-                <adec:decorative xmlns:adec="http://schemas.microsoft.com/office/drawing/2017/decorative" xmlns="" val="1"/>
+                <adec:decorative xmlns="" xmlns:adec="http://schemas.microsoft.com/office/drawing/2017/decorative" val="1"/>
               </a:ext>
             </a:extLst>
           </p:cNvPr>
@@ -9210,10 +9194,10 @@
           <p:cNvPr id="12" name="Rectangle 11">
             <a:extLst>
               <a:ext uri="{FF2B5EF4-FFF2-40B4-BE49-F238E27FC236}">
-                <a16:creationId xmlns:a16="http://schemas.microsoft.com/office/drawing/2014/main" xmlns="" id="{E4564234-45B0-4ED8-A9E2-199C00173276}"/>
+                <a16:creationId xmlns="" xmlns:a16="http://schemas.microsoft.com/office/drawing/2014/main" id="{E4564234-45B0-4ED8-A9E2-199C00173276}"/>
               </a:ext>
               <a:ext uri="{C183D7F6-B498-43B3-948B-1728B52AA6E4}">
-                <adec:decorative xmlns:adec="http://schemas.microsoft.com/office/drawing/2017/decorative" xmlns="" val="1"/>
+                <adec:decorative xmlns="" xmlns:adec="http://schemas.microsoft.com/office/drawing/2017/decorative" val="1"/>
               </a:ext>
             </a:extLst>
           </p:cNvPr>
@@ -9299,7 +9283,7 @@
           <p:cNvPr id="2" name="Title 1">
             <a:extLst>
               <a:ext uri="{FF2B5EF4-FFF2-40B4-BE49-F238E27FC236}">
-                <a16:creationId xmlns:a16="http://schemas.microsoft.com/office/drawing/2014/main" xmlns="" id="{12AE96A0-ED8F-624C-A189-18C57DFFC328}"/>
+                <a16:creationId xmlns="" xmlns:a16="http://schemas.microsoft.com/office/drawing/2014/main" id="{12AE96A0-ED8F-624C-A189-18C57DFFC328}"/>
               </a:ext>
             </a:extLst>
           </p:cNvPr>
@@ -9341,7 +9325,7 @@
           <p:cNvPr id="5" name="Content Placeholder 4">
             <a:extLst>
               <a:ext uri="{FF2B5EF4-FFF2-40B4-BE49-F238E27FC236}">
-                <a16:creationId xmlns:a16="http://schemas.microsoft.com/office/drawing/2014/main" xmlns="" id="{D709A5CC-AC22-0340-8F44-73A8C271AE35}"/>
+                <a16:creationId xmlns="" xmlns:a16="http://schemas.microsoft.com/office/drawing/2014/main" id="{D709A5CC-AC22-0340-8F44-73A8C271AE35}"/>
               </a:ext>
             </a:extLst>
           </p:cNvPr>
@@ -9432,7 +9416,7 @@
           <p:cNvPr id="3" name="Table 2">
             <a:extLst>
               <a:ext uri="{FF2B5EF4-FFF2-40B4-BE49-F238E27FC236}">
-                <a16:creationId xmlns:a16="http://schemas.microsoft.com/office/drawing/2014/main" xmlns="" id="{385C4C53-BAA6-6B4F-92C2-0829D71A6D27}"/>
+                <a16:creationId xmlns="" xmlns:a16="http://schemas.microsoft.com/office/drawing/2014/main" id="{385C4C53-BAA6-6B4F-92C2-0829D71A6D27}"/>
               </a:ext>
             </a:extLst>
           </p:cNvPr>
@@ -9461,21 +9445,21 @@
                 <a:gridCol w="2709333">
                   <a:extLst>
                     <a:ext uri="{9D8B030D-6E8A-4147-A177-3AD203B41FA5}">
-                      <a16:colId xmlns:a16="http://schemas.microsoft.com/office/drawing/2014/main" xmlns="" val="3128613816"/>
+                      <a16:colId xmlns="" xmlns:a16="http://schemas.microsoft.com/office/drawing/2014/main" val="3128613816"/>
                     </a:ext>
                   </a:extLst>
                 </a:gridCol>
                 <a:gridCol w="2709333">
                   <a:extLst>
                     <a:ext uri="{9D8B030D-6E8A-4147-A177-3AD203B41FA5}">
-                      <a16:colId xmlns:a16="http://schemas.microsoft.com/office/drawing/2014/main" xmlns="" val="936682656"/>
+                      <a16:colId xmlns="" xmlns:a16="http://schemas.microsoft.com/office/drawing/2014/main" val="936682656"/>
                     </a:ext>
                   </a:extLst>
                 </a:gridCol>
                 <a:gridCol w="2709333">
                   <a:extLst>
                     <a:ext uri="{9D8B030D-6E8A-4147-A177-3AD203B41FA5}">
-                      <a16:colId xmlns:a16="http://schemas.microsoft.com/office/drawing/2014/main" xmlns="" val="1454602897"/>
+                      <a16:colId xmlns="" xmlns:a16="http://schemas.microsoft.com/office/drawing/2014/main" val="1454602897"/>
                     </a:ext>
                   </a:extLst>
                 </a:gridCol>
@@ -9542,7 +9526,7 @@
                 </a:tc>
                 <a:extLst>
                   <a:ext uri="{0D108BD9-81ED-4DB2-BD59-A6C34878D82A}">
-                    <a16:rowId xmlns:a16="http://schemas.microsoft.com/office/drawing/2014/main" xmlns="" val="1817702652"/>
+                    <a16:rowId xmlns="" xmlns:a16="http://schemas.microsoft.com/office/drawing/2014/main" val="1817702652"/>
                   </a:ext>
                 </a:extLst>
               </a:tr>
@@ -9596,7 +9580,7 @@
                 </a:tc>
                 <a:extLst>
                   <a:ext uri="{0D108BD9-81ED-4DB2-BD59-A6C34878D82A}">
-                    <a16:rowId xmlns:a16="http://schemas.microsoft.com/office/drawing/2014/main" xmlns="" val="3483568158"/>
+                    <a16:rowId xmlns="" xmlns:a16="http://schemas.microsoft.com/office/drawing/2014/main" val="3483568158"/>
                   </a:ext>
                 </a:extLst>
               </a:tr>
@@ -9650,7 +9634,7 @@
                 </a:tc>
                 <a:extLst>
                   <a:ext uri="{0D108BD9-81ED-4DB2-BD59-A6C34878D82A}">
-                    <a16:rowId xmlns:a16="http://schemas.microsoft.com/office/drawing/2014/main" xmlns="" val="1980686529"/>
+                    <a16:rowId xmlns="" xmlns:a16="http://schemas.microsoft.com/office/drawing/2014/main" val="1980686529"/>
                   </a:ext>
                 </a:extLst>
               </a:tr>
@@ -9701,10 +9685,10 @@
           <p:cNvPr id="10" name="Rectangle 9">
             <a:extLst>
               <a:ext uri="{FF2B5EF4-FFF2-40B4-BE49-F238E27FC236}">
-                <a16:creationId xmlns:a16="http://schemas.microsoft.com/office/drawing/2014/main" xmlns="" id="{3A4F209C-C20E-4FA7-B241-1EF4F8D193B2}"/>
+                <a16:creationId xmlns="" xmlns:a16="http://schemas.microsoft.com/office/drawing/2014/main" id="{3A4F209C-C20E-4FA7-B241-1EF4F8D193B2}"/>
               </a:ext>
               <a:ext uri="{C183D7F6-B498-43B3-948B-1728B52AA6E4}">
-                <adec:decorative xmlns:adec="http://schemas.microsoft.com/office/drawing/2017/decorative" xmlns="" val="1"/>
+                <adec:decorative xmlns="" xmlns:adec="http://schemas.microsoft.com/office/drawing/2017/decorative" val="1"/>
               </a:ext>
             </a:extLst>
           </p:cNvPr>
@@ -9793,10 +9777,10 @@
           <p:cNvPr id="12" name="Rectangle 11">
             <a:extLst>
               <a:ext uri="{FF2B5EF4-FFF2-40B4-BE49-F238E27FC236}">
-                <a16:creationId xmlns:a16="http://schemas.microsoft.com/office/drawing/2014/main" xmlns="" id="{E4564234-45B0-4ED8-A9E2-199C00173276}"/>
+                <a16:creationId xmlns="" xmlns:a16="http://schemas.microsoft.com/office/drawing/2014/main" id="{E4564234-45B0-4ED8-A9E2-199C00173276}"/>
               </a:ext>
               <a:ext uri="{C183D7F6-B498-43B3-948B-1728B52AA6E4}">
-                <adec:decorative xmlns:adec="http://schemas.microsoft.com/office/drawing/2017/decorative" xmlns="" val="1"/>
+                <adec:decorative xmlns="" xmlns:adec="http://schemas.microsoft.com/office/drawing/2017/decorative" val="1"/>
               </a:ext>
             </a:extLst>
           </p:cNvPr>
@@ -9882,7 +9866,7 @@
           <p:cNvPr id="2" name="Title 1">
             <a:extLst>
               <a:ext uri="{FF2B5EF4-FFF2-40B4-BE49-F238E27FC236}">
-                <a16:creationId xmlns:a16="http://schemas.microsoft.com/office/drawing/2014/main" xmlns="" id="{12AE96A0-ED8F-624C-A189-18C57DFFC328}"/>
+                <a16:creationId xmlns="" xmlns:a16="http://schemas.microsoft.com/office/drawing/2014/main" id="{12AE96A0-ED8F-624C-A189-18C57DFFC328}"/>
               </a:ext>
             </a:extLst>
           </p:cNvPr>
@@ -9924,7 +9908,7 @@
           <p:cNvPr id="5" name="Content Placeholder 4">
             <a:extLst>
               <a:ext uri="{FF2B5EF4-FFF2-40B4-BE49-F238E27FC236}">
-                <a16:creationId xmlns:a16="http://schemas.microsoft.com/office/drawing/2014/main" xmlns="" id="{D709A5CC-AC22-0340-8F44-73A8C271AE35}"/>
+                <a16:creationId xmlns="" xmlns:a16="http://schemas.microsoft.com/office/drawing/2014/main" id="{D709A5CC-AC22-0340-8F44-73A8C271AE35}"/>
               </a:ext>
             </a:extLst>
           </p:cNvPr>
@@ -10017,10 +10001,10 @@
           <p:cNvPr id="10" name="Rectangle 9">
             <a:extLst>
               <a:ext uri="{FF2B5EF4-FFF2-40B4-BE49-F238E27FC236}">
-                <a16:creationId xmlns:a16="http://schemas.microsoft.com/office/drawing/2014/main" xmlns="" id="{3A4F209C-C20E-4FA7-B241-1EF4F8D193B2}"/>
+                <a16:creationId xmlns="" xmlns:a16="http://schemas.microsoft.com/office/drawing/2014/main" id="{3A4F209C-C20E-4FA7-B241-1EF4F8D193B2}"/>
               </a:ext>
               <a:ext uri="{C183D7F6-B498-43B3-948B-1728B52AA6E4}">
-                <adec:decorative xmlns:adec="http://schemas.microsoft.com/office/drawing/2017/decorative" xmlns="" val="1"/>
+                <adec:decorative xmlns="" xmlns:adec="http://schemas.microsoft.com/office/drawing/2017/decorative" val="1"/>
               </a:ext>
             </a:extLst>
           </p:cNvPr>
@@ -10109,10 +10093,10 @@
           <p:cNvPr id="12" name="Rectangle 11">
             <a:extLst>
               <a:ext uri="{FF2B5EF4-FFF2-40B4-BE49-F238E27FC236}">
-                <a16:creationId xmlns:a16="http://schemas.microsoft.com/office/drawing/2014/main" xmlns="" id="{E4564234-45B0-4ED8-A9E2-199C00173276}"/>
+                <a16:creationId xmlns="" xmlns:a16="http://schemas.microsoft.com/office/drawing/2014/main" id="{E4564234-45B0-4ED8-A9E2-199C00173276}"/>
               </a:ext>
               <a:ext uri="{C183D7F6-B498-43B3-948B-1728B52AA6E4}">
-                <adec:decorative xmlns:adec="http://schemas.microsoft.com/office/drawing/2017/decorative" xmlns="" val="1"/>
+                <adec:decorative xmlns="" xmlns:adec="http://schemas.microsoft.com/office/drawing/2017/decorative" val="1"/>
               </a:ext>
             </a:extLst>
           </p:cNvPr>
@@ -10198,7 +10182,7 @@
           <p:cNvPr id="2" name="Title 1">
             <a:extLst>
               <a:ext uri="{FF2B5EF4-FFF2-40B4-BE49-F238E27FC236}">
-                <a16:creationId xmlns:a16="http://schemas.microsoft.com/office/drawing/2014/main" xmlns="" id="{12AE96A0-ED8F-624C-A189-18C57DFFC328}"/>
+                <a16:creationId xmlns="" xmlns:a16="http://schemas.microsoft.com/office/drawing/2014/main" id="{12AE96A0-ED8F-624C-A189-18C57DFFC328}"/>
               </a:ext>
             </a:extLst>
           </p:cNvPr>
@@ -10240,7 +10224,7 @@
           <p:cNvPr id="5" name="Content Placeholder 4">
             <a:extLst>
               <a:ext uri="{FF2B5EF4-FFF2-40B4-BE49-F238E27FC236}">
-                <a16:creationId xmlns:a16="http://schemas.microsoft.com/office/drawing/2014/main" xmlns="" id="{D709A5CC-AC22-0340-8F44-73A8C271AE35}"/>
+                <a16:creationId xmlns="" xmlns:a16="http://schemas.microsoft.com/office/drawing/2014/main" id="{D709A5CC-AC22-0340-8F44-73A8C271AE35}"/>
               </a:ext>
             </a:extLst>
           </p:cNvPr>
@@ -10325,7 +10309,7 @@
         </p:nvSpPr>
         <p:spPr>
           <a:xfrm>
-            <a:off x="754745" y="0"/>
+            <a:off x="754743" y="0"/>
             <a:ext cx="10682515" cy="6858000"/>
           </a:xfrm>
         </p:spPr>
@@ -10372,7 +10356,23 @@
                 <a:ea typeface="Times New Roman" charset="0"/>
                 <a:cs typeface="Times New Roman" charset="0"/>
               </a:rPr>
-              <a:t>CC BY-NC 4.0. To view a copy of this license, visit </a:t>
+              <a:t>CC </a:t>
+            </a:r>
+            <a:r>
+              <a:rPr lang="en-US" sz="2800" dirty="0">
+                <a:latin typeface="Times New Roman" charset="0"/>
+                <a:ea typeface="Times New Roman" charset="0"/>
+                <a:cs typeface="Times New Roman" charset="0"/>
+              </a:rPr>
+              <a:t>BY-SA </a:t>
+            </a:r>
+            <a:r>
+              <a:rPr lang="en-US" sz="2800" dirty="0">
+                <a:latin typeface="Times New Roman" charset="0"/>
+                <a:ea typeface="Times New Roman" charset="0"/>
+                <a:cs typeface="Times New Roman" charset="0"/>
+              </a:rPr>
+              <a:t>4.0. To view a copy of this license, visit </a:t>
             </a:r>
             <a:r>
               <a:rPr lang="en-US" sz="2800" dirty="0">
@@ -10381,7 +10381,16 @@
                 <a:cs typeface="Times New Roman" charset="0"/>
                 <a:hlinkClick r:id="rId2"/>
               </a:rPr>
-              <a:t>https://creativecommons.org/licenses/by-nc/4.0</a:t>
+              <a:t>https://</a:t>
+            </a:r>
+            <a:r>
+              <a:rPr lang="en-US" sz="2800" dirty="0">
+                <a:latin typeface="Times New Roman" charset="0"/>
+                <a:ea typeface="Times New Roman" charset="0"/>
+                <a:cs typeface="Times New Roman" charset="0"/>
+                <a:hlinkClick r:id="rId2"/>
+              </a:rPr>
+              <a:t>creativecommons.org/licenses/by-sa/4.0</a:t>
             </a:r>
             <a:r>
               <a:rPr lang="en-US" sz="2800" dirty="0">
@@ -10535,20 +10544,13 @@
     </p:spTree>
     <p:extLst>
       <p:ext uri="{BB962C8B-B14F-4D97-AF65-F5344CB8AC3E}">
-        <p14:creationId xmlns:p14="http://schemas.microsoft.com/office/powerpoint/2010/main" val="1592925698"/>
+        <p14:creationId xmlns:p14="http://schemas.microsoft.com/office/powerpoint/2010/main" val="1963502385"/>
       </p:ext>
     </p:extLst>
   </p:cSld>
   <p:clrMapOvr>
     <a:masterClrMapping/>
   </p:clrMapOvr>
-  <p:timing>
-    <p:tnLst>
-      <p:par>
-        <p:cTn id="1" dur="indefinite" restart="never" nodeType="tmRoot"/>
-      </p:par>
-    </p:tnLst>
-  </p:timing>
 </p:sld>
 </file>
 
@@ -10574,7 +10576,7 @@
           <p:cNvPr id="2" name="Title 1">
             <a:extLst>
               <a:ext uri="{FF2B5EF4-FFF2-40B4-BE49-F238E27FC236}">
-                <a16:creationId xmlns:a16="http://schemas.microsoft.com/office/drawing/2014/main" xmlns="" id="{F7E79348-028E-EB42-9B8D-348A5CE5A3CF}"/>
+                <a16:creationId xmlns="" xmlns:a16="http://schemas.microsoft.com/office/drawing/2014/main" id="{F7E79348-028E-EB42-9B8D-348A5CE5A3CF}"/>
               </a:ext>
             </a:extLst>
           </p:cNvPr>
@@ -10647,10 +10649,10 @@
           <p:cNvPr id="10" name="Rectangle 9">
             <a:extLst>
               <a:ext uri="{FF2B5EF4-FFF2-40B4-BE49-F238E27FC236}">
-                <a16:creationId xmlns:a16="http://schemas.microsoft.com/office/drawing/2014/main" xmlns="" id="{3A4F209C-C20E-4FA7-B241-1EF4F8D193B2}"/>
+                <a16:creationId xmlns="" xmlns:a16="http://schemas.microsoft.com/office/drawing/2014/main" id="{3A4F209C-C20E-4FA7-B241-1EF4F8D193B2}"/>
               </a:ext>
               <a:ext uri="{C183D7F6-B498-43B3-948B-1728B52AA6E4}">
-                <adec:decorative xmlns:adec="http://schemas.microsoft.com/office/drawing/2017/decorative" xmlns="" val="1"/>
+                <adec:decorative xmlns="" xmlns:adec="http://schemas.microsoft.com/office/drawing/2017/decorative" val="1"/>
               </a:ext>
             </a:extLst>
           </p:cNvPr>
@@ -10739,10 +10741,10 @@
           <p:cNvPr id="12" name="Rectangle 11">
             <a:extLst>
               <a:ext uri="{FF2B5EF4-FFF2-40B4-BE49-F238E27FC236}">
-                <a16:creationId xmlns:a16="http://schemas.microsoft.com/office/drawing/2014/main" xmlns="" id="{E4564234-45B0-4ED8-A9E2-199C00173276}"/>
+                <a16:creationId xmlns="" xmlns:a16="http://schemas.microsoft.com/office/drawing/2014/main" id="{E4564234-45B0-4ED8-A9E2-199C00173276}"/>
               </a:ext>
               <a:ext uri="{C183D7F6-B498-43B3-948B-1728B52AA6E4}">
-                <adec:decorative xmlns:adec="http://schemas.microsoft.com/office/drawing/2017/decorative" xmlns="" val="1"/>
+                <adec:decorative xmlns="" xmlns:adec="http://schemas.microsoft.com/office/drawing/2017/decorative" val="1"/>
               </a:ext>
             </a:extLst>
           </p:cNvPr>
@@ -10828,7 +10830,7 @@
           <p:cNvPr id="2" name="Title 1">
             <a:extLst>
               <a:ext uri="{FF2B5EF4-FFF2-40B4-BE49-F238E27FC236}">
-                <a16:creationId xmlns:a16="http://schemas.microsoft.com/office/drawing/2014/main" xmlns="" id="{12AE96A0-ED8F-624C-A189-18C57DFFC328}"/>
+                <a16:creationId xmlns="" xmlns:a16="http://schemas.microsoft.com/office/drawing/2014/main" id="{12AE96A0-ED8F-624C-A189-18C57DFFC328}"/>
               </a:ext>
             </a:extLst>
           </p:cNvPr>
@@ -10872,7 +10874,7 @@
               <p:cNvPr id="5" name="Content Placeholder 4">
                 <a:extLst>
                   <a:ext uri="{FF2B5EF4-FFF2-40B4-BE49-F238E27FC236}">
-                    <a16:creationId xmlns:a16="http://schemas.microsoft.com/office/drawing/2014/main" xmlns="" id="{D709A5CC-AC22-0340-8F44-73A8C271AE35}"/>
+                    <a16:creationId xmlns="" xmlns:a16="http://schemas.microsoft.com/office/drawing/2014/main" id="{D709A5CC-AC22-0340-8F44-73A8C271AE35}"/>
                   </a:ext>
                 </a:extLst>
               </p:cNvPr>
@@ -11017,7 +11019,7 @@
                             <a:latin typeface="Cambria Math" panose="02040503050406030204" pitchFamily="18" charset="0"/>
                             <a:ea typeface="Cambria Math" panose="02040503050406030204" pitchFamily="18" charset="0"/>
                           </a:rPr>
-                          <m:t>∇</m:t>
+                          <m:t>𝛻</m:t>
                         </m:r>
                       </m:e>
                       <m:sup>
@@ -11558,10 +11560,10 @@
           <p:cNvPr id="10" name="Rectangle 9">
             <a:extLst>
               <a:ext uri="{FF2B5EF4-FFF2-40B4-BE49-F238E27FC236}">
-                <a16:creationId xmlns:a16="http://schemas.microsoft.com/office/drawing/2014/main" xmlns="" id="{3A4F209C-C20E-4FA7-B241-1EF4F8D193B2}"/>
+                <a16:creationId xmlns="" xmlns:a16="http://schemas.microsoft.com/office/drawing/2014/main" id="{3A4F209C-C20E-4FA7-B241-1EF4F8D193B2}"/>
               </a:ext>
               <a:ext uri="{C183D7F6-B498-43B3-948B-1728B52AA6E4}">
-                <adec:decorative xmlns:adec="http://schemas.microsoft.com/office/drawing/2017/decorative" xmlns="" val="1"/>
+                <adec:decorative xmlns="" xmlns:adec="http://schemas.microsoft.com/office/drawing/2017/decorative" val="1"/>
               </a:ext>
             </a:extLst>
           </p:cNvPr>
@@ -11650,10 +11652,10 @@
           <p:cNvPr id="12" name="Rectangle 11">
             <a:extLst>
               <a:ext uri="{FF2B5EF4-FFF2-40B4-BE49-F238E27FC236}">
-                <a16:creationId xmlns:a16="http://schemas.microsoft.com/office/drawing/2014/main" xmlns="" id="{E4564234-45B0-4ED8-A9E2-199C00173276}"/>
+                <a16:creationId xmlns="" xmlns:a16="http://schemas.microsoft.com/office/drawing/2014/main" id="{E4564234-45B0-4ED8-A9E2-199C00173276}"/>
               </a:ext>
               <a:ext uri="{C183D7F6-B498-43B3-948B-1728B52AA6E4}">
-                <adec:decorative xmlns:adec="http://schemas.microsoft.com/office/drawing/2017/decorative" xmlns="" val="1"/>
+                <adec:decorative xmlns="" xmlns:adec="http://schemas.microsoft.com/office/drawing/2017/decorative" val="1"/>
               </a:ext>
             </a:extLst>
           </p:cNvPr>
@@ -11739,7 +11741,7 @@
           <p:cNvPr id="2" name="Title 1">
             <a:extLst>
               <a:ext uri="{FF2B5EF4-FFF2-40B4-BE49-F238E27FC236}">
-                <a16:creationId xmlns:a16="http://schemas.microsoft.com/office/drawing/2014/main" xmlns="" id="{12AE96A0-ED8F-624C-A189-18C57DFFC328}"/>
+                <a16:creationId xmlns="" xmlns:a16="http://schemas.microsoft.com/office/drawing/2014/main" id="{12AE96A0-ED8F-624C-A189-18C57DFFC328}"/>
               </a:ext>
             </a:extLst>
           </p:cNvPr>
@@ -11783,7 +11785,7 @@
               <p:cNvPr id="5" name="Content Placeholder 4">
                 <a:extLst>
                   <a:ext uri="{FF2B5EF4-FFF2-40B4-BE49-F238E27FC236}">
-                    <a16:creationId xmlns:a16="http://schemas.microsoft.com/office/drawing/2014/main" xmlns="" id="{D709A5CC-AC22-0340-8F44-73A8C271AE35}"/>
+                    <a16:creationId xmlns="" xmlns:a16="http://schemas.microsoft.com/office/drawing/2014/main" id="{D709A5CC-AC22-0340-8F44-73A8C271AE35}"/>
                   </a:ext>
                 </a:extLst>
               </p:cNvPr>
@@ -11955,7 +11957,7 @@
                               <a:latin typeface="Cambria Math" panose="02040503050406030204" pitchFamily="18" charset="0"/>
                               <a:ea typeface="Cambria Math" panose="02040503050406030204" pitchFamily="18" charset="0"/>
                             </a:rPr>
-                            <m:t>∇</m:t>
+                            <m:t>𝛻</m:t>
                           </m:r>
                         </m:e>
                         <m:sup>
@@ -12409,7 +12411,7 @@
           <p:cNvPr id="2" name="Title 1">
             <a:extLst>
               <a:ext uri="{FF2B5EF4-FFF2-40B4-BE49-F238E27FC236}">
-                <a16:creationId xmlns:a16="http://schemas.microsoft.com/office/drawing/2014/main" xmlns="" id="{AD203B07-CB94-C543-8FED-3C2B518FCA0D}"/>
+                <a16:creationId xmlns="" xmlns:a16="http://schemas.microsoft.com/office/drawing/2014/main" id="{AD203B07-CB94-C543-8FED-3C2B518FCA0D}"/>
               </a:ext>
             </a:extLst>
           </p:cNvPr>
@@ -12446,7 +12448,7 @@
               <p:cNvPr id="3" name="Content Placeholder 2">
                 <a:extLst>
                   <a:ext uri="{FF2B5EF4-FFF2-40B4-BE49-F238E27FC236}">
-                    <a16:creationId xmlns:a16="http://schemas.microsoft.com/office/drawing/2014/main" xmlns="" id="{4E4B41E3-9411-4142-90D8-7B1BB45F2911}"/>
+                    <a16:creationId xmlns="" xmlns:a16="http://schemas.microsoft.com/office/drawing/2014/main" id="{4E4B41E3-9411-4142-90D8-7B1BB45F2911}"/>
                   </a:ext>
                 </a:extLst>
               </p:cNvPr>
@@ -13587,10 +13589,10 @@
           <p:cNvPr id="29" name="Rectangle 28">
             <a:extLst>
               <a:ext uri="{FF2B5EF4-FFF2-40B4-BE49-F238E27FC236}">
-                <a16:creationId xmlns:a16="http://schemas.microsoft.com/office/drawing/2014/main" xmlns="" id="{293F5FFF-2AE2-424B-BE21-49AFFEF68811}"/>
+                <a16:creationId xmlns="" xmlns:a16="http://schemas.microsoft.com/office/drawing/2014/main" id="{293F5FFF-2AE2-424B-BE21-49AFFEF68811}"/>
               </a:ext>
               <a:ext uri="{C183D7F6-B498-43B3-948B-1728B52AA6E4}">
-                <adec:decorative xmlns:adec="http://schemas.microsoft.com/office/drawing/2017/decorative" xmlns="" val="1"/>
+                <adec:decorative xmlns="" xmlns:adec="http://schemas.microsoft.com/office/drawing/2017/decorative" val="1"/>
               </a:ext>
             </a:extLst>
           </p:cNvPr>
@@ -13679,7 +13681,7 @@
           <p:cNvPr id="7" name="Picture 6" descr="A screenshot of a cell phone&#10;&#10;Description automatically generated">
             <a:extLst>
               <a:ext uri="{FF2B5EF4-FFF2-40B4-BE49-F238E27FC236}">
-                <a16:creationId xmlns:a16="http://schemas.microsoft.com/office/drawing/2014/main" xmlns="" id="{B736648E-051A-B34D-9914-D1BBB04498B7}"/>
+                <a16:creationId xmlns="" xmlns:a16="http://schemas.microsoft.com/office/drawing/2014/main" id="{B736648E-051A-B34D-9914-D1BBB04498B7}"/>
               </a:ext>
             </a:extLst>
           </p:cNvPr>
@@ -13709,7 +13711,7 @@
           <p:cNvPr id="10" name="Picture 9" descr="A screenshot of a cell phone&#10;&#10;Description automatically generated">
             <a:extLst>
               <a:ext uri="{FF2B5EF4-FFF2-40B4-BE49-F238E27FC236}">
-                <a16:creationId xmlns:a16="http://schemas.microsoft.com/office/drawing/2014/main" xmlns="" id="{400E893D-C7C9-9E42-9578-9E14E7CE25F0}"/>
+                <a16:creationId xmlns="" xmlns:a16="http://schemas.microsoft.com/office/drawing/2014/main" id="{400E893D-C7C9-9E42-9578-9E14E7CE25F0}"/>
               </a:ext>
             </a:extLst>
           </p:cNvPr>
@@ -13777,10 +13779,10 @@
           <p:cNvPr id="10" name="Rectangle 9">
             <a:extLst>
               <a:ext uri="{FF2B5EF4-FFF2-40B4-BE49-F238E27FC236}">
-                <a16:creationId xmlns:a16="http://schemas.microsoft.com/office/drawing/2014/main" xmlns="" id="{3A4F209C-C20E-4FA7-B241-1EF4F8D193B2}"/>
+                <a16:creationId xmlns="" xmlns:a16="http://schemas.microsoft.com/office/drawing/2014/main" id="{3A4F209C-C20E-4FA7-B241-1EF4F8D193B2}"/>
               </a:ext>
               <a:ext uri="{C183D7F6-B498-43B3-948B-1728B52AA6E4}">
-                <adec:decorative xmlns:adec="http://schemas.microsoft.com/office/drawing/2017/decorative" xmlns="" val="1"/>
+                <adec:decorative xmlns="" xmlns:adec="http://schemas.microsoft.com/office/drawing/2017/decorative" val="1"/>
               </a:ext>
             </a:extLst>
           </p:cNvPr>
@@ -13869,10 +13871,10 @@
           <p:cNvPr id="12" name="Rectangle 11">
             <a:extLst>
               <a:ext uri="{FF2B5EF4-FFF2-40B4-BE49-F238E27FC236}">
-                <a16:creationId xmlns:a16="http://schemas.microsoft.com/office/drawing/2014/main" xmlns="" id="{E4564234-45B0-4ED8-A9E2-199C00173276}"/>
+                <a16:creationId xmlns="" xmlns:a16="http://schemas.microsoft.com/office/drawing/2014/main" id="{E4564234-45B0-4ED8-A9E2-199C00173276}"/>
               </a:ext>
               <a:ext uri="{C183D7F6-B498-43B3-948B-1728B52AA6E4}">
-                <adec:decorative xmlns:adec="http://schemas.microsoft.com/office/drawing/2017/decorative" xmlns="" val="1"/>
+                <adec:decorative xmlns="" xmlns:adec="http://schemas.microsoft.com/office/drawing/2017/decorative" val="1"/>
               </a:ext>
             </a:extLst>
           </p:cNvPr>
@@ -13958,7 +13960,7 @@
           <p:cNvPr id="2" name="Title 1">
             <a:extLst>
               <a:ext uri="{FF2B5EF4-FFF2-40B4-BE49-F238E27FC236}">
-                <a16:creationId xmlns:a16="http://schemas.microsoft.com/office/drawing/2014/main" xmlns="" id="{12AE96A0-ED8F-624C-A189-18C57DFFC328}"/>
+                <a16:creationId xmlns="" xmlns:a16="http://schemas.microsoft.com/office/drawing/2014/main" id="{12AE96A0-ED8F-624C-A189-18C57DFFC328}"/>
               </a:ext>
             </a:extLst>
           </p:cNvPr>
@@ -14002,7 +14004,7 @@
               <p:cNvPr id="5" name="Content Placeholder 4">
                 <a:extLst>
                   <a:ext uri="{FF2B5EF4-FFF2-40B4-BE49-F238E27FC236}">
-                    <a16:creationId xmlns:a16="http://schemas.microsoft.com/office/drawing/2014/main" xmlns="" id="{D709A5CC-AC22-0340-8F44-73A8C271AE35}"/>
+                    <a16:creationId xmlns="" xmlns:a16="http://schemas.microsoft.com/office/drawing/2014/main" id="{D709A5CC-AC22-0340-8F44-73A8C271AE35}"/>
                   </a:ext>
                 </a:extLst>
               </p:cNvPr>
@@ -15196,10 +15198,10 @@
           <p:cNvPr id="10" name="Rectangle 9">
             <a:extLst>
               <a:ext uri="{FF2B5EF4-FFF2-40B4-BE49-F238E27FC236}">
-                <a16:creationId xmlns:a16="http://schemas.microsoft.com/office/drawing/2014/main" xmlns="" id="{3A4F209C-C20E-4FA7-B241-1EF4F8D193B2}"/>
+                <a16:creationId xmlns="" xmlns:a16="http://schemas.microsoft.com/office/drawing/2014/main" id="{3A4F209C-C20E-4FA7-B241-1EF4F8D193B2}"/>
               </a:ext>
               <a:ext uri="{C183D7F6-B498-43B3-948B-1728B52AA6E4}">
-                <adec:decorative xmlns:adec="http://schemas.microsoft.com/office/drawing/2017/decorative" xmlns="" val="1"/>
+                <adec:decorative xmlns="" xmlns:adec="http://schemas.microsoft.com/office/drawing/2017/decorative" val="1"/>
               </a:ext>
             </a:extLst>
           </p:cNvPr>
@@ -15288,10 +15290,10 @@
           <p:cNvPr id="12" name="Rectangle 11">
             <a:extLst>
               <a:ext uri="{FF2B5EF4-FFF2-40B4-BE49-F238E27FC236}">
-                <a16:creationId xmlns:a16="http://schemas.microsoft.com/office/drawing/2014/main" xmlns="" id="{E4564234-45B0-4ED8-A9E2-199C00173276}"/>
+                <a16:creationId xmlns="" xmlns:a16="http://schemas.microsoft.com/office/drawing/2014/main" id="{E4564234-45B0-4ED8-A9E2-199C00173276}"/>
               </a:ext>
               <a:ext uri="{C183D7F6-B498-43B3-948B-1728B52AA6E4}">
-                <adec:decorative xmlns:adec="http://schemas.microsoft.com/office/drawing/2017/decorative" xmlns="" val="1"/>
+                <adec:decorative xmlns="" xmlns:adec="http://schemas.microsoft.com/office/drawing/2017/decorative" val="1"/>
               </a:ext>
             </a:extLst>
           </p:cNvPr>
@@ -15377,7 +15379,7 @@
           <p:cNvPr id="2" name="Title 1">
             <a:extLst>
               <a:ext uri="{FF2B5EF4-FFF2-40B4-BE49-F238E27FC236}">
-                <a16:creationId xmlns:a16="http://schemas.microsoft.com/office/drawing/2014/main" xmlns="" id="{12AE96A0-ED8F-624C-A189-18C57DFFC328}"/>
+                <a16:creationId xmlns="" xmlns:a16="http://schemas.microsoft.com/office/drawing/2014/main" id="{12AE96A0-ED8F-624C-A189-18C57DFFC328}"/>
               </a:ext>
             </a:extLst>
           </p:cNvPr>
@@ -15421,7 +15423,7 @@
               <p:cNvPr id="5" name="Content Placeholder 4">
                 <a:extLst>
                   <a:ext uri="{FF2B5EF4-FFF2-40B4-BE49-F238E27FC236}">
-                    <a16:creationId xmlns:a16="http://schemas.microsoft.com/office/drawing/2014/main" xmlns="" id="{D709A5CC-AC22-0340-8F44-73A8C271AE35}"/>
+                    <a16:creationId xmlns="" xmlns:a16="http://schemas.microsoft.com/office/drawing/2014/main" id="{D709A5CC-AC22-0340-8F44-73A8C271AE35}"/>
                   </a:ext>
                 </a:extLst>
               </p:cNvPr>
@@ -16198,7 +16200,7 @@
           <p:cNvPr id="2" name="Title 1">
             <a:extLst>
               <a:ext uri="{FF2B5EF4-FFF2-40B4-BE49-F238E27FC236}">
-                <a16:creationId xmlns:a16="http://schemas.microsoft.com/office/drawing/2014/main" xmlns="" id="{AD203B07-CB94-C543-8FED-3C2B518FCA0D}"/>
+                <a16:creationId xmlns="" xmlns:a16="http://schemas.microsoft.com/office/drawing/2014/main" id="{AD203B07-CB94-C543-8FED-3C2B518FCA0D}"/>
               </a:ext>
             </a:extLst>
           </p:cNvPr>
@@ -16235,7 +16237,7 @@
               <p:cNvPr id="3" name="Content Placeholder 2">
                 <a:extLst>
                   <a:ext uri="{FF2B5EF4-FFF2-40B4-BE49-F238E27FC236}">
-                    <a16:creationId xmlns:a16="http://schemas.microsoft.com/office/drawing/2014/main" xmlns="" id="{4E4B41E3-9411-4142-90D8-7B1BB45F2911}"/>
+                    <a16:creationId xmlns="" xmlns:a16="http://schemas.microsoft.com/office/drawing/2014/main" id="{4E4B41E3-9411-4142-90D8-7B1BB45F2911}"/>
                   </a:ext>
                 </a:extLst>
               </p:cNvPr>
@@ -16446,10 +16448,10 @@
           <p:cNvPr id="29" name="Rectangle 28">
             <a:extLst>
               <a:ext uri="{FF2B5EF4-FFF2-40B4-BE49-F238E27FC236}">
-                <a16:creationId xmlns:a16="http://schemas.microsoft.com/office/drawing/2014/main" xmlns="" id="{293F5FFF-2AE2-424B-BE21-49AFFEF68811}"/>
+                <a16:creationId xmlns="" xmlns:a16="http://schemas.microsoft.com/office/drawing/2014/main" id="{293F5FFF-2AE2-424B-BE21-49AFFEF68811}"/>
               </a:ext>
               <a:ext uri="{C183D7F6-B498-43B3-948B-1728B52AA6E4}">
-                <adec:decorative xmlns:adec="http://schemas.microsoft.com/office/drawing/2017/decorative" xmlns="" val="1"/>
+                <adec:decorative xmlns="" xmlns:adec="http://schemas.microsoft.com/office/drawing/2017/decorative" val="1"/>
               </a:ext>
             </a:extLst>
           </p:cNvPr>
@@ -16538,7 +16540,7 @@
           <p:cNvPr id="8" name="Content Placeholder 2">
             <a:extLst>
               <a:ext uri="{FF2B5EF4-FFF2-40B4-BE49-F238E27FC236}">
-                <a16:creationId xmlns:a16="http://schemas.microsoft.com/office/drawing/2014/main" xmlns="" id="{229BC5D3-C8D7-1C49-9F9C-0B3BF35AFBE4}"/>
+                <a16:creationId xmlns="" xmlns:a16="http://schemas.microsoft.com/office/drawing/2014/main" id="{229BC5D3-C8D7-1C49-9F9C-0B3BF35AFBE4}"/>
               </a:ext>
             </a:extLst>
           </p:cNvPr>
@@ -16764,7 +16766,7 @@
           <p:cNvPr id="4" name="Rectangle 3">
             <a:extLst>
               <a:ext uri="{FF2B5EF4-FFF2-40B4-BE49-F238E27FC236}">
-                <a16:creationId xmlns:a16="http://schemas.microsoft.com/office/drawing/2014/main" xmlns="" id="{C2F3D90C-C107-2748-A8D5-91EEF6F90968}"/>
+                <a16:creationId xmlns="" xmlns:a16="http://schemas.microsoft.com/office/drawing/2014/main" id="{C2F3D90C-C107-2748-A8D5-91EEF6F90968}"/>
               </a:ext>
             </a:extLst>
           </p:cNvPr>

--- a/units/8/lessons/4/resources/petascale-lesson-8.4-slides.pptx
+++ b/units/8/lessons/4/resources/petascale-lesson-8.4-slides.pptx
@@ -139,6 +139,481 @@
 
 <file path=ppt/changesInfos/changesInfo1.xml><?xml version="1.0" encoding="utf-8"?>
 <pc:chgInfo xmlns:a="http://schemas.openxmlformats.org/drawingml/2006/main" xmlns:r="http://schemas.openxmlformats.org/officeDocument/2006/relationships" xmlns:ac="http://schemas.microsoft.com/office/drawing/2013/main/command" xmlns:pc="http://schemas.microsoft.com/office/powerpoint/2013/main/command">
+  <pc:docChgLst>
+    <pc:chgData name="Oelgoetz, Justin" userId="187baaf7-891c-4899-8a0a-e1373f92b3a0" providerId="ADAL" clId="{E0E89060-7C3F-3E44-A37A-F05FBACA27BC}"/>
+    <pc:docChg chg="undo custSel addSld delSld modSld sldOrd">
+      <pc:chgData name="Oelgoetz, Justin" userId="187baaf7-891c-4899-8a0a-e1373f92b3a0" providerId="ADAL" clId="{E0E89060-7C3F-3E44-A37A-F05FBACA27BC}" dt="2020-06-26T05:13:42.184" v="3977" actId="20577"/>
+      <pc:docMkLst>
+        <pc:docMk/>
+      </pc:docMkLst>
+      <pc:sldChg chg="delSp">
+        <pc:chgData name="Oelgoetz, Justin" userId="187baaf7-891c-4899-8a0a-e1373f92b3a0" providerId="ADAL" clId="{E0E89060-7C3F-3E44-A37A-F05FBACA27BC}" dt="2020-06-25T02:19:33.224" v="0" actId="478"/>
+        <pc:sldMkLst>
+          <pc:docMk/>
+          <pc:sldMk cId="333019490" sldId="256"/>
+        </pc:sldMkLst>
+        <pc:spChg chg="del">
+          <ac:chgData name="Oelgoetz, Justin" userId="187baaf7-891c-4899-8a0a-e1373f92b3a0" providerId="ADAL" clId="{E0E89060-7C3F-3E44-A37A-F05FBACA27BC}" dt="2020-06-25T02:19:33.224" v="0" actId="478"/>
+          <ac:spMkLst>
+            <pc:docMk/>
+            <pc:sldMk cId="333019490" sldId="256"/>
+            <ac:spMk id="3" creationId="{A9B1E311-86EA-5F47-97A1-BE33B3A3329B}"/>
+          </ac:spMkLst>
+        </pc:spChg>
+      </pc:sldChg>
+      <pc:sldChg chg="del">
+        <pc:chgData name="Oelgoetz, Justin" userId="187baaf7-891c-4899-8a0a-e1373f92b3a0" providerId="ADAL" clId="{E0E89060-7C3F-3E44-A37A-F05FBACA27BC}" dt="2020-06-25T02:21:00.106" v="17" actId="2696"/>
+        <pc:sldMkLst>
+          <pc:docMk/>
+          <pc:sldMk cId="3514250780" sldId="272"/>
+        </pc:sldMkLst>
+      </pc:sldChg>
+      <pc:sldChg chg="modSp">
+        <pc:chgData name="Oelgoetz, Justin" userId="187baaf7-891c-4899-8a0a-e1373f92b3a0" providerId="ADAL" clId="{E0E89060-7C3F-3E44-A37A-F05FBACA27BC}" dt="2020-06-26T05:13:42.184" v="3977" actId="20577"/>
+        <pc:sldMkLst>
+          <pc:docMk/>
+          <pc:sldMk cId="3840364087" sldId="284"/>
+        </pc:sldMkLst>
+        <pc:spChg chg="mod">
+          <ac:chgData name="Oelgoetz, Justin" userId="187baaf7-891c-4899-8a0a-e1373f92b3a0" providerId="ADAL" clId="{E0E89060-7C3F-3E44-A37A-F05FBACA27BC}" dt="2020-06-26T05:13:42.184" v="3977" actId="20577"/>
+          <ac:spMkLst>
+            <pc:docMk/>
+            <pc:sldMk cId="3840364087" sldId="284"/>
+            <ac:spMk id="5" creationId="{D709A5CC-AC22-0340-8F44-73A8C271AE35}"/>
+          </ac:spMkLst>
+        </pc:spChg>
+      </pc:sldChg>
+      <pc:sldChg chg="delSp modSp">
+        <pc:chgData name="Oelgoetz, Justin" userId="187baaf7-891c-4899-8a0a-e1373f92b3a0" providerId="ADAL" clId="{E0E89060-7C3F-3E44-A37A-F05FBACA27BC}" dt="2020-06-25T02:19:53.933" v="2" actId="478"/>
+        <pc:sldMkLst>
+          <pc:docMk/>
+          <pc:sldMk cId="1845584255" sldId="285"/>
+        </pc:sldMkLst>
+        <pc:spChg chg="del mod">
+          <ac:chgData name="Oelgoetz, Justin" userId="187baaf7-891c-4899-8a0a-e1373f92b3a0" providerId="ADAL" clId="{E0E89060-7C3F-3E44-A37A-F05FBACA27BC}" dt="2020-06-25T02:19:53.933" v="2" actId="478"/>
+          <ac:spMkLst>
+            <pc:docMk/>
+            <pc:sldMk cId="1845584255" sldId="285"/>
+            <ac:spMk id="5" creationId="{D709A5CC-AC22-0340-8F44-73A8C271AE35}"/>
+          </ac:spMkLst>
+        </pc:spChg>
+      </pc:sldChg>
+      <pc:sldChg chg="modSp del">
+        <pc:chgData name="Oelgoetz, Justin" userId="187baaf7-891c-4899-8a0a-e1373f92b3a0" providerId="ADAL" clId="{E0E89060-7C3F-3E44-A37A-F05FBACA27BC}" dt="2020-06-26T02:34:52.067" v="609" actId="2696"/>
+        <pc:sldMkLst>
+          <pc:docMk/>
+          <pc:sldMk cId="437795673" sldId="286"/>
+        </pc:sldMkLst>
+        <pc:spChg chg="mod">
+          <ac:chgData name="Oelgoetz, Justin" userId="187baaf7-891c-4899-8a0a-e1373f92b3a0" providerId="ADAL" clId="{E0E89060-7C3F-3E44-A37A-F05FBACA27BC}" dt="2020-06-26T02:19:04.827" v="25"/>
+          <ac:spMkLst>
+            <pc:docMk/>
+            <pc:sldMk cId="437795673" sldId="286"/>
+            <ac:spMk id="2" creationId="{12AE96A0-ED8F-624C-A189-18C57DFFC328}"/>
+          </ac:spMkLst>
+        </pc:spChg>
+      </pc:sldChg>
+      <pc:sldChg chg="del">
+        <pc:chgData name="Oelgoetz, Justin" userId="187baaf7-891c-4899-8a0a-e1373f92b3a0" providerId="ADAL" clId="{E0E89060-7C3F-3E44-A37A-F05FBACA27BC}" dt="2020-06-25T02:20:55.015" v="13" actId="2696"/>
+        <pc:sldMkLst>
+          <pc:docMk/>
+          <pc:sldMk cId="623651748" sldId="288"/>
+        </pc:sldMkLst>
+      </pc:sldChg>
+      <pc:sldChg chg="del">
+        <pc:chgData name="Oelgoetz, Justin" userId="187baaf7-891c-4899-8a0a-e1373f92b3a0" providerId="ADAL" clId="{E0E89060-7C3F-3E44-A37A-F05FBACA27BC}" dt="2020-06-25T02:20:55.572" v="14" actId="2696"/>
+        <pc:sldMkLst>
+          <pc:docMk/>
+          <pc:sldMk cId="831186145" sldId="289"/>
+        </pc:sldMkLst>
+      </pc:sldChg>
+      <pc:sldChg chg="del">
+        <pc:chgData name="Oelgoetz, Justin" userId="187baaf7-891c-4899-8a0a-e1373f92b3a0" providerId="ADAL" clId="{E0E89060-7C3F-3E44-A37A-F05FBACA27BC}" dt="2020-06-25T02:20:56.015" v="15" actId="2696"/>
+        <pc:sldMkLst>
+          <pc:docMk/>
+          <pc:sldMk cId="4022020461" sldId="290"/>
+        </pc:sldMkLst>
+      </pc:sldChg>
+      <pc:sldChg chg="del">
+        <pc:chgData name="Oelgoetz, Justin" userId="187baaf7-891c-4899-8a0a-e1373f92b3a0" providerId="ADAL" clId="{E0E89060-7C3F-3E44-A37A-F05FBACA27BC}" dt="2020-06-25T02:20:56.589" v="16" actId="2696"/>
+        <pc:sldMkLst>
+          <pc:docMk/>
+          <pc:sldMk cId="2218738807" sldId="291"/>
+        </pc:sldMkLst>
+      </pc:sldChg>
+      <pc:sldChg chg="modSp ord">
+        <pc:chgData name="Oelgoetz, Justin" userId="187baaf7-891c-4899-8a0a-e1373f92b3a0" providerId="ADAL" clId="{E0E89060-7C3F-3E44-A37A-F05FBACA27BC}" dt="2020-06-26T02:30:33.548" v="321" actId="1076"/>
+        <pc:sldMkLst>
+          <pc:docMk/>
+          <pc:sldMk cId="3376696260" sldId="292"/>
+        </pc:sldMkLst>
+        <pc:spChg chg="mod">
+          <ac:chgData name="Oelgoetz, Justin" userId="187baaf7-891c-4899-8a0a-e1373f92b3a0" providerId="ADAL" clId="{E0E89060-7C3F-3E44-A37A-F05FBACA27BC}" dt="2020-06-26T02:30:27.307" v="320" actId="5793"/>
+          <ac:spMkLst>
+            <pc:docMk/>
+            <pc:sldMk cId="3376696260" sldId="292"/>
+            <ac:spMk id="5" creationId="{D709A5CC-AC22-0340-8F44-73A8C271AE35}"/>
+          </ac:spMkLst>
+        </pc:spChg>
+        <pc:graphicFrameChg chg="mod modGraphic">
+          <ac:chgData name="Oelgoetz, Justin" userId="187baaf7-891c-4899-8a0a-e1373f92b3a0" providerId="ADAL" clId="{E0E89060-7C3F-3E44-A37A-F05FBACA27BC}" dt="2020-06-26T02:30:33.548" v="321" actId="1076"/>
+          <ac:graphicFrameMkLst>
+            <pc:docMk/>
+            <pc:sldMk cId="3376696260" sldId="292"/>
+            <ac:graphicFrameMk id="3" creationId="{385C4C53-BAA6-6B4F-92C2-0829D71A6D27}"/>
+          </ac:graphicFrameMkLst>
+        </pc:graphicFrameChg>
+      </pc:sldChg>
+      <pc:sldChg chg="addSp delSp modSp">
+        <pc:chgData name="Oelgoetz, Justin" userId="187baaf7-891c-4899-8a0a-e1373f92b3a0" providerId="ADAL" clId="{E0E89060-7C3F-3E44-A37A-F05FBACA27BC}" dt="2020-06-26T03:48:30.564" v="2602" actId="313"/>
+        <pc:sldMkLst>
+          <pc:docMk/>
+          <pc:sldMk cId="547374284" sldId="293"/>
+        </pc:sldMkLst>
+        <pc:spChg chg="mod">
+          <ac:chgData name="Oelgoetz, Justin" userId="187baaf7-891c-4899-8a0a-e1373f92b3a0" providerId="ADAL" clId="{E0E89060-7C3F-3E44-A37A-F05FBACA27BC}" dt="2020-06-26T03:48:30.564" v="2602" actId="313"/>
+          <ac:spMkLst>
+            <pc:docMk/>
+            <pc:sldMk cId="547374284" sldId="293"/>
+            <ac:spMk id="5" creationId="{D709A5CC-AC22-0340-8F44-73A8C271AE35}"/>
+          </ac:spMkLst>
+        </pc:spChg>
+        <pc:graphicFrameChg chg="del modGraphic">
+          <ac:chgData name="Oelgoetz, Justin" userId="187baaf7-891c-4899-8a0a-e1373f92b3a0" providerId="ADAL" clId="{E0E89060-7C3F-3E44-A37A-F05FBACA27BC}" dt="2020-06-26T02:42:22.423" v="745" actId="478"/>
+          <ac:graphicFrameMkLst>
+            <pc:docMk/>
+            <pc:sldMk cId="547374284" sldId="293"/>
+            <ac:graphicFrameMk id="3" creationId="{385C4C53-BAA6-6B4F-92C2-0829D71A6D27}"/>
+          </ac:graphicFrameMkLst>
+        </pc:graphicFrameChg>
+        <pc:graphicFrameChg chg="add mod modGraphic">
+          <ac:chgData name="Oelgoetz, Justin" userId="187baaf7-891c-4899-8a0a-e1373f92b3a0" providerId="ADAL" clId="{E0E89060-7C3F-3E44-A37A-F05FBACA27BC}" dt="2020-06-26T03:01:34.551" v="1472" actId="1076"/>
+          <ac:graphicFrameMkLst>
+            <pc:docMk/>
+            <pc:sldMk cId="547374284" sldId="293"/>
+            <ac:graphicFrameMk id="7" creationId="{4CDCF7B7-E74E-1047-9997-10EF3E585151}"/>
+          </ac:graphicFrameMkLst>
+        </pc:graphicFrameChg>
+      </pc:sldChg>
+      <pc:sldChg chg="addSp delSp modSp">
+        <pc:chgData name="Oelgoetz, Justin" userId="187baaf7-891c-4899-8a0a-e1373f92b3a0" providerId="ADAL" clId="{E0E89060-7C3F-3E44-A37A-F05FBACA27BC}" dt="2020-06-26T03:57:39.209" v="2810"/>
+        <pc:sldMkLst>
+          <pc:docMk/>
+          <pc:sldMk cId="2894760130" sldId="294"/>
+        </pc:sldMkLst>
+        <pc:spChg chg="add mod">
+          <ac:chgData name="Oelgoetz, Justin" userId="187baaf7-891c-4899-8a0a-e1373f92b3a0" providerId="ADAL" clId="{E0E89060-7C3F-3E44-A37A-F05FBACA27BC}" dt="2020-06-26T03:57:30.842" v="2809"/>
+          <ac:spMkLst>
+            <pc:docMk/>
+            <pc:sldMk cId="2894760130" sldId="294"/>
+            <ac:spMk id="4" creationId="{DCF2A5BE-26ED-A44A-B123-51428716F8F8}"/>
+          </ac:spMkLst>
+        </pc:spChg>
+        <pc:spChg chg="mod">
+          <ac:chgData name="Oelgoetz, Justin" userId="187baaf7-891c-4899-8a0a-e1373f92b3a0" providerId="ADAL" clId="{E0E89060-7C3F-3E44-A37A-F05FBACA27BC}" dt="2020-06-26T03:57:03.500" v="2808" actId="20577"/>
+          <ac:spMkLst>
+            <pc:docMk/>
+            <pc:sldMk cId="2894760130" sldId="294"/>
+            <ac:spMk id="5" creationId="{D709A5CC-AC22-0340-8F44-73A8C271AE35}"/>
+          </ac:spMkLst>
+        </pc:spChg>
+        <pc:spChg chg="add mod">
+          <ac:chgData name="Oelgoetz, Justin" userId="187baaf7-891c-4899-8a0a-e1373f92b3a0" providerId="ADAL" clId="{E0E89060-7C3F-3E44-A37A-F05FBACA27BC}" dt="2020-06-26T03:57:39.209" v="2810"/>
+          <ac:spMkLst>
+            <pc:docMk/>
+            <pc:sldMk cId="2894760130" sldId="294"/>
+            <ac:spMk id="6" creationId="{0B0C8ADD-B7C4-ED40-AF6D-B2710B45BEC5}"/>
+          </ac:spMkLst>
+        </pc:spChg>
+        <pc:graphicFrameChg chg="del">
+          <ac:chgData name="Oelgoetz, Justin" userId="187baaf7-891c-4899-8a0a-e1373f92b3a0" providerId="ADAL" clId="{E0E89060-7C3F-3E44-A37A-F05FBACA27BC}" dt="2020-06-26T03:51:40.525" v="2603" actId="478"/>
+          <ac:graphicFrameMkLst>
+            <pc:docMk/>
+            <pc:sldMk cId="2894760130" sldId="294"/>
+            <ac:graphicFrameMk id="3" creationId="{385C4C53-BAA6-6B4F-92C2-0829D71A6D27}"/>
+          </ac:graphicFrameMkLst>
+        </pc:graphicFrameChg>
+        <pc:graphicFrameChg chg="add mod modGraphic">
+          <ac:chgData name="Oelgoetz, Justin" userId="187baaf7-891c-4899-8a0a-e1373f92b3a0" providerId="ADAL" clId="{E0E89060-7C3F-3E44-A37A-F05FBACA27BC}" dt="2020-06-26T03:56:39.852" v="2775" actId="20577"/>
+          <ac:graphicFrameMkLst>
+            <pc:docMk/>
+            <pc:sldMk cId="2894760130" sldId="294"/>
+            <ac:graphicFrameMk id="7" creationId="{B3224BBC-CFBA-6742-A45B-FB0E72172A3A}"/>
+          </ac:graphicFrameMkLst>
+        </pc:graphicFrameChg>
+      </pc:sldChg>
+      <pc:sldChg chg="addSp delSp modSp add">
+        <pc:chgData name="Oelgoetz, Justin" userId="187baaf7-891c-4899-8a0a-e1373f92b3a0" providerId="ADAL" clId="{E0E89060-7C3F-3E44-A37A-F05FBACA27BC}" dt="2020-06-26T02:34:29.877" v="608" actId="207"/>
+        <pc:sldMkLst>
+          <pc:docMk/>
+          <pc:sldMk cId="494698454" sldId="295"/>
+        </pc:sldMkLst>
+        <pc:spChg chg="mod">
+          <ac:chgData name="Oelgoetz, Justin" userId="187baaf7-891c-4899-8a0a-e1373f92b3a0" providerId="ADAL" clId="{E0E89060-7C3F-3E44-A37A-F05FBACA27BC}" dt="2020-06-26T02:22:32.878" v="264" actId="20577"/>
+          <ac:spMkLst>
+            <pc:docMk/>
+            <pc:sldMk cId="494698454" sldId="295"/>
+            <ac:spMk id="2" creationId="{AD203B07-CB94-C543-8FED-3C2B518FCA0D}"/>
+          </ac:spMkLst>
+        </pc:spChg>
+        <pc:spChg chg="mod">
+          <ac:chgData name="Oelgoetz, Justin" userId="187baaf7-891c-4899-8a0a-e1373f92b3a0" providerId="ADAL" clId="{E0E89060-7C3F-3E44-A37A-F05FBACA27BC}" dt="2020-06-26T02:32:12.610" v="536" actId="12"/>
+          <ac:spMkLst>
+            <pc:docMk/>
+            <pc:sldMk cId="494698454" sldId="295"/>
+            <ac:spMk id="3" creationId="{4E4B41E3-9411-4142-90D8-7B1BB45F2911}"/>
+          </ac:spMkLst>
+        </pc:spChg>
+        <pc:spChg chg="add del mod">
+          <ac:chgData name="Oelgoetz, Justin" userId="187baaf7-891c-4899-8a0a-e1373f92b3a0" providerId="ADAL" clId="{E0E89060-7C3F-3E44-A37A-F05FBACA27BC}" dt="2020-06-26T02:24:58.419" v="269" actId="478"/>
+          <ac:spMkLst>
+            <pc:docMk/>
+            <pc:sldMk cId="494698454" sldId="295"/>
+            <ac:spMk id="5" creationId="{78A3EC40-96A8-DF42-B64B-0E0680009287}"/>
+          </ac:spMkLst>
+        </pc:spChg>
+        <pc:spChg chg="add mod">
+          <ac:chgData name="Oelgoetz, Justin" userId="187baaf7-891c-4899-8a0a-e1373f92b3a0" providerId="ADAL" clId="{E0E89060-7C3F-3E44-A37A-F05FBACA27BC}" dt="2020-06-26T02:34:29.877" v="608" actId="207"/>
+          <ac:spMkLst>
+            <pc:docMk/>
+            <pc:sldMk cId="494698454" sldId="295"/>
+            <ac:spMk id="8" creationId="{229BC5D3-C8D7-1C49-9F9C-0B3BF35AFBE4}"/>
+          </ac:spMkLst>
+        </pc:spChg>
+        <pc:picChg chg="del">
+          <ac:chgData name="Oelgoetz, Justin" userId="187baaf7-891c-4899-8a0a-e1373f92b3a0" providerId="ADAL" clId="{E0E89060-7C3F-3E44-A37A-F05FBACA27BC}" dt="2020-06-26T02:19:20.063" v="28" actId="478"/>
+          <ac:picMkLst>
+            <pc:docMk/>
+            <pc:sldMk cId="494698454" sldId="295"/>
+            <ac:picMk id="6" creationId="{F988D4DE-8922-3344-8AA2-9EAF5973CF0C}"/>
+          </ac:picMkLst>
+        </pc:picChg>
+      </pc:sldChg>
+      <pc:sldChg chg="addSp delSp add del setBg delDesignElem">
+        <pc:chgData name="Oelgoetz, Justin" userId="187baaf7-891c-4899-8a0a-e1373f92b3a0" providerId="ADAL" clId="{E0E89060-7C3F-3E44-A37A-F05FBACA27BC}" dt="2020-06-26T02:18:59.637" v="22"/>
+        <pc:sldMkLst>
+          <pc:docMk/>
+          <pc:sldMk cId="1906884152" sldId="295"/>
+        </pc:sldMkLst>
+        <pc:spChg chg="add del">
+          <ac:chgData name="Oelgoetz, Justin" userId="187baaf7-891c-4899-8a0a-e1373f92b3a0" providerId="ADAL" clId="{E0E89060-7C3F-3E44-A37A-F05FBACA27BC}" dt="2020-06-26T02:18:59.637" v="22"/>
+          <ac:spMkLst>
+            <pc:docMk/>
+            <pc:sldMk cId="1906884152" sldId="295"/>
+            <ac:spMk id="29" creationId="{293F5FFF-2AE2-424B-BE21-49AFFEF68811}"/>
+          </ac:spMkLst>
+        </pc:spChg>
+      </pc:sldChg>
+      <pc:sldChg chg="addSp delSp add del setBg delDesignElem">
+        <pc:chgData name="Oelgoetz, Justin" userId="187baaf7-891c-4899-8a0a-e1373f92b3a0" providerId="ADAL" clId="{E0E89060-7C3F-3E44-A37A-F05FBACA27BC}" dt="2020-06-26T02:35:03.437" v="612"/>
+        <pc:sldMkLst>
+          <pc:docMk/>
+          <pc:sldMk cId="138456125" sldId="296"/>
+        </pc:sldMkLst>
+        <pc:spChg chg="add del">
+          <ac:chgData name="Oelgoetz, Justin" userId="187baaf7-891c-4899-8a0a-e1373f92b3a0" providerId="ADAL" clId="{E0E89060-7C3F-3E44-A37A-F05FBACA27BC}" dt="2020-06-26T02:35:03.437" v="612"/>
+          <ac:spMkLst>
+            <pc:docMk/>
+            <pc:sldMk cId="138456125" sldId="296"/>
+            <ac:spMk id="29" creationId="{293F5FFF-2AE2-424B-BE21-49AFFEF68811}"/>
+          </ac:spMkLst>
+        </pc:spChg>
+      </pc:sldChg>
+      <pc:sldChg chg="modSp add">
+        <pc:chgData name="Oelgoetz, Justin" userId="187baaf7-891c-4899-8a0a-e1373f92b3a0" providerId="ADAL" clId="{E0E89060-7C3F-3E44-A37A-F05FBACA27BC}" dt="2020-06-26T03:01:22.102" v="1471" actId="20577"/>
+        <pc:sldMkLst>
+          <pc:docMk/>
+          <pc:sldMk cId="2214692161" sldId="296"/>
+        </pc:sldMkLst>
+        <pc:spChg chg="mod">
+          <ac:chgData name="Oelgoetz, Justin" userId="187baaf7-891c-4899-8a0a-e1373f92b3a0" providerId="ADAL" clId="{E0E89060-7C3F-3E44-A37A-F05FBACA27BC}" dt="2020-06-26T02:35:08.094" v="615" actId="20577"/>
+          <ac:spMkLst>
+            <pc:docMk/>
+            <pc:sldMk cId="2214692161" sldId="296"/>
+            <ac:spMk id="2" creationId="{AD203B07-CB94-C543-8FED-3C2B518FCA0D}"/>
+          </ac:spMkLst>
+        </pc:spChg>
+        <pc:spChg chg="mod">
+          <ac:chgData name="Oelgoetz, Justin" userId="187baaf7-891c-4899-8a0a-e1373f92b3a0" providerId="ADAL" clId="{E0E89060-7C3F-3E44-A37A-F05FBACA27BC}" dt="2020-06-26T03:01:22.102" v="1471" actId="20577"/>
+          <ac:spMkLst>
+            <pc:docMk/>
+            <pc:sldMk cId="2214692161" sldId="296"/>
+            <ac:spMk id="3" creationId="{4E4B41E3-9411-4142-90D8-7B1BB45F2911}"/>
+          </ac:spMkLst>
+        </pc:spChg>
+        <pc:spChg chg="mod">
+          <ac:chgData name="Oelgoetz, Justin" userId="187baaf7-891c-4899-8a0a-e1373f92b3a0" providerId="ADAL" clId="{E0E89060-7C3F-3E44-A37A-F05FBACA27BC}" dt="2020-06-26T02:58:31.368" v="1383" actId="207"/>
+          <ac:spMkLst>
+            <pc:docMk/>
+            <pc:sldMk cId="2214692161" sldId="296"/>
+            <ac:spMk id="8" creationId="{229BC5D3-C8D7-1C49-9F9C-0B3BF35AFBE4}"/>
+          </ac:spMkLst>
+        </pc:spChg>
+      </pc:sldChg>
+      <pc:sldChg chg="modSp add">
+        <pc:chgData name="Oelgoetz, Justin" userId="187baaf7-891c-4899-8a0a-e1373f92b3a0" providerId="ADAL" clId="{E0E89060-7C3F-3E44-A37A-F05FBACA27BC}" dt="2020-06-26T03:43:16.132" v="2601" actId="20577"/>
+        <pc:sldMkLst>
+          <pc:docMk/>
+          <pc:sldMk cId="682944797" sldId="297"/>
+        </pc:sldMkLst>
+        <pc:spChg chg="mod">
+          <ac:chgData name="Oelgoetz, Justin" userId="187baaf7-891c-4899-8a0a-e1373f92b3a0" providerId="ADAL" clId="{E0E89060-7C3F-3E44-A37A-F05FBACA27BC}" dt="2020-06-26T03:04:10.200" v="1597" actId="20577"/>
+          <ac:spMkLst>
+            <pc:docMk/>
+            <pc:sldMk cId="682944797" sldId="297"/>
+            <ac:spMk id="2" creationId="{AD203B07-CB94-C543-8FED-3C2B518FCA0D}"/>
+          </ac:spMkLst>
+        </pc:spChg>
+        <pc:spChg chg="mod">
+          <ac:chgData name="Oelgoetz, Justin" userId="187baaf7-891c-4899-8a0a-e1373f92b3a0" providerId="ADAL" clId="{E0E89060-7C3F-3E44-A37A-F05FBACA27BC}" dt="2020-06-26T03:43:16.132" v="2601" actId="20577"/>
+          <ac:spMkLst>
+            <pc:docMk/>
+            <pc:sldMk cId="682944797" sldId="297"/>
+            <ac:spMk id="3" creationId="{4E4B41E3-9411-4142-90D8-7B1BB45F2911}"/>
+          </ac:spMkLst>
+        </pc:spChg>
+        <pc:spChg chg="mod">
+          <ac:chgData name="Oelgoetz, Justin" userId="187baaf7-891c-4899-8a0a-e1373f92b3a0" providerId="ADAL" clId="{E0E89060-7C3F-3E44-A37A-F05FBACA27BC}" dt="2020-06-26T03:31:55.690" v="2535"/>
+          <ac:spMkLst>
+            <pc:docMk/>
+            <pc:sldMk cId="682944797" sldId="297"/>
+            <ac:spMk id="8" creationId="{229BC5D3-C8D7-1C49-9F9C-0B3BF35AFBE4}"/>
+          </ac:spMkLst>
+        </pc:spChg>
+      </pc:sldChg>
+      <pc:sldChg chg="addSp delSp add del setBg delDesignElem">
+        <pc:chgData name="Oelgoetz, Justin" userId="187baaf7-891c-4899-8a0a-e1373f92b3a0" providerId="ADAL" clId="{E0E89060-7C3F-3E44-A37A-F05FBACA27BC}" dt="2020-06-26T03:04:05.498" v="1594"/>
+        <pc:sldMkLst>
+          <pc:docMk/>
+          <pc:sldMk cId="2869488142" sldId="297"/>
+        </pc:sldMkLst>
+        <pc:spChg chg="add del">
+          <ac:chgData name="Oelgoetz, Justin" userId="187baaf7-891c-4899-8a0a-e1373f92b3a0" providerId="ADAL" clId="{E0E89060-7C3F-3E44-A37A-F05FBACA27BC}" dt="2020-06-26T03:04:05.498" v="1594"/>
+          <ac:spMkLst>
+            <pc:docMk/>
+            <pc:sldMk cId="2869488142" sldId="297"/>
+            <ac:spMk id="29" creationId="{293F5FFF-2AE2-424B-BE21-49AFFEF68811}"/>
+          </ac:spMkLst>
+        </pc:spChg>
+      </pc:sldChg>
+      <pc:sldChg chg="addSp delSp add del setBg delDesignElem">
+        <pc:chgData name="Oelgoetz, Justin" userId="187baaf7-891c-4899-8a0a-e1373f92b3a0" providerId="ADAL" clId="{E0E89060-7C3F-3E44-A37A-F05FBACA27BC}" dt="2020-06-26T03:58:01.815" v="2813"/>
+        <pc:sldMkLst>
+          <pc:docMk/>
+          <pc:sldMk cId="2840959137" sldId="298"/>
+        </pc:sldMkLst>
+        <pc:spChg chg="add del">
+          <ac:chgData name="Oelgoetz, Justin" userId="187baaf7-891c-4899-8a0a-e1373f92b3a0" providerId="ADAL" clId="{E0E89060-7C3F-3E44-A37A-F05FBACA27BC}" dt="2020-06-26T03:58:01.815" v="2813"/>
+          <ac:spMkLst>
+            <pc:docMk/>
+            <pc:sldMk cId="2840959137" sldId="298"/>
+            <ac:spMk id="29" creationId="{293F5FFF-2AE2-424B-BE21-49AFFEF68811}"/>
+          </ac:spMkLst>
+        </pc:spChg>
+      </pc:sldChg>
+      <pc:sldChg chg="modSp add">
+        <pc:chgData name="Oelgoetz, Justin" userId="187baaf7-891c-4899-8a0a-e1373f92b3a0" providerId="ADAL" clId="{E0E89060-7C3F-3E44-A37A-F05FBACA27BC}" dt="2020-06-26T04:56:25.050" v="3513" actId="20577"/>
+        <pc:sldMkLst>
+          <pc:docMk/>
+          <pc:sldMk cId="2858446820" sldId="298"/>
+        </pc:sldMkLst>
+        <pc:spChg chg="mod">
+          <ac:chgData name="Oelgoetz, Justin" userId="187baaf7-891c-4899-8a0a-e1373f92b3a0" providerId="ADAL" clId="{E0E89060-7C3F-3E44-A37A-F05FBACA27BC}" dt="2020-06-26T03:58:41.773" v="2820" actId="20577"/>
+          <ac:spMkLst>
+            <pc:docMk/>
+            <pc:sldMk cId="2858446820" sldId="298"/>
+            <ac:spMk id="2" creationId="{AD203B07-CB94-C543-8FED-3C2B518FCA0D}"/>
+          </ac:spMkLst>
+        </pc:spChg>
+        <pc:spChg chg="mod">
+          <ac:chgData name="Oelgoetz, Justin" userId="187baaf7-891c-4899-8a0a-e1373f92b3a0" providerId="ADAL" clId="{E0E89060-7C3F-3E44-A37A-F05FBACA27BC}" dt="2020-06-26T04:56:25.050" v="3513" actId="20577"/>
+          <ac:spMkLst>
+            <pc:docMk/>
+            <pc:sldMk cId="2858446820" sldId="298"/>
+            <ac:spMk id="3" creationId="{4E4B41E3-9411-4142-90D8-7B1BB45F2911}"/>
+          </ac:spMkLst>
+        </pc:spChg>
+        <pc:spChg chg="mod">
+          <ac:chgData name="Oelgoetz, Justin" userId="187baaf7-891c-4899-8a0a-e1373f92b3a0" providerId="ADAL" clId="{E0E89060-7C3F-3E44-A37A-F05FBACA27BC}" dt="2020-06-26T04:56:02.384" v="3450" actId="20577"/>
+          <ac:spMkLst>
+            <pc:docMk/>
+            <pc:sldMk cId="2858446820" sldId="298"/>
+            <ac:spMk id="8" creationId="{229BC5D3-C8D7-1C49-9F9C-0B3BF35AFBE4}"/>
+          </ac:spMkLst>
+        </pc:spChg>
+      </pc:sldChg>
+      <pc:sldChg chg="delSp modSp add">
+        <pc:chgData name="Oelgoetz, Justin" userId="187baaf7-891c-4899-8a0a-e1373f92b3a0" providerId="ADAL" clId="{E0E89060-7C3F-3E44-A37A-F05FBACA27BC}" dt="2020-06-26T04:59:25.431" v="3560" actId="20577"/>
+        <pc:sldMkLst>
+          <pc:docMk/>
+          <pc:sldMk cId="2390162922" sldId="299"/>
+        </pc:sldMkLst>
+        <pc:spChg chg="mod">
+          <ac:chgData name="Oelgoetz, Justin" userId="187baaf7-891c-4899-8a0a-e1373f92b3a0" providerId="ADAL" clId="{E0E89060-7C3F-3E44-A37A-F05FBACA27BC}" dt="2020-06-26T04:25:01.285" v="2944" actId="20577"/>
+          <ac:spMkLst>
+            <pc:docMk/>
+            <pc:sldMk cId="2390162922" sldId="299"/>
+            <ac:spMk id="2" creationId="{12AE96A0-ED8F-624C-A189-18C57DFFC328}"/>
+          </ac:spMkLst>
+        </pc:spChg>
+        <pc:spChg chg="del mod">
+          <ac:chgData name="Oelgoetz, Justin" userId="187baaf7-891c-4899-8a0a-e1373f92b3a0" providerId="ADAL" clId="{E0E89060-7C3F-3E44-A37A-F05FBACA27BC}" dt="2020-06-26T04:25:42.784" v="2952" actId="478"/>
+          <ac:spMkLst>
+            <pc:docMk/>
+            <pc:sldMk cId="2390162922" sldId="299"/>
+            <ac:spMk id="4" creationId="{DCF2A5BE-26ED-A44A-B123-51428716F8F8}"/>
+          </ac:spMkLst>
+        </pc:spChg>
+        <pc:spChg chg="mod">
+          <ac:chgData name="Oelgoetz, Justin" userId="187baaf7-891c-4899-8a0a-e1373f92b3a0" providerId="ADAL" clId="{E0E89060-7C3F-3E44-A37A-F05FBACA27BC}" dt="2020-06-26T04:59:25.431" v="3560" actId="20577"/>
+          <ac:spMkLst>
+            <pc:docMk/>
+            <pc:sldMk cId="2390162922" sldId="299"/>
+            <ac:spMk id="5" creationId="{D709A5CC-AC22-0340-8F44-73A8C271AE35}"/>
+          </ac:spMkLst>
+        </pc:spChg>
+        <pc:spChg chg="del">
+          <ac:chgData name="Oelgoetz, Justin" userId="187baaf7-891c-4899-8a0a-e1373f92b3a0" providerId="ADAL" clId="{E0E89060-7C3F-3E44-A37A-F05FBACA27BC}" dt="2020-06-26T04:25:23.636" v="2947" actId="478"/>
+          <ac:spMkLst>
+            <pc:docMk/>
+            <pc:sldMk cId="2390162922" sldId="299"/>
+            <ac:spMk id="6" creationId="{0B0C8ADD-B7C4-ED40-AF6D-B2710B45BEC5}"/>
+          </ac:spMkLst>
+        </pc:spChg>
+        <pc:graphicFrameChg chg="mod modGraphic">
+          <ac:chgData name="Oelgoetz, Justin" userId="187baaf7-891c-4899-8a0a-e1373f92b3a0" providerId="ADAL" clId="{E0E89060-7C3F-3E44-A37A-F05FBACA27BC}" dt="2020-06-26T04:59:12.249" v="3558" actId="1076"/>
+          <ac:graphicFrameMkLst>
+            <pc:docMk/>
+            <pc:sldMk cId="2390162922" sldId="299"/>
+            <ac:graphicFrameMk id="7" creationId="{B3224BBC-CFBA-6742-A45B-FB0E72172A3A}"/>
+          </ac:graphicFrameMkLst>
+        </pc:graphicFrameChg>
+      </pc:sldChg>
+      <pc:sldChg chg="addSp delSp add del setBg delDesignElem">
+        <pc:chgData name="Oelgoetz, Justin" userId="187baaf7-891c-4899-8a0a-e1373f92b3a0" providerId="ADAL" clId="{E0E89060-7C3F-3E44-A37A-F05FBACA27BC}" dt="2020-06-26T03:58:10.216" v="2817"/>
+        <pc:sldMkLst>
+          <pc:docMk/>
+          <pc:sldMk cId="3347992968" sldId="299"/>
+        </pc:sldMkLst>
+        <pc:spChg chg="add del">
+          <ac:chgData name="Oelgoetz, Justin" userId="187baaf7-891c-4899-8a0a-e1373f92b3a0" providerId="ADAL" clId="{E0E89060-7C3F-3E44-A37A-F05FBACA27BC}" dt="2020-06-26T03:58:10.216" v="2817"/>
+          <ac:spMkLst>
+            <pc:docMk/>
+            <pc:sldMk cId="3347992968" sldId="299"/>
+            <ac:spMk id="10" creationId="{3A4F209C-C20E-4FA7-B241-1EF4F8D193B2}"/>
+          </ac:spMkLst>
+        </pc:spChg>
+        <pc:spChg chg="add del">
+          <ac:chgData name="Oelgoetz, Justin" userId="187baaf7-891c-4899-8a0a-e1373f92b3a0" providerId="ADAL" clId="{E0E89060-7C3F-3E44-A37A-F05FBACA27BC}" dt="2020-06-26T03:58:10.216" v="2817"/>
+          <ac:spMkLst>
+            <pc:docMk/>
+            <pc:sldMk cId="3347992968" sldId="299"/>
+            <ac:spMk id="12" creationId="{E4564234-45B0-4ED8-A9E2-199C00173276}"/>
+          </ac:spMkLst>
+        </pc:spChg>
+      </pc:sldChg>
+    </pc:docChg>
+  </pc:docChgLst>
   <pc:docChgLst>
     <pc:chgData name="Oelgoetz, Justin" userId="187baaf7-891c-4899-8a0a-e1373f92b3a0" providerId="ADAL" clId="{A6702C73-A65D-D046-9E5F-C77F82EC0B61}"/>
     <pc:docChg chg="undo custSel addSld delSld modSld">
@@ -715,481 +1190,6 @@
       </pc:sldChg>
     </pc:docChg>
   </pc:docChgLst>
-  <pc:docChgLst>
-    <pc:chgData name="Oelgoetz, Justin" userId="187baaf7-891c-4899-8a0a-e1373f92b3a0" providerId="ADAL" clId="{E0E89060-7C3F-3E44-A37A-F05FBACA27BC}"/>
-    <pc:docChg chg="undo custSel addSld delSld modSld sldOrd">
-      <pc:chgData name="Oelgoetz, Justin" userId="187baaf7-891c-4899-8a0a-e1373f92b3a0" providerId="ADAL" clId="{E0E89060-7C3F-3E44-A37A-F05FBACA27BC}" dt="2020-06-26T05:13:42.184" v="3977" actId="20577"/>
-      <pc:docMkLst>
-        <pc:docMk/>
-      </pc:docMkLst>
-      <pc:sldChg chg="delSp">
-        <pc:chgData name="Oelgoetz, Justin" userId="187baaf7-891c-4899-8a0a-e1373f92b3a0" providerId="ADAL" clId="{E0E89060-7C3F-3E44-A37A-F05FBACA27BC}" dt="2020-06-25T02:19:33.224" v="0" actId="478"/>
-        <pc:sldMkLst>
-          <pc:docMk/>
-          <pc:sldMk cId="333019490" sldId="256"/>
-        </pc:sldMkLst>
-        <pc:spChg chg="del">
-          <ac:chgData name="Oelgoetz, Justin" userId="187baaf7-891c-4899-8a0a-e1373f92b3a0" providerId="ADAL" clId="{E0E89060-7C3F-3E44-A37A-F05FBACA27BC}" dt="2020-06-25T02:19:33.224" v="0" actId="478"/>
-          <ac:spMkLst>
-            <pc:docMk/>
-            <pc:sldMk cId="333019490" sldId="256"/>
-            <ac:spMk id="3" creationId="{A9B1E311-86EA-5F47-97A1-BE33B3A3329B}"/>
-          </ac:spMkLst>
-        </pc:spChg>
-      </pc:sldChg>
-      <pc:sldChg chg="del">
-        <pc:chgData name="Oelgoetz, Justin" userId="187baaf7-891c-4899-8a0a-e1373f92b3a0" providerId="ADAL" clId="{E0E89060-7C3F-3E44-A37A-F05FBACA27BC}" dt="2020-06-25T02:21:00.106" v="17" actId="2696"/>
-        <pc:sldMkLst>
-          <pc:docMk/>
-          <pc:sldMk cId="3514250780" sldId="272"/>
-        </pc:sldMkLst>
-      </pc:sldChg>
-      <pc:sldChg chg="modSp">
-        <pc:chgData name="Oelgoetz, Justin" userId="187baaf7-891c-4899-8a0a-e1373f92b3a0" providerId="ADAL" clId="{E0E89060-7C3F-3E44-A37A-F05FBACA27BC}" dt="2020-06-26T05:13:42.184" v="3977" actId="20577"/>
-        <pc:sldMkLst>
-          <pc:docMk/>
-          <pc:sldMk cId="3840364087" sldId="284"/>
-        </pc:sldMkLst>
-        <pc:spChg chg="mod">
-          <ac:chgData name="Oelgoetz, Justin" userId="187baaf7-891c-4899-8a0a-e1373f92b3a0" providerId="ADAL" clId="{E0E89060-7C3F-3E44-A37A-F05FBACA27BC}" dt="2020-06-26T05:13:42.184" v="3977" actId="20577"/>
-          <ac:spMkLst>
-            <pc:docMk/>
-            <pc:sldMk cId="3840364087" sldId="284"/>
-            <ac:spMk id="5" creationId="{D709A5CC-AC22-0340-8F44-73A8C271AE35}"/>
-          </ac:spMkLst>
-        </pc:spChg>
-      </pc:sldChg>
-      <pc:sldChg chg="delSp modSp">
-        <pc:chgData name="Oelgoetz, Justin" userId="187baaf7-891c-4899-8a0a-e1373f92b3a0" providerId="ADAL" clId="{E0E89060-7C3F-3E44-A37A-F05FBACA27BC}" dt="2020-06-25T02:19:53.933" v="2" actId="478"/>
-        <pc:sldMkLst>
-          <pc:docMk/>
-          <pc:sldMk cId="1845584255" sldId="285"/>
-        </pc:sldMkLst>
-        <pc:spChg chg="del mod">
-          <ac:chgData name="Oelgoetz, Justin" userId="187baaf7-891c-4899-8a0a-e1373f92b3a0" providerId="ADAL" clId="{E0E89060-7C3F-3E44-A37A-F05FBACA27BC}" dt="2020-06-25T02:19:53.933" v="2" actId="478"/>
-          <ac:spMkLst>
-            <pc:docMk/>
-            <pc:sldMk cId="1845584255" sldId="285"/>
-            <ac:spMk id="5" creationId="{D709A5CC-AC22-0340-8F44-73A8C271AE35}"/>
-          </ac:spMkLst>
-        </pc:spChg>
-      </pc:sldChg>
-      <pc:sldChg chg="modSp del">
-        <pc:chgData name="Oelgoetz, Justin" userId="187baaf7-891c-4899-8a0a-e1373f92b3a0" providerId="ADAL" clId="{E0E89060-7C3F-3E44-A37A-F05FBACA27BC}" dt="2020-06-26T02:34:52.067" v="609" actId="2696"/>
-        <pc:sldMkLst>
-          <pc:docMk/>
-          <pc:sldMk cId="437795673" sldId="286"/>
-        </pc:sldMkLst>
-        <pc:spChg chg="mod">
-          <ac:chgData name="Oelgoetz, Justin" userId="187baaf7-891c-4899-8a0a-e1373f92b3a0" providerId="ADAL" clId="{E0E89060-7C3F-3E44-A37A-F05FBACA27BC}" dt="2020-06-26T02:19:04.827" v="25"/>
-          <ac:spMkLst>
-            <pc:docMk/>
-            <pc:sldMk cId="437795673" sldId="286"/>
-            <ac:spMk id="2" creationId="{12AE96A0-ED8F-624C-A189-18C57DFFC328}"/>
-          </ac:spMkLst>
-        </pc:spChg>
-      </pc:sldChg>
-      <pc:sldChg chg="del">
-        <pc:chgData name="Oelgoetz, Justin" userId="187baaf7-891c-4899-8a0a-e1373f92b3a0" providerId="ADAL" clId="{E0E89060-7C3F-3E44-A37A-F05FBACA27BC}" dt="2020-06-25T02:20:55.015" v="13" actId="2696"/>
-        <pc:sldMkLst>
-          <pc:docMk/>
-          <pc:sldMk cId="623651748" sldId="288"/>
-        </pc:sldMkLst>
-      </pc:sldChg>
-      <pc:sldChg chg="del">
-        <pc:chgData name="Oelgoetz, Justin" userId="187baaf7-891c-4899-8a0a-e1373f92b3a0" providerId="ADAL" clId="{E0E89060-7C3F-3E44-A37A-F05FBACA27BC}" dt="2020-06-25T02:20:55.572" v="14" actId="2696"/>
-        <pc:sldMkLst>
-          <pc:docMk/>
-          <pc:sldMk cId="831186145" sldId="289"/>
-        </pc:sldMkLst>
-      </pc:sldChg>
-      <pc:sldChg chg="del">
-        <pc:chgData name="Oelgoetz, Justin" userId="187baaf7-891c-4899-8a0a-e1373f92b3a0" providerId="ADAL" clId="{E0E89060-7C3F-3E44-A37A-F05FBACA27BC}" dt="2020-06-25T02:20:56.015" v="15" actId="2696"/>
-        <pc:sldMkLst>
-          <pc:docMk/>
-          <pc:sldMk cId="4022020461" sldId="290"/>
-        </pc:sldMkLst>
-      </pc:sldChg>
-      <pc:sldChg chg="del">
-        <pc:chgData name="Oelgoetz, Justin" userId="187baaf7-891c-4899-8a0a-e1373f92b3a0" providerId="ADAL" clId="{E0E89060-7C3F-3E44-A37A-F05FBACA27BC}" dt="2020-06-25T02:20:56.589" v="16" actId="2696"/>
-        <pc:sldMkLst>
-          <pc:docMk/>
-          <pc:sldMk cId="2218738807" sldId="291"/>
-        </pc:sldMkLst>
-      </pc:sldChg>
-      <pc:sldChg chg="modSp ord">
-        <pc:chgData name="Oelgoetz, Justin" userId="187baaf7-891c-4899-8a0a-e1373f92b3a0" providerId="ADAL" clId="{E0E89060-7C3F-3E44-A37A-F05FBACA27BC}" dt="2020-06-26T02:30:33.548" v="321" actId="1076"/>
-        <pc:sldMkLst>
-          <pc:docMk/>
-          <pc:sldMk cId="3376696260" sldId="292"/>
-        </pc:sldMkLst>
-        <pc:spChg chg="mod">
-          <ac:chgData name="Oelgoetz, Justin" userId="187baaf7-891c-4899-8a0a-e1373f92b3a0" providerId="ADAL" clId="{E0E89060-7C3F-3E44-A37A-F05FBACA27BC}" dt="2020-06-26T02:30:27.307" v="320" actId="5793"/>
-          <ac:spMkLst>
-            <pc:docMk/>
-            <pc:sldMk cId="3376696260" sldId="292"/>
-            <ac:spMk id="5" creationId="{D709A5CC-AC22-0340-8F44-73A8C271AE35}"/>
-          </ac:spMkLst>
-        </pc:spChg>
-        <pc:graphicFrameChg chg="mod modGraphic">
-          <ac:chgData name="Oelgoetz, Justin" userId="187baaf7-891c-4899-8a0a-e1373f92b3a0" providerId="ADAL" clId="{E0E89060-7C3F-3E44-A37A-F05FBACA27BC}" dt="2020-06-26T02:30:33.548" v="321" actId="1076"/>
-          <ac:graphicFrameMkLst>
-            <pc:docMk/>
-            <pc:sldMk cId="3376696260" sldId="292"/>
-            <ac:graphicFrameMk id="3" creationId="{385C4C53-BAA6-6B4F-92C2-0829D71A6D27}"/>
-          </ac:graphicFrameMkLst>
-        </pc:graphicFrameChg>
-      </pc:sldChg>
-      <pc:sldChg chg="addSp delSp modSp">
-        <pc:chgData name="Oelgoetz, Justin" userId="187baaf7-891c-4899-8a0a-e1373f92b3a0" providerId="ADAL" clId="{E0E89060-7C3F-3E44-A37A-F05FBACA27BC}" dt="2020-06-26T03:48:30.564" v="2602" actId="313"/>
-        <pc:sldMkLst>
-          <pc:docMk/>
-          <pc:sldMk cId="547374284" sldId="293"/>
-        </pc:sldMkLst>
-        <pc:spChg chg="mod">
-          <ac:chgData name="Oelgoetz, Justin" userId="187baaf7-891c-4899-8a0a-e1373f92b3a0" providerId="ADAL" clId="{E0E89060-7C3F-3E44-A37A-F05FBACA27BC}" dt="2020-06-26T03:48:30.564" v="2602" actId="313"/>
-          <ac:spMkLst>
-            <pc:docMk/>
-            <pc:sldMk cId="547374284" sldId="293"/>
-            <ac:spMk id="5" creationId="{D709A5CC-AC22-0340-8F44-73A8C271AE35}"/>
-          </ac:spMkLst>
-        </pc:spChg>
-        <pc:graphicFrameChg chg="del modGraphic">
-          <ac:chgData name="Oelgoetz, Justin" userId="187baaf7-891c-4899-8a0a-e1373f92b3a0" providerId="ADAL" clId="{E0E89060-7C3F-3E44-A37A-F05FBACA27BC}" dt="2020-06-26T02:42:22.423" v="745" actId="478"/>
-          <ac:graphicFrameMkLst>
-            <pc:docMk/>
-            <pc:sldMk cId="547374284" sldId="293"/>
-            <ac:graphicFrameMk id="3" creationId="{385C4C53-BAA6-6B4F-92C2-0829D71A6D27}"/>
-          </ac:graphicFrameMkLst>
-        </pc:graphicFrameChg>
-        <pc:graphicFrameChg chg="add mod modGraphic">
-          <ac:chgData name="Oelgoetz, Justin" userId="187baaf7-891c-4899-8a0a-e1373f92b3a0" providerId="ADAL" clId="{E0E89060-7C3F-3E44-A37A-F05FBACA27BC}" dt="2020-06-26T03:01:34.551" v="1472" actId="1076"/>
-          <ac:graphicFrameMkLst>
-            <pc:docMk/>
-            <pc:sldMk cId="547374284" sldId="293"/>
-            <ac:graphicFrameMk id="7" creationId="{4CDCF7B7-E74E-1047-9997-10EF3E585151}"/>
-          </ac:graphicFrameMkLst>
-        </pc:graphicFrameChg>
-      </pc:sldChg>
-      <pc:sldChg chg="addSp delSp modSp">
-        <pc:chgData name="Oelgoetz, Justin" userId="187baaf7-891c-4899-8a0a-e1373f92b3a0" providerId="ADAL" clId="{E0E89060-7C3F-3E44-A37A-F05FBACA27BC}" dt="2020-06-26T03:57:39.209" v="2810"/>
-        <pc:sldMkLst>
-          <pc:docMk/>
-          <pc:sldMk cId="2894760130" sldId="294"/>
-        </pc:sldMkLst>
-        <pc:spChg chg="add mod">
-          <ac:chgData name="Oelgoetz, Justin" userId="187baaf7-891c-4899-8a0a-e1373f92b3a0" providerId="ADAL" clId="{E0E89060-7C3F-3E44-A37A-F05FBACA27BC}" dt="2020-06-26T03:57:30.842" v="2809"/>
-          <ac:spMkLst>
-            <pc:docMk/>
-            <pc:sldMk cId="2894760130" sldId="294"/>
-            <ac:spMk id="4" creationId="{DCF2A5BE-26ED-A44A-B123-51428716F8F8}"/>
-          </ac:spMkLst>
-        </pc:spChg>
-        <pc:spChg chg="mod">
-          <ac:chgData name="Oelgoetz, Justin" userId="187baaf7-891c-4899-8a0a-e1373f92b3a0" providerId="ADAL" clId="{E0E89060-7C3F-3E44-A37A-F05FBACA27BC}" dt="2020-06-26T03:57:03.500" v="2808" actId="20577"/>
-          <ac:spMkLst>
-            <pc:docMk/>
-            <pc:sldMk cId="2894760130" sldId="294"/>
-            <ac:spMk id="5" creationId="{D709A5CC-AC22-0340-8F44-73A8C271AE35}"/>
-          </ac:spMkLst>
-        </pc:spChg>
-        <pc:spChg chg="add mod">
-          <ac:chgData name="Oelgoetz, Justin" userId="187baaf7-891c-4899-8a0a-e1373f92b3a0" providerId="ADAL" clId="{E0E89060-7C3F-3E44-A37A-F05FBACA27BC}" dt="2020-06-26T03:57:39.209" v="2810"/>
-          <ac:spMkLst>
-            <pc:docMk/>
-            <pc:sldMk cId="2894760130" sldId="294"/>
-            <ac:spMk id="6" creationId="{0B0C8ADD-B7C4-ED40-AF6D-B2710B45BEC5}"/>
-          </ac:spMkLst>
-        </pc:spChg>
-        <pc:graphicFrameChg chg="del">
-          <ac:chgData name="Oelgoetz, Justin" userId="187baaf7-891c-4899-8a0a-e1373f92b3a0" providerId="ADAL" clId="{E0E89060-7C3F-3E44-A37A-F05FBACA27BC}" dt="2020-06-26T03:51:40.525" v="2603" actId="478"/>
-          <ac:graphicFrameMkLst>
-            <pc:docMk/>
-            <pc:sldMk cId="2894760130" sldId="294"/>
-            <ac:graphicFrameMk id="3" creationId="{385C4C53-BAA6-6B4F-92C2-0829D71A6D27}"/>
-          </ac:graphicFrameMkLst>
-        </pc:graphicFrameChg>
-        <pc:graphicFrameChg chg="add mod modGraphic">
-          <ac:chgData name="Oelgoetz, Justin" userId="187baaf7-891c-4899-8a0a-e1373f92b3a0" providerId="ADAL" clId="{E0E89060-7C3F-3E44-A37A-F05FBACA27BC}" dt="2020-06-26T03:56:39.852" v="2775" actId="20577"/>
-          <ac:graphicFrameMkLst>
-            <pc:docMk/>
-            <pc:sldMk cId="2894760130" sldId="294"/>
-            <ac:graphicFrameMk id="7" creationId="{B3224BBC-CFBA-6742-A45B-FB0E72172A3A}"/>
-          </ac:graphicFrameMkLst>
-        </pc:graphicFrameChg>
-      </pc:sldChg>
-      <pc:sldChg chg="addSp delSp modSp add">
-        <pc:chgData name="Oelgoetz, Justin" userId="187baaf7-891c-4899-8a0a-e1373f92b3a0" providerId="ADAL" clId="{E0E89060-7C3F-3E44-A37A-F05FBACA27BC}" dt="2020-06-26T02:34:29.877" v="608" actId="207"/>
-        <pc:sldMkLst>
-          <pc:docMk/>
-          <pc:sldMk cId="494698454" sldId="295"/>
-        </pc:sldMkLst>
-        <pc:spChg chg="mod">
-          <ac:chgData name="Oelgoetz, Justin" userId="187baaf7-891c-4899-8a0a-e1373f92b3a0" providerId="ADAL" clId="{E0E89060-7C3F-3E44-A37A-F05FBACA27BC}" dt="2020-06-26T02:22:32.878" v="264" actId="20577"/>
-          <ac:spMkLst>
-            <pc:docMk/>
-            <pc:sldMk cId="494698454" sldId="295"/>
-            <ac:spMk id="2" creationId="{AD203B07-CB94-C543-8FED-3C2B518FCA0D}"/>
-          </ac:spMkLst>
-        </pc:spChg>
-        <pc:spChg chg="mod">
-          <ac:chgData name="Oelgoetz, Justin" userId="187baaf7-891c-4899-8a0a-e1373f92b3a0" providerId="ADAL" clId="{E0E89060-7C3F-3E44-A37A-F05FBACA27BC}" dt="2020-06-26T02:32:12.610" v="536" actId="12"/>
-          <ac:spMkLst>
-            <pc:docMk/>
-            <pc:sldMk cId="494698454" sldId="295"/>
-            <ac:spMk id="3" creationId="{4E4B41E3-9411-4142-90D8-7B1BB45F2911}"/>
-          </ac:spMkLst>
-        </pc:spChg>
-        <pc:spChg chg="add del mod">
-          <ac:chgData name="Oelgoetz, Justin" userId="187baaf7-891c-4899-8a0a-e1373f92b3a0" providerId="ADAL" clId="{E0E89060-7C3F-3E44-A37A-F05FBACA27BC}" dt="2020-06-26T02:24:58.419" v="269" actId="478"/>
-          <ac:spMkLst>
-            <pc:docMk/>
-            <pc:sldMk cId="494698454" sldId="295"/>
-            <ac:spMk id="5" creationId="{78A3EC40-96A8-DF42-B64B-0E0680009287}"/>
-          </ac:spMkLst>
-        </pc:spChg>
-        <pc:spChg chg="add mod">
-          <ac:chgData name="Oelgoetz, Justin" userId="187baaf7-891c-4899-8a0a-e1373f92b3a0" providerId="ADAL" clId="{E0E89060-7C3F-3E44-A37A-F05FBACA27BC}" dt="2020-06-26T02:34:29.877" v="608" actId="207"/>
-          <ac:spMkLst>
-            <pc:docMk/>
-            <pc:sldMk cId="494698454" sldId="295"/>
-            <ac:spMk id="8" creationId="{229BC5D3-C8D7-1C49-9F9C-0B3BF35AFBE4}"/>
-          </ac:spMkLst>
-        </pc:spChg>
-        <pc:picChg chg="del">
-          <ac:chgData name="Oelgoetz, Justin" userId="187baaf7-891c-4899-8a0a-e1373f92b3a0" providerId="ADAL" clId="{E0E89060-7C3F-3E44-A37A-F05FBACA27BC}" dt="2020-06-26T02:19:20.063" v="28" actId="478"/>
-          <ac:picMkLst>
-            <pc:docMk/>
-            <pc:sldMk cId="494698454" sldId="295"/>
-            <ac:picMk id="6" creationId="{F988D4DE-8922-3344-8AA2-9EAF5973CF0C}"/>
-          </ac:picMkLst>
-        </pc:picChg>
-      </pc:sldChg>
-      <pc:sldChg chg="addSp delSp add del setBg delDesignElem">
-        <pc:chgData name="Oelgoetz, Justin" userId="187baaf7-891c-4899-8a0a-e1373f92b3a0" providerId="ADAL" clId="{E0E89060-7C3F-3E44-A37A-F05FBACA27BC}" dt="2020-06-26T02:18:59.637" v="22"/>
-        <pc:sldMkLst>
-          <pc:docMk/>
-          <pc:sldMk cId="1906884152" sldId="295"/>
-        </pc:sldMkLst>
-        <pc:spChg chg="add del">
-          <ac:chgData name="Oelgoetz, Justin" userId="187baaf7-891c-4899-8a0a-e1373f92b3a0" providerId="ADAL" clId="{E0E89060-7C3F-3E44-A37A-F05FBACA27BC}" dt="2020-06-26T02:18:59.637" v="22"/>
-          <ac:spMkLst>
-            <pc:docMk/>
-            <pc:sldMk cId="1906884152" sldId="295"/>
-            <ac:spMk id="29" creationId="{293F5FFF-2AE2-424B-BE21-49AFFEF68811}"/>
-          </ac:spMkLst>
-        </pc:spChg>
-      </pc:sldChg>
-      <pc:sldChg chg="addSp delSp add del setBg delDesignElem">
-        <pc:chgData name="Oelgoetz, Justin" userId="187baaf7-891c-4899-8a0a-e1373f92b3a0" providerId="ADAL" clId="{E0E89060-7C3F-3E44-A37A-F05FBACA27BC}" dt="2020-06-26T02:35:03.437" v="612"/>
-        <pc:sldMkLst>
-          <pc:docMk/>
-          <pc:sldMk cId="138456125" sldId="296"/>
-        </pc:sldMkLst>
-        <pc:spChg chg="add del">
-          <ac:chgData name="Oelgoetz, Justin" userId="187baaf7-891c-4899-8a0a-e1373f92b3a0" providerId="ADAL" clId="{E0E89060-7C3F-3E44-A37A-F05FBACA27BC}" dt="2020-06-26T02:35:03.437" v="612"/>
-          <ac:spMkLst>
-            <pc:docMk/>
-            <pc:sldMk cId="138456125" sldId="296"/>
-            <ac:spMk id="29" creationId="{293F5FFF-2AE2-424B-BE21-49AFFEF68811}"/>
-          </ac:spMkLst>
-        </pc:spChg>
-      </pc:sldChg>
-      <pc:sldChg chg="modSp add">
-        <pc:chgData name="Oelgoetz, Justin" userId="187baaf7-891c-4899-8a0a-e1373f92b3a0" providerId="ADAL" clId="{E0E89060-7C3F-3E44-A37A-F05FBACA27BC}" dt="2020-06-26T03:01:22.102" v="1471" actId="20577"/>
-        <pc:sldMkLst>
-          <pc:docMk/>
-          <pc:sldMk cId="2214692161" sldId="296"/>
-        </pc:sldMkLst>
-        <pc:spChg chg="mod">
-          <ac:chgData name="Oelgoetz, Justin" userId="187baaf7-891c-4899-8a0a-e1373f92b3a0" providerId="ADAL" clId="{E0E89060-7C3F-3E44-A37A-F05FBACA27BC}" dt="2020-06-26T02:35:08.094" v="615" actId="20577"/>
-          <ac:spMkLst>
-            <pc:docMk/>
-            <pc:sldMk cId="2214692161" sldId="296"/>
-            <ac:spMk id="2" creationId="{AD203B07-CB94-C543-8FED-3C2B518FCA0D}"/>
-          </ac:spMkLst>
-        </pc:spChg>
-        <pc:spChg chg="mod">
-          <ac:chgData name="Oelgoetz, Justin" userId="187baaf7-891c-4899-8a0a-e1373f92b3a0" providerId="ADAL" clId="{E0E89060-7C3F-3E44-A37A-F05FBACA27BC}" dt="2020-06-26T03:01:22.102" v="1471" actId="20577"/>
-          <ac:spMkLst>
-            <pc:docMk/>
-            <pc:sldMk cId="2214692161" sldId="296"/>
-            <ac:spMk id="3" creationId="{4E4B41E3-9411-4142-90D8-7B1BB45F2911}"/>
-          </ac:spMkLst>
-        </pc:spChg>
-        <pc:spChg chg="mod">
-          <ac:chgData name="Oelgoetz, Justin" userId="187baaf7-891c-4899-8a0a-e1373f92b3a0" providerId="ADAL" clId="{E0E89060-7C3F-3E44-A37A-F05FBACA27BC}" dt="2020-06-26T02:58:31.368" v="1383" actId="207"/>
-          <ac:spMkLst>
-            <pc:docMk/>
-            <pc:sldMk cId="2214692161" sldId="296"/>
-            <ac:spMk id="8" creationId="{229BC5D3-C8D7-1C49-9F9C-0B3BF35AFBE4}"/>
-          </ac:spMkLst>
-        </pc:spChg>
-      </pc:sldChg>
-      <pc:sldChg chg="modSp add">
-        <pc:chgData name="Oelgoetz, Justin" userId="187baaf7-891c-4899-8a0a-e1373f92b3a0" providerId="ADAL" clId="{E0E89060-7C3F-3E44-A37A-F05FBACA27BC}" dt="2020-06-26T03:43:16.132" v="2601" actId="20577"/>
-        <pc:sldMkLst>
-          <pc:docMk/>
-          <pc:sldMk cId="682944797" sldId="297"/>
-        </pc:sldMkLst>
-        <pc:spChg chg="mod">
-          <ac:chgData name="Oelgoetz, Justin" userId="187baaf7-891c-4899-8a0a-e1373f92b3a0" providerId="ADAL" clId="{E0E89060-7C3F-3E44-A37A-F05FBACA27BC}" dt="2020-06-26T03:04:10.200" v="1597" actId="20577"/>
-          <ac:spMkLst>
-            <pc:docMk/>
-            <pc:sldMk cId="682944797" sldId="297"/>
-            <ac:spMk id="2" creationId="{AD203B07-CB94-C543-8FED-3C2B518FCA0D}"/>
-          </ac:spMkLst>
-        </pc:spChg>
-        <pc:spChg chg="mod">
-          <ac:chgData name="Oelgoetz, Justin" userId="187baaf7-891c-4899-8a0a-e1373f92b3a0" providerId="ADAL" clId="{E0E89060-7C3F-3E44-A37A-F05FBACA27BC}" dt="2020-06-26T03:43:16.132" v="2601" actId="20577"/>
-          <ac:spMkLst>
-            <pc:docMk/>
-            <pc:sldMk cId="682944797" sldId="297"/>
-            <ac:spMk id="3" creationId="{4E4B41E3-9411-4142-90D8-7B1BB45F2911}"/>
-          </ac:spMkLst>
-        </pc:spChg>
-        <pc:spChg chg="mod">
-          <ac:chgData name="Oelgoetz, Justin" userId="187baaf7-891c-4899-8a0a-e1373f92b3a0" providerId="ADAL" clId="{E0E89060-7C3F-3E44-A37A-F05FBACA27BC}" dt="2020-06-26T03:31:55.690" v="2535"/>
-          <ac:spMkLst>
-            <pc:docMk/>
-            <pc:sldMk cId="682944797" sldId="297"/>
-            <ac:spMk id="8" creationId="{229BC5D3-C8D7-1C49-9F9C-0B3BF35AFBE4}"/>
-          </ac:spMkLst>
-        </pc:spChg>
-      </pc:sldChg>
-      <pc:sldChg chg="addSp delSp add del setBg delDesignElem">
-        <pc:chgData name="Oelgoetz, Justin" userId="187baaf7-891c-4899-8a0a-e1373f92b3a0" providerId="ADAL" clId="{E0E89060-7C3F-3E44-A37A-F05FBACA27BC}" dt="2020-06-26T03:04:05.498" v="1594"/>
-        <pc:sldMkLst>
-          <pc:docMk/>
-          <pc:sldMk cId="2869488142" sldId="297"/>
-        </pc:sldMkLst>
-        <pc:spChg chg="add del">
-          <ac:chgData name="Oelgoetz, Justin" userId="187baaf7-891c-4899-8a0a-e1373f92b3a0" providerId="ADAL" clId="{E0E89060-7C3F-3E44-A37A-F05FBACA27BC}" dt="2020-06-26T03:04:05.498" v="1594"/>
-          <ac:spMkLst>
-            <pc:docMk/>
-            <pc:sldMk cId="2869488142" sldId="297"/>
-            <ac:spMk id="29" creationId="{293F5FFF-2AE2-424B-BE21-49AFFEF68811}"/>
-          </ac:spMkLst>
-        </pc:spChg>
-      </pc:sldChg>
-      <pc:sldChg chg="addSp delSp add del setBg delDesignElem">
-        <pc:chgData name="Oelgoetz, Justin" userId="187baaf7-891c-4899-8a0a-e1373f92b3a0" providerId="ADAL" clId="{E0E89060-7C3F-3E44-A37A-F05FBACA27BC}" dt="2020-06-26T03:58:01.815" v="2813"/>
-        <pc:sldMkLst>
-          <pc:docMk/>
-          <pc:sldMk cId="2840959137" sldId="298"/>
-        </pc:sldMkLst>
-        <pc:spChg chg="add del">
-          <ac:chgData name="Oelgoetz, Justin" userId="187baaf7-891c-4899-8a0a-e1373f92b3a0" providerId="ADAL" clId="{E0E89060-7C3F-3E44-A37A-F05FBACA27BC}" dt="2020-06-26T03:58:01.815" v="2813"/>
-          <ac:spMkLst>
-            <pc:docMk/>
-            <pc:sldMk cId="2840959137" sldId="298"/>
-            <ac:spMk id="29" creationId="{293F5FFF-2AE2-424B-BE21-49AFFEF68811}"/>
-          </ac:spMkLst>
-        </pc:spChg>
-      </pc:sldChg>
-      <pc:sldChg chg="modSp add">
-        <pc:chgData name="Oelgoetz, Justin" userId="187baaf7-891c-4899-8a0a-e1373f92b3a0" providerId="ADAL" clId="{E0E89060-7C3F-3E44-A37A-F05FBACA27BC}" dt="2020-06-26T04:56:25.050" v="3513" actId="20577"/>
-        <pc:sldMkLst>
-          <pc:docMk/>
-          <pc:sldMk cId="2858446820" sldId="298"/>
-        </pc:sldMkLst>
-        <pc:spChg chg="mod">
-          <ac:chgData name="Oelgoetz, Justin" userId="187baaf7-891c-4899-8a0a-e1373f92b3a0" providerId="ADAL" clId="{E0E89060-7C3F-3E44-A37A-F05FBACA27BC}" dt="2020-06-26T03:58:41.773" v="2820" actId="20577"/>
-          <ac:spMkLst>
-            <pc:docMk/>
-            <pc:sldMk cId="2858446820" sldId="298"/>
-            <ac:spMk id="2" creationId="{AD203B07-CB94-C543-8FED-3C2B518FCA0D}"/>
-          </ac:spMkLst>
-        </pc:spChg>
-        <pc:spChg chg="mod">
-          <ac:chgData name="Oelgoetz, Justin" userId="187baaf7-891c-4899-8a0a-e1373f92b3a0" providerId="ADAL" clId="{E0E89060-7C3F-3E44-A37A-F05FBACA27BC}" dt="2020-06-26T04:56:25.050" v="3513" actId="20577"/>
-          <ac:spMkLst>
-            <pc:docMk/>
-            <pc:sldMk cId="2858446820" sldId="298"/>
-            <ac:spMk id="3" creationId="{4E4B41E3-9411-4142-90D8-7B1BB45F2911}"/>
-          </ac:spMkLst>
-        </pc:spChg>
-        <pc:spChg chg="mod">
-          <ac:chgData name="Oelgoetz, Justin" userId="187baaf7-891c-4899-8a0a-e1373f92b3a0" providerId="ADAL" clId="{E0E89060-7C3F-3E44-A37A-F05FBACA27BC}" dt="2020-06-26T04:56:02.384" v="3450" actId="20577"/>
-          <ac:spMkLst>
-            <pc:docMk/>
-            <pc:sldMk cId="2858446820" sldId="298"/>
-            <ac:spMk id="8" creationId="{229BC5D3-C8D7-1C49-9F9C-0B3BF35AFBE4}"/>
-          </ac:spMkLst>
-        </pc:spChg>
-      </pc:sldChg>
-      <pc:sldChg chg="delSp modSp add">
-        <pc:chgData name="Oelgoetz, Justin" userId="187baaf7-891c-4899-8a0a-e1373f92b3a0" providerId="ADAL" clId="{E0E89060-7C3F-3E44-A37A-F05FBACA27BC}" dt="2020-06-26T04:59:25.431" v="3560" actId="20577"/>
-        <pc:sldMkLst>
-          <pc:docMk/>
-          <pc:sldMk cId="2390162922" sldId="299"/>
-        </pc:sldMkLst>
-        <pc:spChg chg="mod">
-          <ac:chgData name="Oelgoetz, Justin" userId="187baaf7-891c-4899-8a0a-e1373f92b3a0" providerId="ADAL" clId="{E0E89060-7C3F-3E44-A37A-F05FBACA27BC}" dt="2020-06-26T04:25:01.285" v="2944" actId="20577"/>
-          <ac:spMkLst>
-            <pc:docMk/>
-            <pc:sldMk cId="2390162922" sldId="299"/>
-            <ac:spMk id="2" creationId="{12AE96A0-ED8F-624C-A189-18C57DFFC328}"/>
-          </ac:spMkLst>
-        </pc:spChg>
-        <pc:spChg chg="del mod">
-          <ac:chgData name="Oelgoetz, Justin" userId="187baaf7-891c-4899-8a0a-e1373f92b3a0" providerId="ADAL" clId="{E0E89060-7C3F-3E44-A37A-F05FBACA27BC}" dt="2020-06-26T04:25:42.784" v="2952" actId="478"/>
-          <ac:spMkLst>
-            <pc:docMk/>
-            <pc:sldMk cId="2390162922" sldId="299"/>
-            <ac:spMk id="4" creationId="{DCF2A5BE-26ED-A44A-B123-51428716F8F8}"/>
-          </ac:spMkLst>
-        </pc:spChg>
-        <pc:spChg chg="mod">
-          <ac:chgData name="Oelgoetz, Justin" userId="187baaf7-891c-4899-8a0a-e1373f92b3a0" providerId="ADAL" clId="{E0E89060-7C3F-3E44-A37A-F05FBACA27BC}" dt="2020-06-26T04:59:25.431" v="3560" actId="20577"/>
-          <ac:spMkLst>
-            <pc:docMk/>
-            <pc:sldMk cId="2390162922" sldId="299"/>
-            <ac:spMk id="5" creationId="{D709A5CC-AC22-0340-8F44-73A8C271AE35}"/>
-          </ac:spMkLst>
-        </pc:spChg>
-        <pc:spChg chg="del">
-          <ac:chgData name="Oelgoetz, Justin" userId="187baaf7-891c-4899-8a0a-e1373f92b3a0" providerId="ADAL" clId="{E0E89060-7C3F-3E44-A37A-F05FBACA27BC}" dt="2020-06-26T04:25:23.636" v="2947" actId="478"/>
-          <ac:spMkLst>
-            <pc:docMk/>
-            <pc:sldMk cId="2390162922" sldId="299"/>
-            <ac:spMk id="6" creationId="{0B0C8ADD-B7C4-ED40-AF6D-B2710B45BEC5}"/>
-          </ac:spMkLst>
-        </pc:spChg>
-        <pc:graphicFrameChg chg="mod modGraphic">
-          <ac:chgData name="Oelgoetz, Justin" userId="187baaf7-891c-4899-8a0a-e1373f92b3a0" providerId="ADAL" clId="{E0E89060-7C3F-3E44-A37A-F05FBACA27BC}" dt="2020-06-26T04:59:12.249" v="3558" actId="1076"/>
-          <ac:graphicFrameMkLst>
-            <pc:docMk/>
-            <pc:sldMk cId="2390162922" sldId="299"/>
-            <ac:graphicFrameMk id="7" creationId="{B3224BBC-CFBA-6742-A45B-FB0E72172A3A}"/>
-          </ac:graphicFrameMkLst>
-        </pc:graphicFrameChg>
-      </pc:sldChg>
-      <pc:sldChg chg="addSp delSp add del setBg delDesignElem">
-        <pc:chgData name="Oelgoetz, Justin" userId="187baaf7-891c-4899-8a0a-e1373f92b3a0" providerId="ADAL" clId="{E0E89060-7C3F-3E44-A37A-F05FBACA27BC}" dt="2020-06-26T03:58:10.216" v="2817"/>
-        <pc:sldMkLst>
-          <pc:docMk/>
-          <pc:sldMk cId="3347992968" sldId="299"/>
-        </pc:sldMkLst>
-        <pc:spChg chg="add del">
-          <ac:chgData name="Oelgoetz, Justin" userId="187baaf7-891c-4899-8a0a-e1373f92b3a0" providerId="ADAL" clId="{E0E89060-7C3F-3E44-A37A-F05FBACA27BC}" dt="2020-06-26T03:58:10.216" v="2817"/>
-          <ac:spMkLst>
-            <pc:docMk/>
-            <pc:sldMk cId="3347992968" sldId="299"/>
-            <ac:spMk id="10" creationId="{3A4F209C-C20E-4FA7-B241-1EF4F8D193B2}"/>
-          </ac:spMkLst>
-        </pc:spChg>
-        <pc:spChg chg="add del">
-          <ac:chgData name="Oelgoetz, Justin" userId="187baaf7-891c-4899-8a0a-e1373f92b3a0" providerId="ADAL" clId="{E0E89060-7C3F-3E44-A37A-F05FBACA27BC}" dt="2020-06-26T03:58:10.216" v="2817"/>
-          <ac:spMkLst>
-            <pc:docMk/>
-            <pc:sldMk cId="3347992968" sldId="299"/>
-            <ac:spMk id="12" creationId="{E4564234-45B0-4ED8-A9E2-199C00173276}"/>
-          </ac:spMkLst>
-        </pc:spChg>
-      </pc:sldChg>
-    </pc:docChg>
-  </pc:docChgLst>
 </pc:chgInfo>
 </file>
 
@@ -1275,7 +1275,7 @@
           <a:p>
             <a:fld id="{4FB81F69-868F-0C48-BCB6-F426D9DB4389}" type="datetimeFigureOut">
               <a:rPr lang="en-US" smtClean="0"/>
-              <a:t>10/11/20</a:t>
+              <a:t>12/10/2020</a:t>
             </a:fld>
             <a:endParaRPr lang="en-US"/>
           </a:p>
@@ -1339,38 +1339,37 @@
           <a:p>
             <a:pPr lvl="0"/>
             <a:r>
-              <a:rPr lang="en-US" smtClean="0"/>
+              <a:rPr lang="en-US"/>
               <a:t>Click to edit Master text styles</a:t>
             </a:r>
           </a:p>
           <a:p>
             <a:pPr lvl="1"/>
             <a:r>
-              <a:rPr lang="en-US" smtClean="0"/>
+              <a:rPr lang="en-US"/>
               <a:t>Second level</a:t>
             </a:r>
           </a:p>
           <a:p>
             <a:pPr lvl="2"/>
             <a:r>
-              <a:rPr lang="en-US" smtClean="0"/>
+              <a:rPr lang="en-US"/>
               <a:t>Third level</a:t>
             </a:r>
           </a:p>
           <a:p>
             <a:pPr lvl="3"/>
             <a:r>
-              <a:rPr lang="en-US" smtClean="0"/>
+              <a:rPr lang="en-US"/>
               <a:t>Fourth level</a:t>
             </a:r>
           </a:p>
           <a:p>
             <a:pPr lvl="4"/>
             <a:r>
-              <a:rPr lang="en-US" smtClean="0"/>
+              <a:rPr lang="en-US"/>
               <a:t>Fifth level</a:t>
             </a:r>
-            <a:endParaRPr lang="en-US"/>
           </a:p>
         </p:txBody>
       </p:sp>
@@ -1645,7 +1644,7 @@
           <p:cNvPr id="2" name="Title 1">
             <a:extLst>
               <a:ext uri="{FF2B5EF4-FFF2-40B4-BE49-F238E27FC236}">
-                <a16:creationId xmlns="" xmlns:a16="http://schemas.microsoft.com/office/drawing/2014/main" id="{56EFF52F-5ABF-D141-AB4E-21B68FF01729}"/>
+                <a16:creationId xmlns:a16="http://schemas.microsoft.com/office/drawing/2014/main" id="{56EFF52F-5ABF-D141-AB4E-21B68FF01729}"/>
               </a:ext>
             </a:extLst>
           </p:cNvPr>
@@ -1682,7 +1681,7 @@
           <p:cNvPr id="3" name="Subtitle 2">
             <a:extLst>
               <a:ext uri="{FF2B5EF4-FFF2-40B4-BE49-F238E27FC236}">
-                <a16:creationId xmlns="" xmlns:a16="http://schemas.microsoft.com/office/drawing/2014/main" id="{5DDCC730-1348-0D4A-BEF3-A6A9C3D7A543}"/>
+                <a16:creationId xmlns:a16="http://schemas.microsoft.com/office/drawing/2014/main" id="{5DDCC730-1348-0D4A-BEF3-A6A9C3D7A543}"/>
               </a:ext>
             </a:extLst>
           </p:cNvPr>
@@ -1752,7 +1751,7 @@
           <p:cNvPr id="4" name="Date Placeholder 3">
             <a:extLst>
               <a:ext uri="{FF2B5EF4-FFF2-40B4-BE49-F238E27FC236}">
-                <a16:creationId xmlns="" xmlns:a16="http://schemas.microsoft.com/office/drawing/2014/main" id="{AF217720-FE67-774F-96F0-D2B3B32CC598}"/>
+                <a16:creationId xmlns:a16="http://schemas.microsoft.com/office/drawing/2014/main" id="{AF217720-FE67-774F-96F0-D2B3B32CC598}"/>
               </a:ext>
             </a:extLst>
           </p:cNvPr>
@@ -1770,7 +1769,7 @@
           <a:p>
             <a:fld id="{A821AF8D-EA27-A940-BB27-147E164DA6E4}" type="datetimeFigureOut">
               <a:rPr lang="en-US" smtClean="0"/>
-              <a:t>10/11/20</a:t>
+              <a:t>12/10/2020</a:t>
             </a:fld>
             <a:endParaRPr lang="en-US"/>
           </a:p>
@@ -1781,7 +1780,7 @@
           <p:cNvPr id="5" name="Footer Placeholder 4">
             <a:extLst>
               <a:ext uri="{FF2B5EF4-FFF2-40B4-BE49-F238E27FC236}">
-                <a16:creationId xmlns="" xmlns:a16="http://schemas.microsoft.com/office/drawing/2014/main" id="{9E2BDB78-5529-344D-9FDC-97CA95CD8F23}"/>
+                <a16:creationId xmlns:a16="http://schemas.microsoft.com/office/drawing/2014/main" id="{9E2BDB78-5529-344D-9FDC-97CA95CD8F23}"/>
               </a:ext>
             </a:extLst>
           </p:cNvPr>
@@ -1806,7 +1805,7 @@
           <p:cNvPr id="6" name="Slide Number Placeholder 5">
             <a:extLst>
               <a:ext uri="{FF2B5EF4-FFF2-40B4-BE49-F238E27FC236}">
-                <a16:creationId xmlns="" xmlns:a16="http://schemas.microsoft.com/office/drawing/2014/main" id="{1F08EFF8-E2FB-BE42-8964-5FB66A716B35}"/>
+                <a16:creationId xmlns:a16="http://schemas.microsoft.com/office/drawing/2014/main" id="{1F08EFF8-E2FB-BE42-8964-5FB66A716B35}"/>
               </a:ext>
             </a:extLst>
           </p:cNvPr>
@@ -1865,7 +1864,7 @@
           <p:cNvPr id="2" name="Title 1">
             <a:extLst>
               <a:ext uri="{FF2B5EF4-FFF2-40B4-BE49-F238E27FC236}">
-                <a16:creationId xmlns="" xmlns:a16="http://schemas.microsoft.com/office/drawing/2014/main" id="{F0C1A55A-3A79-C94F-B0A0-E6DD603B2F63}"/>
+                <a16:creationId xmlns:a16="http://schemas.microsoft.com/office/drawing/2014/main" id="{F0C1A55A-3A79-C94F-B0A0-E6DD603B2F63}"/>
               </a:ext>
             </a:extLst>
           </p:cNvPr>
@@ -1893,7 +1892,7 @@
           <p:cNvPr id="3" name="Vertical Text Placeholder 2">
             <a:extLst>
               <a:ext uri="{FF2B5EF4-FFF2-40B4-BE49-F238E27FC236}">
-                <a16:creationId xmlns="" xmlns:a16="http://schemas.microsoft.com/office/drawing/2014/main" id="{8D60E525-E11C-6D43-A1EB-ACB93CDC6374}"/>
+                <a16:creationId xmlns:a16="http://schemas.microsoft.com/office/drawing/2014/main" id="{8D60E525-E11C-6D43-A1EB-ACB93CDC6374}"/>
               </a:ext>
             </a:extLst>
           </p:cNvPr>
@@ -1950,7 +1949,7 @@
           <p:cNvPr id="4" name="Date Placeholder 3">
             <a:extLst>
               <a:ext uri="{FF2B5EF4-FFF2-40B4-BE49-F238E27FC236}">
-                <a16:creationId xmlns="" xmlns:a16="http://schemas.microsoft.com/office/drawing/2014/main" id="{B1129E8A-A73C-5645-8B06-7BC3BED69936}"/>
+                <a16:creationId xmlns:a16="http://schemas.microsoft.com/office/drawing/2014/main" id="{B1129E8A-A73C-5645-8B06-7BC3BED69936}"/>
               </a:ext>
             </a:extLst>
           </p:cNvPr>
@@ -1968,7 +1967,7 @@
           <a:p>
             <a:fld id="{A821AF8D-EA27-A940-BB27-147E164DA6E4}" type="datetimeFigureOut">
               <a:rPr lang="en-US" smtClean="0"/>
-              <a:t>10/11/20</a:t>
+              <a:t>12/10/2020</a:t>
             </a:fld>
             <a:endParaRPr lang="en-US"/>
           </a:p>
@@ -1979,7 +1978,7 @@
           <p:cNvPr id="5" name="Footer Placeholder 4">
             <a:extLst>
               <a:ext uri="{FF2B5EF4-FFF2-40B4-BE49-F238E27FC236}">
-                <a16:creationId xmlns="" xmlns:a16="http://schemas.microsoft.com/office/drawing/2014/main" id="{C95EDA5C-028A-074D-86B7-38CF15E125A9}"/>
+                <a16:creationId xmlns:a16="http://schemas.microsoft.com/office/drawing/2014/main" id="{C95EDA5C-028A-074D-86B7-38CF15E125A9}"/>
               </a:ext>
             </a:extLst>
           </p:cNvPr>
@@ -2004,7 +2003,7 @@
           <p:cNvPr id="6" name="Slide Number Placeholder 5">
             <a:extLst>
               <a:ext uri="{FF2B5EF4-FFF2-40B4-BE49-F238E27FC236}">
-                <a16:creationId xmlns="" xmlns:a16="http://schemas.microsoft.com/office/drawing/2014/main" id="{704BFC68-8EED-7643-B80D-D68B96C47856}"/>
+                <a16:creationId xmlns:a16="http://schemas.microsoft.com/office/drawing/2014/main" id="{704BFC68-8EED-7643-B80D-D68B96C47856}"/>
               </a:ext>
             </a:extLst>
           </p:cNvPr>
@@ -2063,7 +2062,7 @@
           <p:cNvPr id="2" name="Vertical Title 1">
             <a:extLst>
               <a:ext uri="{FF2B5EF4-FFF2-40B4-BE49-F238E27FC236}">
-                <a16:creationId xmlns="" xmlns:a16="http://schemas.microsoft.com/office/drawing/2014/main" id="{E8F3B61B-DE03-4E4D-8273-68D386B69D5A}"/>
+                <a16:creationId xmlns:a16="http://schemas.microsoft.com/office/drawing/2014/main" id="{E8F3B61B-DE03-4E4D-8273-68D386B69D5A}"/>
               </a:ext>
             </a:extLst>
           </p:cNvPr>
@@ -2096,7 +2095,7 @@
           <p:cNvPr id="3" name="Vertical Text Placeholder 2">
             <a:extLst>
               <a:ext uri="{FF2B5EF4-FFF2-40B4-BE49-F238E27FC236}">
-                <a16:creationId xmlns="" xmlns:a16="http://schemas.microsoft.com/office/drawing/2014/main" id="{837D6FA4-BAE5-F04C-B4FB-C53A3D00B118}"/>
+                <a16:creationId xmlns:a16="http://schemas.microsoft.com/office/drawing/2014/main" id="{837D6FA4-BAE5-F04C-B4FB-C53A3D00B118}"/>
               </a:ext>
             </a:extLst>
           </p:cNvPr>
@@ -2158,7 +2157,7 @@
           <p:cNvPr id="4" name="Date Placeholder 3">
             <a:extLst>
               <a:ext uri="{FF2B5EF4-FFF2-40B4-BE49-F238E27FC236}">
-                <a16:creationId xmlns="" xmlns:a16="http://schemas.microsoft.com/office/drawing/2014/main" id="{0544E3FD-DA26-1E4D-8D85-CC7E7C6145B2}"/>
+                <a16:creationId xmlns:a16="http://schemas.microsoft.com/office/drawing/2014/main" id="{0544E3FD-DA26-1E4D-8D85-CC7E7C6145B2}"/>
               </a:ext>
             </a:extLst>
           </p:cNvPr>
@@ -2176,7 +2175,7 @@
           <a:p>
             <a:fld id="{A821AF8D-EA27-A940-BB27-147E164DA6E4}" type="datetimeFigureOut">
               <a:rPr lang="en-US" smtClean="0"/>
-              <a:t>10/11/20</a:t>
+              <a:t>12/10/2020</a:t>
             </a:fld>
             <a:endParaRPr lang="en-US"/>
           </a:p>
@@ -2187,7 +2186,7 @@
           <p:cNvPr id="5" name="Footer Placeholder 4">
             <a:extLst>
               <a:ext uri="{FF2B5EF4-FFF2-40B4-BE49-F238E27FC236}">
-                <a16:creationId xmlns="" xmlns:a16="http://schemas.microsoft.com/office/drawing/2014/main" id="{AC3130FA-8E1A-E141-A22C-AE3974F216C7}"/>
+                <a16:creationId xmlns:a16="http://schemas.microsoft.com/office/drawing/2014/main" id="{AC3130FA-8E1A-E141-A22C-AE3974F216C7}"/>
               </a:ext>
             </a:extLst>
           </p:cNvPr>
@@ -2212,7 +2211,7 @@
           <p:cNvPr id="6" name="Slide Number Placeholder 5">
             <a:extLst>
               <a:ext uri="{FF2B5EF4-FFF2-40B4-BE49-F238E27FC236}">
-                <a16:creationId xmlns="" xmlns:a16="http://schemas.microsoft.com/office/drawing/2014/main" id="{55A1AE83-F2C7-A54A-98E1-D5D2F920D46E}"/>
+                <a16:creationId xmlns:a16="http://schemas.microsoft.com/office/drawing/2014/main" id="{55A1AE83-F2C7-A54A-98E1-D5D2F920D46E}"/>
               </a:ext>
             </a:extLst>
           </p:cNvPr>
@@ -2271,7 +2270,7 @@
           <p:cNvPr id="2" name="Title 1">
             <a:extLst>
               <a:ext uri="{FF2B5EF4-FFF2-40B4-BE49-F238E27FC236}">
-                <a16:creationId xmlns="" xmlns:a16="http://schemas.microsoft.com/office/drawing/2014/main" id="{63A3EA9E-F75E-5B4B-844D-7C5645989A93}"/>
+                <a16:creationId xmlns:a16="http://schemas.microsoft.com/office/drawing/2014/main" id="{63A3EA9E-F75E-5B4B-844D-7C5645989A93}"/>
               </a:ext>
             </a:extLst>
           </p:cNvPr>
@@ -2299,7 +2298,7 @@
           <p:cNvPr id="3" name="Content Placeholder 2">
             <a:extLst>
               <a:ext uri="{FF2B5EF4-FFF2-40B4-BE49-F238E27FC236}">
-                <a16:creationId xmlns="" xmlns:a16="http://schemas.microsoft.com/office/drawing/2014/main" id="{C633C046-BEA5-404D-91CD-19F07C162D52}"/>
+                <a16:creationId xmlns:a16="http://schemas.microsoft.com/office/drawing/2014/main" id="{C633C046-BEA5-404D-91CD-19F07C162D52}"/>
               </a:ext>
             </a:extLst>
           </p:cNvPr>
@@ -2356,7 +2355,7 @@
           <p:cNvPr id="4" name="Date Placeholder 3">
             <a:extLst>
               <a:ext uri="{FF2B5EF4-FFF2-40B4-BE49-F238E27FC236}">
-                <a16:creationId xmlns="" xmlns:a16="http://schemas.microsoft.com/office/drawing/2014/main" id="{79307961-8F16-C843-A71D-B2583AE8751A}"/>
+                <a16:creationId xmlns:a16="http://schemas.microsoft.com/office/drawing/2014/main" id="{79307961-8F16-C843-A71D-B2583AE8751A}"/>
               </a:ext>
             </a:extLst>
           </p:cNvPr>
@@ -2374,7 +2373,7 @@
           <a:p>
             <a:fld id="{A821AF8D-EA27-A940-BB27-147E164DA6E4}" type="datetimeFigureOut">
               <a:rPr lang="en-US" smtClean="0"/>
-              <a:t>10/11/20</a:t>
+              <a:t>12/10/2020</a:t>
             </a:fld>
             <a:endParaRPr lang="en-US"/>
           </a:p>
@@ -2385,7 +2384,7 @@
           <p:cNvPr id="5" name="Footer Placeholder 4">
             <a:extLst>
               <a:ext uri="{FF2B5EF4-FFF2-40B4-BE49-F238E27FC236}">
-                <a16:creationId xmlns="" xmlns:a16="http://schemas.microsoft.com/office/drawing/2014/main" id="{CC18C2B7-2466-3241-9FC8-79778F0B4EF4}"/>
+                <a16:creationId xmlns:a16="http://schemas.microsoft.com/office/drawing/2014/main" id="{CC18C2B7-2466-3241-9FC8-79778F0B4EF4}"/>
               </a:ext>
             </a:extLst>
           </p:cNvPr>
@@ -2410,7 +2409,7 @@
           <p:cNvPr id="6" name="Slide Number Placeholder 5">
             <a:extLst>
               <a:ext uri="{FF2B5EF4-FFF2-40B4-BE49-F238E27FC236}">
-                <a16:creationId xmlns="" xmlns:a16="http://schemas.microsoft.com/office/drawing/2014/main" id="{3B26E58B-7F22-1C4D-9173-4541D5BFC024}"/>
+                <a16:creationId xmlns:a16="http://schemas.microsoft.com/office/drawing/2014/main" id="{3B26E58B-7F22-1C4D-9173-4541D5BFC024}"/>
               </a:ext>
             </a:extLst>
           </p:cNvPr>
@@ -2469,7 +2468,7 @@
           <p:cNvPr id="2" name="Title 1">
             <a:extLst>
               <a:ext uri="{FF2B5EF4-FFF2-40B4-BE49-F238E27FC236}">
-                <a16:creationId xmlns="" xmlns:a16="http://schemas.microsoft.com/office/drawing/2014/main" id="{9B9005F0-F0C5-FB41-8113-CCD290AE4156}"/>
+                <a16:creationId xmlns:a16="http://schemas.microsoft.com/office/drawing/2014/main" id="{9B9005F0-F0C5-FB41-8113-CCD290AE4156}"/>
               </a:ext>
             </a:extLst>
           </p:cNvPr>
@@ -2506,7 +2505,7 @@
           <p:cNvPr id="3" name="Text Placeholder 2">
             <a:extLst>
               <a:ext uri="{FF2B5EF4-FFF2-40B4-BE49-F238E27FC236}">
-                <a16:creationId xmlns="" xmlns:a16="http://schemas.microsoft.com/office/drawing/2014/main" id="{BCEE14ED-2E93-B947-9A2C-246A8A468E1B}"/>
+                <a16:creationId xmlns:a16="http://schemas.microsoft.com/office/drawing/2014/main" id="{BCEE14ED-2E93-B947-9A2C-246A8A468E1B}"/>
               </a:ext>
             </a:extLst>
           </p:cNvPr>
@@ -2631,7 +2630,7 @@
           <p:cNvPr id="4" name="Date Placeholder 3">
             <a:extLst>
               <a:ext uri="{FF2B5EF4-FFF2-40B4-BE49-F238E27FC236}">
-                <a16:creationId xmlns="" xmlns:a16="http://schemas.microsoft.com/office/drawing/2014/main" id="{C6B7A258-BFE0-8F43-B085-1086FD89BDFE}"/>
+                <a16:creationId xmlns:a16="http://schemas.microsoft.com/office/drawing/2014/main" id="{C6B7A258-BFE0-8F43-B085-1086FD89BDFE}"/>
               </a:ext>
             </a:extLst>
           </p:cNvPr>
@@ -2649,7 +2648,7 @@
           <a:p>
             <a:fld id="{A821AF8D-EA27-A940-BB27-147E164DA6E4}" type="datetimeFigureOut">
               <a:rPr lang="en-US" smtClean="0"/>
-              <a:t>10/11/20</a:t>
+              <a:t>12/10/2020</a:t>
             </a:fld>
             <a:endParaRPr lang="en-US"/>
           </a:p>
@@ -2660,7 +2659,7 @@
           <p:cNvPr id="5" name="Footer Placeholder 4">
             <a:extLst>
               <a:ext uri="{FF2B5EF4-FFF2-40B4-BE49-F238E27FC236}">
-                <a16:creationId xmlns="" xmlns:a16="http://schemas.microsoft.com/office/drawing/2014/main" id="{9EB23650-47BC-384E-96CC-31D9056BE848}"/>
+                <a16:creationId xmlns:a16="http://schemas.microsoft.com/office/drawing/2014/main" id="{9EB23650-47BC-384E-96CC-31D9056BE848}"/>
               </a:ext>
             </a:extLst>
           </p:cNvPr>
@@ -2685,7 +2684,7 @@
           <p:cNvPr id="6" name="Slide Number Placeholder 5">
             <a:extLst>
               <a:ext uri="{FF2B5EF4-FFF2-40B4-BE49-F238E27FC236}">
-                <a16:creationId xmlns="" xmlns:a16="http://schemas.microsoft.com/office/drawing/2014/main" id="{3FB96811-304F-2346-9B21-1D3F2E2DC866}"/>
+                <a16:creationId xmlns:a16="http://schemas.microsoft.com/office/drawing/2014/main" id="{3FB96811-304F-2346-9B21-1D3F2E2DC866}"/>
               </a:ext>
             </a:extLst>
           </p:cNvPr>
@@ -2744,7 +2743,7 @@
           <p:cNvPr id="2" name="Title 1">
             <a:extLst>
               <a:ext uri="{FF2B5EF4-FFF2-40B4-BE49-F238E27FC236}">
-                <a16:creationId xmlns="" xmlns:a16="http://schemas.microsoft.com/office/drawing/2014/main" id="{287D88A1-9255-7241-8107-1489A9A5056F}"/>
+                <a16:creationId xmlns:a16="http://schemas.microsoft.com/office/drawing/2014/main" id="{287D88A1-9255-7241-8107-1489A9A5056F}"/>
               </a:ext>
             </a:extLst>
           </p:cNvPr>
@@ -2772,7 +2771,7 @@
           <p:cNvPr id="3" name="Content Placeholder 2">
             <a:extLst>
               <a:ext uri="{FF2B5EF4-FFF2-40B4-BE49-F238E27FC236}">
-                <a16:creationId xmlns="" xmlns:a16="http://schemas.microsoft.com/office/drawing/2014/main" id="{93A75FBE-0F34-9F40-B265-5E85A84FEF9F}"/>
+                <a16:creationId xmlns:a16="http://schemas.microsoft.com/office/drawing/2014/main" id="{93A75FBE-0F34-9F40-B265-5E85A84FEF9F}"/>
               </a:ext>
             </a:extLst>
           </p:cNvPr>
@@ -2834,7 +2833,7 @@
           <p:cNvPr id="4" name="Content Placeholder 3">
             <a:extLst>
               <a:ext uri="{FF2B5EF4-FFF2-40B4-BE49-F238E27FC236}">
-                <a16:creationId xmlns="" xmlns:a16="http://schemas.microsoft.com/office/drawing/2014/main" id="{C6B649B7-B9B8-A84B-BF66-D030955F146E}"/>
+                <a16:creationId xmlns:a16="http://schemas.microsoft.com/office/drawing/2014/main" id="{C6B649B7-B9B8-A84B-BF66-D030955F146E}"/>
               </a:ext>
             </a:extLst>
           </p:cNvPr>
@@ -2896,7 +2895,7 @@
           <p:cNvPr id="5" name="Date Placeholder 4">
             <a:extLst>
               <a:ext uri="{FF2B5EF4-FFF2-40B4-BE49-F238E27FC236}">
-                <a16:creationId xmlns="" xmlns:a16="http://schemas.microsoft.com/office/drawing/2014/main" id="{89F504BC-772A-5E4A-A4F3-DB7E9CF2B828}"/>
+                <a16:creationId xmlns:a16="http://schemas.microsoft.com/office/drawing/2014/main" id="{89F504BC-772A-5E4A-A4F3-DB7E9CF2B828}"/>
               </a:ext>
             </a:extLst>
           </p:cNvPr>
@@ -2914,7 +2913,7 @@
           <a:p>
             <a:fld id="{A821AF8D-EA27-A940-BB27-147E164DA6E4}" type="datetimeFigureOut">
               <a:rPr lang="en-US" smtClean="0"/>
-              <a:t>10/11/20</a:t>
+              <a:t>12/10/2020</a:t>
             </a:fld>
             <a:endParaRPr lang="en-US"/>
           </a:p>
@@ -2925,7 +2924,7 @@
           <p:cNvPr id="6" name="Footer Placeholder 5">
             <a:extLst>
               <a:ext uri="{FF2B5EF4-FFF2-40B4-BE49-F238E27FC236}">
-                <a16:creationId xmlns="" xmlns:a16="http://schemas.microsoft.com/office/drawing/2014/main" id="{26D361FA-0D24-A142-B6B2-377DF01A0EA5}"/>
+                <a16:creationId xmlns:a16="http://schemas.microsoft.com/office/drawing/2014/main" id="{26D361FA-0D24-A142-B6B2-377DF01A0EA5}"/>
               </a:ext>
             </a:extLst>
           </p:cNvPr>
@@ -2950,7 +2949,7 @@
           <p:cNvPr id="7" name="Slide Number Placeholder 6">
             <a:extLst>
               <a:ext uri="{FF2B5EF4-FFF2-40B4-BE49-F238E27FC236}">
-                <a16:creationId xmlns="" xmlns:a16="http://schemas.microsoft.com/office/drawing/2014/main" id="{B51D1DC7-3B60-CF4E-A23A-065E1DD56109}"/>
+                <a16:creationId xmlns:a16="http://schemas.microsoft.com/office/drawing/2014/main" id="{B51D1DC7-3B60-CF4E-A23A-065E1DD56109}"/>
               </a:ext>
             </a:extLst>
           </p:cNvPr>
@@ -3009,7 +3008,7 @@
           <p:cNvPr id="2" name="Title 1">
             <a:extLst>
               <a:ext uri="{FF2B5EF4-FFF2-40B4-BE49-F238E27FC236}">
-                <a16:creationId xmlns="" xmlns:a16="http://schemas.microsoft.com/office/drawing/2014/main" id="{1CB8379D-A4D0-B041-B780-237FB16B663D}"/>
+                <a16:creationId xmlns:a16="http://schemas.microsoft.com/office/drawing/2014/main" id="{1CB8379D-A4D0-B041-B780-237FB16B663D}"/>
               </a:ext>
             </a:extLst>
           </p:cNvPr>
@@ -3042,7 +3041,7 @@
           <p:cNvPr id="3" name="Text Placeholder 2">
             <a:extLst>
               <a:ext uri="{FF2B5EF4-FFF2-40B4-BE49-F238E27FC236}">
-                <a16:creationId xmlns="" xmlns:a16="http://schemas.microsoft.com/office/drawing/2014/main" id="{26068875-7984-8649-8598-9B56CB6F2C14}"/>
+                <a16:creationId xmlns:a16="http://schemas.microsoft.com/office/drawing/2014/main" id="{26068875-7984-8649-8598-9B56CB6F2C14}"/>
               </a:ext>
             </a:extLst>
           </p:cNvPr>
@@ -3113,7 +3112,7 @@
           <p:cNvPr id="4" name="Content Placeholder 3">
             <a:extLst>
               <a:ext uri="{FF2B5EF4-FFF2-40B4-BE49-F238E27FC236}">
-                <a16:creationId xmlns="" xmlns:a16="http://schemas.microsoft.com/office/drawing/2014/main" id="{BB7EB37C-72B6-FB4E-9B23-373779EA9573}"/>
+                <a16:creationId xmlns:a16="http://schemas.microsoft.com/office/drawing/2014/main" id="{BB7EB37C-72B6-FB4E-9B23-373779EA9573}"/>
               </a:ext>
             </a:extLst>
           </p:cNvPr>
@@ -3175,7 +3174,7 @@
           <p:cNvPr id="5" name="Text Placeholder 4">
             <a:extLst>
               <a:ext uri="{FF2B5EF4-FFF2-40B4-BE49-F238E27FC236}">
-                <a16:creationId xmlns="" xmlns:a16="http://schemas.microsoft.com/office/drawing/2014/main" id="{DCF177DF-058A-FC49-BF40-61087803DF73}"/>
+                <a16:creationId xmlns:a16="http://schemas.microsoft.com/office/drawing/2014/main" id="{DCF177DF-058A-FC49-BF40-61087803DF73}"/>
               </a:ext>
             </a:extLst>
           </p:cNvPr>
@@ -3246,7 +3245,7 @@
           <p:cNvPr id="6" name="Content Placeholder 5">
             <a:extLst>
               <a:ext uri="{FF2B5EF4-FFF2-40B4-BE49-F238E27FC236}">
-                <a16:creationId xmlns="" xmlns:a16="http://schemas.microsoft.com/office/drawing/2014/main" id="{3A91DE52-246D-E340-8DEF-CADD15C9BD5A}"/>
+                <a16:creationId xmlns:a16="http://schemas.microsoft.com/office/drawing/2014/main" id="{3A91DE52-246D-E340-8DEF-CADD15C9BD5A}"/>
               </a:ext>
             </a:extLst>
           </p:cNvPr>
@@ -3308,7 +3307,7 @@
           <p:cNvPr id="7" name="Date Placeholder 6">
             <a:extLst>
               <a:ext uri="{FF2B5EF4-FFF2-40B4-BE49-F238E27FC236}">
-                <a16:creationId xmlns="" xmlns:a16="http://schemas.microsoft.com/office/drawing/2014/main" id="{EB9D2EAB-942B-1744-AB3E-1167B0DA2617}"/>
+                <a16:creationId xmlns:a16="http://schemas.microsoft.com/office/drawing/2014/main" id="{EB9D2EAB-942B-1744-AB3E-1167B0DA2617}"/>
               </a:ext>
             </a:extLst>
           </p:cNvPr>
@@ -3326,7 +3325,7 @@
           <a:p>
             <a:fld id="{A821AF8D-EA27-A940-BB27-147E164DA6E4}" type="datetimeFigureOut">
               <a:rPr lang="en-US" smtClean="0"/>
-              <a:t>10/11/20</a:t>
+              <a:t>12/10/2020</a:t>
             </a:fld>
             <a:endParaRPr lang="en-US"/>
           </a:p>
@@ -3337,7 +3336,7 @@
           <p:cNvPr id="8" name="Footer Placeholder 7">
             <a:extLst>
               <a:ext uri="{FF2B5EF4-FFF2-40B4-BE49-F238E27FC236}">
-                <a16:creationId xmlns="" xmlns:a16="http://schemas.microsoft.com/office/drawing/2014/main" id="{8E4704A6-171F-B74E-9060-3DFB15550A7C}"/>
+                <a16:creationId xmlns:a16="http://schemas.microsoft.com/office/drawing/2014/main" id="{8E4704A6-171F-B74E-9060-3DFB15550A7C}"/>
               </a:ext>
             </a:extLst>
           </p:cNvPr>
@@ -3362,7 +3361,7 @@
           <p:cNvPr id="9" name="Slide Number Placeholder 8">
             <a:extLst>
               <a:ext uri="{FF2B5EF4-FFF2-40B4-BE49-F238E27FC236}">
-                <a16:creationId xmlns="" xmlns:a16="http://schemas.microsoft.com/office/drawing/2014/main" id="{9BB6CDA1-5DBA-9D49-B352-DBF968D0CB70}"/>
+                <a16:creationId xmlns:a16="http://schemas.microsoft.com/office/drawing/2014/main" id="{9BB6CDA1-5DBA-9D49-B352-DBF968D0CB70}"/>
               </a:ext>
             </a:extLst>
           </p:cNvPr>
@@ -3421,7 +3420,7 @@
           <p:cNvPr id="2" name="Title 1">
             <a:extLst>
               <a:ext uri="{FF2B5EF4-FFF2-40B4-BE49-F238E27FC236}">
-                <a16:creationId xmlns="" xmlns:a16="http://schemas.microsoft.com/office/drawing/2014/main" id="{D5B0EB9B-D728-9E40-ABA5-2FE90BDAE6AA}"/>
+                <a16:creationId xmlns:a16="http://schemas.microsoft.com/office/drawing/2014/main" id="{D5B0EB9B-D728-9E40-ABA5-2FE90BDAE6AA}"/>
               </a:ext>
             </a:extLst>
           </p:cNvPr>
@@ -3449,7 +3448,7 @@
           <p:cNvPr id="3" name="Date Placeholder 2">
             <a:extLst>
               <a:ext uri="{FF2B5EF4-FFF2-40B4-BE49-F238E27FC236}">
-                <a16:creationId xmlns="" xmlns:a16="http://schemas.microsoft.com/office/drawing/2014/main" id="{52796596-4357-3A4A-8563-B2B91A18D3A4}"/>
+                <a16:creationId xmlns:a16="http://schemas.microsoft.com/office/drawing/2014/main" id="{52796596-4357-3A4A-8563-B2B91A18D3A4}"/>
               </a:ext>
             </a:extLst>
           </p:cNvPr>
@@ -3467,7 +3466,7 @@
           <a:p>
             <a:fld id="{A821AF8D-EA27-A940-BB27-147E164DA6E4}" type="datetimeFigureOut">
               <a:rPr lang="en-US" smtClean="0"/>
-              <a:t>10/11/20</a:t>
+              <a:t>12/10/2020</a:t>
             </a:fld>
             <a:endParaRPr lang="en-US"/>
           </a:p>
@@ -3478,7 +3477,7 @@
           <p:cNvPr id="4" name="Footer Placeholder 3">
             <a:extLst>
               <a:ext uri="{FF2B5EF4-FFF2-40B4-BE49-F238E27FC236}">
-                <a16:creationId xmlns="" xmlns:a16="http://schemas.microsoft.com/office/drawing/2014/main" id="{42E3B0DF-5B3E-8E46-9F40-B84C0948A817}"/>
+                <a16:creationId xmlns:a16="http://schemas.microsoft.com/office/drawing/2014/main" id="{42E3B0DF-5B3E-8E46-9F40-B84C0948A817}"/>
               </a:ext>
             </a:extLst>
           </p:cNvPr>
@@ -3503,7 +3502,7 @@
           <p:cNvPr id="5" name="Slide Number Placeholder 4">
             <a:extLst>
               <a:ext uri="{FF2B5EF4-FFF2-40B4-BE49-F238E27FC236}">
-                <a16:creationId xmlns="" xmlns:a16="http://schemas.microsoft.com/office/drawing/2014/main" id="{E80D5EBC-72B6-0E4D-AA5D-3A0A4D9D3156}"/>
+                <a16:creationId xmlns:a16="http://schemas.microsoft.com/office/drawing/2014/main" id="{E80D5EBC-72B6-0E4D-AA5D-3A0A4D9D3156}"/>
               </a:ext>
             </a:extLst>
           </p:cNvPr>
@@ -3562,7 +3561,7 @@
           <p:cNvPr id="2" name="Date Placeholder 1">
             <a:extLst>
               <a:ext uri="{FF2B5EF4-FFF2-40B4-BE49-F238E27FC236}">
-                <a16:creationId xmlns="" xmlns:a16="http://schemas.microsoft.com/office/drawing/2014/main" id="{9746A7A7-5ACF-9D4D-9032-65B29DFDBF0F}"/>
+                <a16:creationId xmlns:a16="http://schemas.microsoft.com/office/drawing/2014/main" id="{9746A7A7-5ACF-9D4D-9032-65B29DFDBF0F}"/>
               </a:ext>
             </a:extLst>
           </p:cNvPr>
@@ -3580,7 +3579,7 @@
           <a:p>
             <a:fld id="{A821AF8D-EA27-A940-BB27-147E164DA6E4}" type="datetimeFigureOut">
               <a:rPr lang="en-US" smtClean="0"/>
-              <a:t>10/11/20</a:t>
+              <a:t>12/10/2020</a:t>
             </a:fld>
             <a:endParaRPr lang="en-US"/>
           </a:p>
@@ -3591,7 +3590,7 @@
           <p:cNvPr id="3" name="Footer Placeholder 2">
             <a:extLst>
               <a:ext uri="{FF2B5EF4-FFF2-40B4-BE49-F238E27FC236}">
-                <a16:creationId xmlns="" xmlns:a16="http://schemas.microsoft.com/office/drawing/2014/main" id="{F12E0F61-A1D7-8F44-B829-F1C3D6B31F8B}"/>
+                <a16:creationId xmlns:a16="http://schemas.microsoft.com/office/drawing/2014/main" id="{F12E0F61-A1D7-8F44-B829-F1C3D6B31F8B}"/>
               </a:ext>
             </a:extLst>
           </p:cNvPr>
@@ -3616,7 +3615,7 @@
           <p:cNvPr id="4" name="Slide Number Placeholder 3">
             <a:extLst>
               <a:ext uri="{FF2B5EF4-FFF2-40B4-BE49-F238E27FC236}">
-                <a16:creationId xmlns="" xmlns:a16="http://schemas.microsoft.com/office/drawing/2014/main" id="{65747178-BED5-1C48-A6C3-76B82435B134}"/>
+                <a16:creationId xmlns:a16="http://schemas.microsoft.com/office/drawing/2014/main" id="{65747178-BED5-1C48-A6C3-76B82435B134}"/>
               </a:ext>
             </a:extLst>
           </p:cNvPr>
@@ -3675,7 +3674,7 @@
           <p:cNvPr id="2" name="Title 1">
             <a:extLst>
               <a:ext uri="{FF2B5EF4-FFF2-40B4-BE49-F238E27FC236}">
-                <a16:creationId xmlns="" xmlns:a16="http://schemas.microsoft.com/office/drawing/2014/main" id="{81C16306-B158-E140-812E-4649C538955C}"/>
+                <a16:creationId xmlns:a16="http://schemas.microsoft.com/office/drawing/2014/main" id="{81C16306-B158-E140-812E-4649C538955C}"/>
               </a:ext>
             </a:extLst>
           </p:cNvPr>
@@ -3712,7 +3711,7 @@
           <p:cNvPr id="3" name="Content Placeholder 2">
             <a:extLst>
               <a:ext uri="{FF2B5EF4-FFF2-40B4-BE49-F238E27FC236}">
-                <a16:creationId xmlns="" xmlns:a16="http://schemas.microsoft.com/office/drawing/2014/main" id="{2913B2FD-F386-E74E-B235-4A1338499D63}"/>
+                <a16:creationId xmlns:a16="http://schemas.microsoft.com/office/drawing/2014/main" id="{2913B2FD-F386-E74E-B235-4A1338499D63}"/>
               </a:ext>
             </a:extLst>
           </p:cNvPr>
@@ -3802,7 +3801,7 @@
           <p:cNvPr id="4" name="Text Placeholder 3">
             <a:extLst>
               <a:ext uri="{FF2B5EF4-FFF2-40B4-BE49-F238E27FC236}">
-                <a16:creationId xmlns="" xmlns:a16="http://schemas.microsoft.com/office/drawing/2014/main" id="{7E3B1F17-1E70-8943-9626-30A751863EAC}"/>
+                <a16:creationId xmlns:a16="http://schemas.microsoft.com/office/drawing/2014/main" id="{7E3B1F17-1E70-8943-9626-30A751863EAC}"/>
               </a:ext>
             </a:extLst>
           </p:cNvPr>
@@ -3873,7 +3872,7 @@
           <p:cNvPr id="5" name="Date Placeholder 4">
             <a:extLst>
               <a:ext uri="{FF2B5EF4-FFF2-40B4-BE49-F238E27FC236}">
-                <a16:creationId xmlns="" xmlns:a16="http://schemas.microsoft.com/office/drawing/2014/main" id="{FFDBF623-8A9A-7649-8EC2-2CE90E4E5594}"/>
+                <a16:creationId xmlns:a16="http://schemas.microsoft.com/office/drawing/2014/main" id="{FFDBF623-8A9A-7649-8EC2-2CE90E4E5594}"/>
               </a:ext>
             </a:extLst>
           </p:cNvPr>
@@ -3891,7 +3890,7 @@
           <a:p>
             <a:fld id="{A821AF8D-EA27-A940-BB27-147E164DA6E4}" type="datetimeFigureOut">
               <a:rPr lang="en-US" smtClean="0"/>
-              <a:t>10/11/20</a:t>
+              <a:t>12/10/2020</a:t>
             </a:fld>
             <a:endParaRPr lang="en-US"/>
           </a:p>
@@ -3902,7 +3901,7 @@
           <p:cNvPr id="6" name="Footer Placeholder 5">
             <a:extLst>
               <a:ext uri="{FF2B5EF4-FFF2-40B4-BE49-F238E27FC236}">
-                <a16:creationId xmlns="" xmlns:a16="http://schemas.microsoft.com/office/drawing/2014/main" id="{E78B6AA3-A4EF-3243-9D30-C361EC7E4E78}"/>
+                <a16:creationId xmlns:a16="http://schemas.microsoft.com/office/drawing/2014/main" id="{E78B6AA3-A4EF-3243-9D30-C361EC7E4E78}"/>
               </a:ext>
             </a:extLst>
           </p:cNvPr>
@@ -3927,7 +3926,7 @@
           <p:cNvPr id="7" name="Slide Number Placeholder 6">
             <a:extLst>
               <a:ext uri="{FF2B5EF4-FFF2-40B4-BE49-F238E27FC236}">
-                <a16:creationId xmlns="" xmlns:a16="http://schemas.microsoft.com/office/drawing/2014/main" id="{ADB4200A-A0D8-1646-AF64-1B1103468CC6}"/>
+                <a16:creationId xmlns:a16="http://schemas.microsoft.com/office/drawing/2014/main" id="{ADB4200A-A0D8-1646-AF64-1B1103468CC6}"/>
               </a:ext>
             </a:extLst>
           </p:cNvPr>
@@ -3986,7 +3985,7 @@
           <p:cNvPr id="2" name="Title 1">
             <a:extLst>
               <a:ext uri="{FF2B5EF4-FFF2-40B4-BE49-F238E27FC236}">
-                <a16:creationId xmlns="" xmlns:a16="http://schemas.microsoft.com/office/drawing/2014/main" id="{BA1870D9-ACB3-0D4E-9068-5A5A161164EC}"/>
+                <a16:creationId xmlns:a16="http://schemas.microsoft.com/office/drawing/2014/main" id="{BA1870D9-ACB3-0D4E-9068-5A5A161164EC}"/>
               </a:ext>
             </a:extLst>
           </p:cNvPr>
@@ -4023,7 +4022,7 @@
           <p:cNvPr id="3" name="Picture Placeholder 2">
             <a:extLst>
               <a:ext uri="{FF2B5EF4-FFF2-40B4-BE49-F238E27FC236}">
-                <a16:creationId xmlns="" xmlns:a16="http://schemas.microsoft.com/office/drawing/2014/main" id="{29D71151-C025-C242-B1B5-9F476E37DF56}"/>
+                <a16:creationId xmlns:a16="http://schemas.microsoft.com/office/drawing/2014/main" id="{29D71151-C025-C242-B1B5-9F476E37DF56}"/>
               </a:ext>
             </a:extLst>
           </p:cNvPr>
@@ -4090,7 +4089,7 @@
           <p:cNvPr id="4" name="Text Placeholder 3">
             <a:extLst>
               <a:ext uri="{FF2B5EF4-FFF2-40B4-BE49-F238E27FC236}">
-                <a16:creationId xmlns="" xmlns:a16="http://schemas.microsoft.com/office/drawing/2014/main" id="{BA1062D9-5600-154E-A452-F2C2D4AFC94F}"/>
+                <a16:creationId xmlns:a16="http://schemas.microsoft.com/office/drawing/2014/main" id="{BA1062D9-5600-154E-A452-F2C2D4AFC94F}"/>
               </a:ext>
             </a:extLst>
           </p:cNvPr>
@@ -4161,7 +4160,7 @@
           <p:cNvPr id="5" name="Date Placeholder 4">
             <a:extLst>
               <a:ext uri="{FF2B5EF4-FFF2-40B4-BE49-F238E27FC236}">
-                <a16:creationId xmlns="" xmlns:a16="http://schemas.microsoft.com/office/drawing/2014/main" id="{34D168B1-1FAB-E942-B6ED-55BB23E10956}"/>
+                <a16:creationId xmlns:a16="http://schemas.microsoft.com/office/drawing/2014/main" id="{34D168B1-1FAB-E942-B6ED-55BB23E10956}"/>
               </a:ext>
             </a:extLst>
           </p:cNvPr>
@@ -4179,7 +4178,7 @@
           <a:p>
             <a:fld id="{A821AF8D-EA27-A940-BB27-147E164DA6E4}" type="datetimeFigureOut">
               <a:rPr lang="en-US" smtClean="0"/>
-              <a:t>10/11/20</a:t>
+              <a:t>12/10/2020</a:t>
             </a:fld>
             <a:endParaRPr lang="en-US"/>
           </a:p>
@@ -4190,7 +4189,7 @@
           <p:cNvPr id="6" name="Footer Placeholder 5">
             <a:extLst>
               <a:ext uri="{FF2B5EF4-FFF2-40B4-BE49-F238E27FC236}">
-                <a16:creationId xmlns="" xmlns:a16="http://schemas.microsoft.com/office/drawing/2014/main" id="{1CF0FA1C-B8DF-C246-A650-C7281E1054C5}"/>
+                <a16:creationId xmlns:a16="http://schemas.microsoft.com/office/drawing/2014/main" id="{1CF0FA1C-B8DF-C246-A650-C7281E1054C5}"/>
               </a:ext>
             </a:extLst>
           </p:cNvPr>
@@ -4215,7 +4214,7 @@
           <p:cNvPr id="7" name="Slide Number Placeholder 6">
             <a:extLst>
               <a:ext uri="{FF2B5EF4-FFF2-40B4-BE49-F238E27FC236}">
-                <a16:creationId xmlns="" xmlns:a16="http://schemas.microsoft.com/office/drawing/2014/main" id="{20AECDB3-D9B8-D542-9026-2BEE4302E9D5}"/>
+                <a16:creationId xmlns:a16="http://schemas.microsoft.com/office/drawing/2014/main" id="{20AECDB3-D9B8-D542-9026-2BEE4302E9D5}"/>
               </a:ext>
             </a:extLst>
           </p:cNvPr>
@@ -4279,7 +4278,7 @@
           <p:cNvPr id="2" name="Title Placeholder 1">
             <a:extLst>
               <a:ext uri="{FF2B5EF4-FFF2-40B4-BE49-F238E27FC236}">
-                <a16:creationId xmlns="" xmlns:a16="http://schemas.microsoft.com/office/drawing/2014/main" id="{4A65BC0C-19BC-2549-8995-7E8B378E17D2}"/>
+                <a16:creationId xmlns:a16="http://schemas.microsoft.com/office/drawing/2014/main" id="{4A65BC0C-19BC-2549-8995-7E8B378E17D2}"/>
               </a:ext>
             </a:extLst>
           </p:cNvPr>
@@ -4317,7 +4316,7 @@
           <p:cNvPr id="3" name="Text Placeholder 2">
             <a:extLst>
               <a:ext uri="{FF2B5EF4-FFF2-40B4-BE49-F238E27FC236}">
-                <a16:creationId xmlns="" xmlns:a16="http://schemas.microsoft.com/office/drawing/2014/main" id="{71552650-696F-2547-A413-E3ECFAA92E2A}"/>
+                <a16:creationId xmlns:a16="http://schemas.microsoft.com/office/drawing/2014/main" id="{71552650-696F-2547-A413-E3ECFAA92E2A}"/>
               </a:ext>
             </a:extLst>
           </p:cNvPr>
@@ -4384,7 +4383,7 @@
           <p:cNvPr id="4" name="Date Placeholder 3">
             <a:extLst>
               <a:ext uri="{FF2B5EF4-FFF2-40B4-BE49-F238E27FC236}">
-                <a16:creationId xmlns="" xmlns:a16="http://schemas.microsoft.com/office/drawing/2014/main" id="{BBE2F41E-2A35-E244-B0E9-0F2D42D70907}"/>
+                <a16:creationId xmlns:a16="http://schemas.microsoft.com/office/drawing/2014/main" id="{BBE2F41E-2A35-E244-B0E9-0F2D42D70907}"/>
               </a:ext>
             </a:extLst>
           </p:cNvPr>
@@ -4420,7 +4419,7 @@
           <a:p>
             <a:fld id="{A821AF8D-EA27-A940-BB27-147E164DA6E4}" type="datetimeFigureOut">
               <a:rPr lang="en-US" smtClean="0"/>
-              <a:t>10/11/20</a:t>
+              <a:t>12/10/2020</a:t>
             </a:fld>
             <a:endParaRPr lang="en-US"/>
           </a:p>
@@ -4431,7 +4430,7 @@
           <p:cNvPr id="5" name="Footer Placeholder 4">
             <a:extLst>
               <a:ext uri="{FF2B5EF4-FFF2-40B4-BE49-F238E27FC236}">
-                <a16:creationId xmlns="" xmlns:a16="http://schemas.microsoft.com/office/drawing/2014/main" id="{4379C32E-1905-7147-84E6-47A918D822B0}"/>
+                <a16:creationId xmlns:a16="http://schemas.microsoft.com/office/drawing/2014/main" id="{4379C32E-1905-7147-84E6-47A918D822B0}"/>
               </a:ext>
             </a:extLst>
           </p:cNvPr>
@@ -4474,7 +4473,7 @@
           <p:cNvPr id="6" name="Slide Number Placeholder 5">
             <a:extLst>
               <a:ext uri="{FF2B5EF4-FFF2-40B4-BE49-F238E27FC236}">
-                <a16:creationId xmlns="" xmlns:a16="http://schemas.microsoft.com/office/drawing/2014/main" id="{807A4420-334A-5B41-876F-C8F61186E1C0}"/>
+                <a16:creationId xmlns:a16="http://schemas.microsoft.com/office/drawing/2014/main" id="{807A4420-334A-5B41-876F-C8F61186E1C0}"/>
               </a:ext>
             </a:extLst>
           </p:cNvPr>
@@ -4872,14 +4871,6 @@
               </a:rPr>
               <a:t>Blue Waters Petascale Semester Curriculum v1.0</a:t>
             </a:r>
-            <a:r>
-              <a:rPr lang="en-US" sz="3600" dirty="0">
-                <a:latin typeface="Times New Roman" charset="0"/>
-                <a:ea typeface="Times New Roman" charset="0"/>
-                <a:cs typeface="Times New Roman" charset="0"/>
-              </a:rPr>
-              <a:t/>
-            </a:r>
             <a:br>
               <a:rPr lang="en-US" sz="3600" dirty="0">
                 <a:latin typeface="Times New Roman" charset="0"/>
@@ -4903,14 +4894,6 @@
               </a:rPr>
               <a:t>OpenACC</a:t>
             </a:r>
-            <a:r>
-              <a:rPr lang="en-US" sz="3600" b="1" dirty="0">
-                <a:latin typeface="Times New Roman" charset="0"/>
-                <a:ea typeface="Times New Roman" charset="0"/>
-                <a:cs typeface="Times New Roman" charset="0"/>
-              </a:rPr>
-              <a:t/>
-            </a:r>
             <a:br>
               <a:rPr lang="en-US" sz="3600" b="1" dirty="0">
                 <a:latin typeface="Times New Roman" charset="0"/>
@@ -4924,62 +4907,7 @@
                 <a:ea typeface="Times New Roman" charset="0"/>
                 <a:cs typeface="Times New Roman" charset="0"/>
               </a:rPr>
-              <a:t>Lesson </a:t>
-            </a:r>
-            <a:r>
-              <a:rPr lang="en-US" sz="3600" b="1" dirty="0" smtClean="0">
-                <a:latin typeface="Times New Roman" charset="0"/>
-                <a:ea typeface="Times New Roman" charset="0"/>
-                <a:cs typeface="Times New Roman" charset="0"/>
-              </a:rPr>
-              <a:t>4</a:t>
-            </a:r>
-            <a:r>
-              <a:rPr lang="en-US" sz="3600" b="1" dirty="0">
-                <a:latin typeface="Times New Roman" charset="0"/>
-                <a:ea typeface="Times New Roman" charset="0"/>
-                <a:cs typeface="Times New Roman" charset="0"/>
-              </a:rPr>
-              <a:t>: Solving the Heat Equation </a:t>
-            </a:r>
-            <a:r>
-              <a:rPr lang="en-US" sz="3600" b="1" dirty="0" smtClean="0">
-                <a:latin typeface="Times New Roman" charset="0"/>
-                <a:ea typeface="Times New Roman" charset="0"/>
-                <a:cs typeface="Times New Roman" charset="0"/>
-              </a:rPr>
-              <a:t>via</a:t>
-            </a:r>
-            <a:br>
-              <a:rPr lang="en-US" sz="3600" b="1" dirty="0" smtClean="0">
-                <a:latin typeface="Times New Roman" charset="0"/>
-                <a:ea typeface="Times New Roman" charset="0"/>
-                <a:cs typeface="Times New Roman" charset="0"/>
-              </a:rPr>
-            </a:br>
-            <a:r>
-              <a:rPr lang="en-US" sz="3600" b="1" dirty="0">
-                <a:latin typeface="Times New Roman" charset="0"/>
-                <a:ea typeface="Times New Roman" charset="0"/>
-                <a:cs typeface="Times New Roman" charset="0"/>
-              </a:rPr>
-              <a:t> </a:t>
-            </a:r>
-            <a:r>
-              <a:rPr lang="en-US" sz="3600" b="1" dirty="0" smtClean="0">
-                <a:latin typeface="Times New Roman" charset="0"/>
-                <a:ea typeface="Times New Roman" charset="0"/>
-                <a:cs typeface="Times New Roman" charset="0"/>
-              </a:rPr>
-              <a:t>    Jacobi's Method</a:t>
-            </a:r>
-            <a:r>
-              <a:rPr lang="en-US" sz="3600" b="1" dirty="0">
-                <a:latin typeface="Times New Roman" charset="0"/>
-                <a:ea typeface="Times New Roman" charset="0"/>
-                <a:cs typeface="Times New Roman" charset="0"/>
-              </a:rPr>
-              <a:t/>
+              <a:t>Lesson 4: Solving the Heat Equation via</a:t>
             </a:r>
             <a:br>
               <a:rPr lang="en-US" sz="3600" b="1" dirty="0">
@@ -4989,6 +4917,21 @@
               </a:rPr>
             </a:br>
             <a:r>
+              <a:rPr lang="en-US" sz="3600" b="1" dirty="0">
+                <a:latin typeface="Times New Roman" charset="0"/>
+                <a:ea typeface="Times New Roman" charset="0"/>
+                <a:cs typeface="Times New Roman" charset="0"/>
+              </a:rPr>
+              <a:t>     Jacobi's Method</a:t>
+            </a:r>
+            <a:br>
+              <a:rPr lang="en-US" sz="3600" b="1" dirty="0">
+                <a:latin typeface="Times New Roman" charset="0"/>
+                <a:ea typeface="Times New Roman" charset="0"/>
+                <a:cs typeface="Times New Roman" charset="0"/>
+              </a:rPr>
+            </a:br>
+            <a:r>
               <a:rPr lang="en-US" sz="3600" i="1" dirty="0">
                 <a:latin typeface="Times New Roman" charset="0"/>
                 <a:ea typeface="Times New Roman" charset="0"/>
@@ -4997,20 +4940,12 @@
               <a:t>Developed by Justin </a:t>
             </a:r>
             <a:r>
-              <a:rPr lang="en-US" sz="3600" i="1" dirty="0" err="1" smtClean="0">
+              <a:rPr lang="en-US" sz="3600" i="1" dirty="0" err="1">
                 <a:latin typeface="Times New Roman" charset="0"/>
                 <a:ea typeface="Times New Roman" charset="0"/>
                 <a:cs typeface="Times New Roman" charset="0"/>
               </a:rPr>
               <a:t>Oelgoetz</a:t>
-            </a:r>
-            <a:r>
-              <a:rPr lang="en-US" sz="3600" i="1" dirty="0">
-                <a:latin typeface="Times New Roman" charset="0"/>
-                <a:ea typeface="Times New Roman" charset="0"/>
-                <a:cs typeface="Times New Roman" charset="0"/>
-              </a:rPr>
-              <a:t/>
             </a:r>
             <a:br>
               <a:rPr lang="en-US" sz="3600" i="1" dirty="0">
@@ -5040,13 +4975,6 @@
   <p:clrMapOvr>
     <a:masterClrMapping/>
   </p:clrMapOvr>
-  <p:timing>
-    <p:tnLst>
-      <p:par>
-        <p:cTn id="1" dur="indefinite" restart="never" nodeType="tmRoot"/>
-      </p:par>
-    </p:tnLst>
-  </p:timing>
 </p:sld>
 </file>
 
@@ -5080,7 +5008,7 @@
           <p:cNvPr id="2" name="Title 1">
             <a:extLst>
               <a:ext uri="{FF2B5EF4-FFF2-40B4-BE49-F238E27FC236}">
-                <a16:creationId xmlns="" xmlns:a16="http://schemas.microsoft.com/office/drawing/2014/main" id="{AD203B07-CB94-C543-8FED-3C2B518FCA0D}"/>
+                <a16:creationId xmlns:a16="http://schemas.microsoft.com/office/drawing/2014/main" id="{AD203B07-CB94-C543-8FED-3C2B518FCA0D}"/>
               </a:ext>
             </a:extLst>
           </p:cNvPr>
@@ -5115,7 +5043,7 @@
           <p:cNvPr id="3" name="Content Placeholder 2">
             <a:extLst>
               <a:ext uri="{FF2B5EF4-FFF2-40B4-BE49-F238E27FC236}">
-                <a16:creationId xmlns="" xmlns:a16="http://schemas.microsoft.com/office/drawing/2014/main" id="{4E4B41E3-9411-4142-90D8-7B1BB45F2911}"/>
+                <a16:creationId xmlns:a16="http://schemas.microsoft.com/office/drawing/2014/main" id="{4E4B41E3-9411-4142-90D8-7B1BB45F2911}"/>
               </a:ext>
             </a:extLst>
           </p:cNvPr>
@@ -5222,10 +5150,10 @@
           <p:cNvPr id="29" name="Rectangle 28">
             <a:extLst>
               <a:ext uri="{FF2B5EF4-FFF2-40B4-BE49-F238E27FC236}">
-                <a16:creationId xmlns="" xmlns:a16="http://schemas.microsoft.com/office/drawing/2014/main" id="{293F5FFF-2AE2-424B-BE21-49AFFEF68811}"/>
+                <a16:creationId xmlns:a16="http://schemas.microsoft.com/office/drawing/2014/main" id="{293F5FFF-2AE2-424B-BE21-49AFFEF68811}"/>
               </a:ext>
               <a:ext uri="{C183D7F6-B498-43B3-948B-1728B52AA6E4}">
-                <adec:decorative xmlns="" xmlns:adec="http://schemas.microsoft.com/office/drawing/2017/decorative" val="1"/>
+                <adec:decorative xmlns:adec="http://schemas.microsoft.com/office/drawing/2017/decorative" val="1"/>
               </a:ext>
             </a:extLst>
           </p:cNvPr>
@@ -5314,7 +5242,7 @@
           <p:cNvPr id="8" name="Content Placeholder 2">
             <a:extLst>
               <a:ext uri="{FF2B5EF4-FFF2-40B4-BE49-F238E27FC236}">
-                <a16:creationId xmlns="" xmlns:a16="http://schemas.microsoft.com/office/drawing/2014/main" id="{229BC5D3-C8D7-1C49-9F9C-0B3BF35AFBE4}"/>
+                <a16:creationId xmlns:a16="http://schemas.microsoft.com/office/drawing/2014/main" id="{229BC5D3-C8D7-1C49-9F9C-0B3BF35AFBE4}"/>
               </a:ext>
             </a:extLst>
           </p:cNvPr>
@@ -5540,7 +5468,7 @@
           <p:cNvPr id="4" name="Rectangle 3">
             <a:extLst>
               <a:ext uri="{FF2B5EF4-FFF2-40B4-BE49-F238E27FC236}">
-                <a16:creationId xmlns="" xmlns:a16="http://schemas.microsoft.com/office/drawing/2014/main" id="{C2F3D90C-C107-2748-A8D5-91EEF6F90968}"/>
+                <a16:creationId xmlns:a16="http://schemas.microsoft.com/office/drawing/2014/main" id="{C2F3D90C-C107-2748-A8D5-91EEF6F90968}"/>
               </a:ext>
             </a:extLst>
           </p:cNvPr>
@@ -6244,14 +6172,6 @@
           </a:p>
           <a:p>
             <a:pPr lvl="0"/>
-            <a:r>
-              <a:rPr lang="en-US" sz="1200" dirty="0">
-                <a:solidFill>
-                  <a:prstClr val="black"/>
-                </a:solidFill>
-              </a:rPr>
-              <a:t/>
-            </a:r>
             <a:br>
               <a:rPr lang="en-US" sz="1200" dirty="0">
                 <a:solidFill>
@@ -6310,7 +6230,7 @@
           <p:cNvPr id="2" name="Title 1">
             <a:extLst>
               <a:ext uri="{FF2B5EF4-FFF2-40B4-BE49-F238E27FC236}">
-                <a16:creationId xmlns="" xmlns:a16="http://schemas.microsoft.com/office/drawing/2014/main" id="{12AE96A0-ED8F-624C-A189-18C57DFFC328}"/>
+                <a16:creationId xmlns:a16="http://schemas.microsoft.com/office/drawing/2014/main" id="{12AE96A0-ED8F-624C-A189-18C57DFFC328}"/>
               </a:ext>
             </a:extLst>
           </p:cNvPr>
@@ -6386,7 +6306,7 @@
           <p:cNvPr id="2" name="Title 1">
             <a:extLst>
               <a:ext uri="{FF2B5EF4-FFF2-40B4-BE49-F238E27FC236}">
-                <a16:creationId xmlns="" xmlns:a16="http://schemas.microsoft.com/office/drawing/2014/main" id="{AD203B07-CB94-C543-8FED-3C2B518FCA0D}"/>
+                <a16:creationId xmlns:a16="http://schemas.microsoft.com/office/drawing/2014/main" id="{AD203B07-CB94-C543-8FED-3C2B518FCA0D}"/>
               </a:ext>
             </a:extLst>
           </p:cNvPr>
@@ -6421,7 +6341,7 @@
           <p:cNvPr id="3" name="Content Placeholder 2">
             <a:extLst>
               <a:ext uri="{FF2B5EF4-FFF2-40B4-BE49-F238E27FC236}">
-                <a16:creationId xmlns="" xmlns:a16="http://schemas.microsoft.com/office/drawing/2014/main" id="{4E4B41E3-9411-4142-90D8-7B1BB45F2911}"/>
+                <a16:creationId xmlns:a16="http://schemas.microsoft.com/office/drawing/2014/main" id="{4E4B41E3-9411-4142-90D8-7B1BB45F2911}"/>
               </a:ext>
             </a:extLst>
           </p:cNvPr>
@@ -6532,10 +6452,10 @@
           <p:cNvPr id="29" name="Rectangle 28">
             <a:extLst>
               <a:ext uri="{FF2B5EF4-FFF2-40B4-BE49-F238E27FC236}">
-                <a16:creationId xmlns="" xmlns:a16="http://schemas.microsoft.com/office/drawing/2014/main" id="{293F5FFF-2AE2-424B-BE21-49AFFEF68811}"/>
+                <a16:creationId xmlns:a16="http://schemas.microsoft.com/office/drawing/2014/main" id="{293F5FFF-2AE2-424B-BE21-49AFFEF68811}"/>
               </a:ext>
               <a:ext uri="{C183D7F6-B498-43B3-948B-1728B52AA6E4}">
-                <adec:decorative xmlns="" xmlns:adec="http://schemas.microsoft.com/office/drawing/2017/decorative" val="1"/>
+                <adec:decorative xmlns:adec="http://schemas.microsoft.com/office/drawing/2017/decorative" val="1"/>
               </a:ext>
             </a:extLst>
           </p:cNvPr>
@@ -6624,7 +6544,7 @@
           <p:cNvPr id="8" name="Content Placeholder 2">
             <a:extLst>
               <a:ext uri="{FF2B5EF4-FFF2-40B4-BE49-F238E27FC236}">
-                <a16:creationId xmlns="" xmlns:a16="http://schemas.microsoft.com/office/drawing/2014/main" id="{229BC5D3-C8D7-1C49-9F9C-0B3BF35AFBE4}"/>
+                <a16:creationId xmlns:a16="http://schemas.microsoft.com/office/drawing/2014/main" id="{229BC5D3-C8D7-1C49-9F9C-0B3BF35AFBE4}"/>
               </a:ext>
             </a:extLst>
           </p:cNvPr>
@@ -6850,7 +6770,7 @@
           <p:cNvPr id="4" name="Rectangle 3">
             <a:extLst>
               <a:ext uri="{FF2B5EF4-FFF2-40B4-BE49-F238E27FC236}">
-                <a16:creationId xmlns="" xmlns:a16="http://schemas.microsoft.com/office/drawing/2014/main" id="{C2F3D90C-C107-2748-A8D5-91EEF6F90968}"/>
+                <a16:creationId xmlns:a16="http://schemas.microsoft.com/office/drawing/2014/main" id="{C2F3D90C-C107-2748-A8D5-91EEF6F90968}"/>
               </a:ext>
             </a:extLst>
           </p:cNvPr>
@@ -9008,23 +8928,6 @@
                 <a:cs typeface="+mn-cs"/>
               </a:rPr>
               <a:t>}</a:t>
-            </a:r>
-            <a:r>
-              <a:rPr kumimoji="0" lang="en-US" sz="1200" b="0" i="0" u="none" strike="noStrike" kern="1200" cap="none" spc="0" normalizeH="0" baseline="0" noProof="0" dirty="0">
-                <a:ln>
-                  <a:noFill/>
-                </a:ln>
-                <a:solidFill>
-                  <a:prstClr val="black"/>
-                </a:solidFill>
-                <a:effectLst/>
-                <a:uLnTx/>
-                <a:uFillTx/>
-                <a:latin typeface="Calibri" panose="020F0502020204030204"/>
-                <a:ea typeface="+mn-ea"/>
-                <a:cs typeface="+mn-cs"/>
-              </a:rPr>
-              <a:t/>
             </a:r>
             <a:br>
               <a:rPr kumimoji="0" lang="en-US" sz="1200" b="0" i="0" u="none" strike="noStrike" kern="1200" cap="none" spc="0" normalizeH="0" baseline="0" noProof="0" dirty="0">
@@ -9102,10 +9005,10 @@
           <p:cNvPr id="10" name="Rectangle 9">
             <a:extLst>
               <a:ext uri="{FF2B5EF4-FFF2-40B4-BE49-F238E27FC236}">
-                <a16:creationId xmlns="" xmlns:a16="http://schemas.microsoft.com/office/drawing/2014/main" id="{3A4F209C-C20E-4FA7-B241-1EF4F8D193B2}"/>
+                <a16:creationId xmlns:a16="http://schemas.microsoft.com/office/drawing/2014/main" id="{3A4F209C-C20E-4FA7-B241-1EF4F8D193B2}"/>
               </a:ext>
               <a:ext uri="{C183D7F6-B498-43B3-948B-1728B52AA6E4}">
-                <adec:decorative xmlns="" xmlns:adec="http://schemas.microsoft.com/office/drawing/2017/decorative" val="1"/>
+                <adec:decorative xmlns:adec="http://schemas.microsoft.com/office/drawing/2017/decorative" val="1"/>
               </a:ext>
             </a:extLst>
           </p:cNvPr>
@@ -9194,10 +9097,10 @@
           <p:cNvPr id="12" name="Rectangle 11">
             <a:extLst>
               <a:ext uri="{FF2B5EF4-FFF2-40B4-BE49-F238E27FC236}">
-                <a16:creationId xmlns="" xmlns:a16="http://schemas.microsoft.com/office/drawing/2014/main" id="{E4564234-45B0-4ED8-A9E2-199C00173276}"/>
+                <a16:creationId xmlns:a16="http://schemas.microsoft.com/office/drawing/2014/main" id="{E4564234-45B0-4ED8-A9E2-199C00173276}"/>
               </a:ext>
               <a:ext uri="{C183D7F6-B498-43B3-948B-1728B52AA6E4}">
-                <adec:decorative xmlns="" xmlns:adec="http://schemas.microsoft.com/office/drawing/2017/decorative" val="1"/>
+                <adec:decorative xmlns:adec="http://schemas.microsoft.com/office/drawing/2017/decorative" val="1"/>
               </a:ext>
             </a:extLst>
           </p:cNvPr>
@@ -9283,7 +9186,7 @@
           <p:cNvPr id="2" name="Title 1">
             <a:extLst>
               <a:ext uri="{FF2B5EF4-FFF2-40B4-BE49-F238E27FC236}">
-                <a16:creationId xmlns="" xmlns:a16="http://schemas.microsoft.com/office/drawing/2014/main" id="{12AE96A0-ED8F-624C-A189-18C57DFFC328}"/>
+                <a16:creationId xmlns:a16="http://schemas.microsoft.com/office/drawing/2014/main" id="{12AE96A0-ED8F-624C-A189-18C57DFFC328}"/>
               </a:ext>
             </a:extLst>
           </p:cNvPr>
@@ -9325,7 +9228,7 @@
           <p:cNvPr id="5" name="Content Placeholder 4">
             <a:extLst>
               <a:ext uri="{FF2B5EF4-FFF2-40B4-BE49-F238E27FC236}">
-                <a16:creationId xmlns="" xmlns:a16="http://schemas.microsoft.com/office/drawing/2014/main" id="{D709A5CC-AC22-0340-8F44-73A8C271AE35}"/>
+                <a16:creationId xmlns:a16="http://schemas.microsoft.com/office/drawing/2014/main" id="{D709A5CC-AC22-0340-8F44-73A8C271AE35}"/>
               </a:ext>
             </a:extLst>
           </p:cNvPr>
@@ -9416,7 +9319,7 @@
           <p:cNvPr id="3" name="Table 2">
             <a:extLst>
               <a:ext uri="{FF2B5EF4-FFF2-40B4-BE49-F238E27FC236}">
-                <a16:creationId xmlns="" xmlns:a16="http://schemas.microsoft.com/office/drawing/2014/main" id="{385C4C53-BAA6-6B4F-92C2-0829D71A6D27}"/>
+                <a16:creationId xmlns:a16="http://schemas.microsoft.com/office/drawing/2014/main" id="{385C4C53-BAA6-6B4F-92C2-0829D71A6D27}"/>
               </a:ext>
             </a:extLst>
           </p:cNvPr>
@@ -9445,21 +9348,21 @@
                 <a:gridCol w="2709333">
                   <a:extLst>
                     <a:ext uri="{9D8B030D-6E8A-4147-A177-3AD203B41FA5}">
-                      <a16:colId xmlns="" xmlns:a16="http://schemas.microsoft.com/office/drawing/2014/main" val="3128613816"/>
+                      <a16:colId xmlns:a16="http://schemas.microsoft.com/office/drawing/2014/main" val="3128613816"/>
                     </a:ext>
                   </a:extLst>
                 </a:gridCol>
                 <a:gridCol w="2709333">
                   <a:extLst>
                     <a:ext uri="{9D8B030D-6E8A-4147-A177-3AD203B41FA5}">
-                      <a16:colId xmlns="" xmlns:a16="http://schemas.microsoft.com/office/drawing/2014/main" val="936682656"/>
+                      <a16:colId xmlns:a16="http://schemas.microsoft.com/office/drawing/2014/main" val="936682656"/>
                     </a:ext>
                   </a:extLst>
                 </a:gridCol>
                 <a:gridCol w="2709333">
                   <a:extLst>
                     <a:ext uri="{9D8B030D-6E8A-4147-A177-3AD203B41FA5}">
-                      <a16:colId xmlns="" xmlns:a16="http://schemas.microsoft.com/office/drawing/2014/main" val="1454602897"/>
+                      <a16:colId xmlns:a16="http://schemas.microsoft.com/office/drawing/2014/main" val="1454602897"/>
                     </a:ext>
                   </a:extLst>
                 </a:gridCol>
@@ -9526,7 +9429,7 @@
                 </a:tc>
                 <a:extLst>
                   <a:ext uri="{0D108BD9-81ED-4DB2-BD59-A6C34878D82A}">
-                    <a16:rowId xmlns="" xmlns:a16="http://schemas.microsoft.com/office/drawing/2014/main" val="1817702652"/>
+                    <a16:rowId xmlns:a16="http://schemas.microsoft.com/office/drawing/2014/main" val="1817702652"/>
                   </a:ext>
                 </a:extLst>
               </a:tr>
@@ -9580,7 +9483,7 @@
                 </a:tc>
                 <a:extLst>
                   <a:ext uri="{0D108BD9-81ED-4DB2-BD59-A6C34878D82A}">
-                    <a16:rowId xmlns="" xmlns:a16="http://schemas.microsoft.com/office/drawing/2014/main" val="3483568158"/>
+                    <a16:rowId xmlns:a16="http://schemas.microsoft.com/office/drawing/2014/main" val="3483568158"/>
                   </a:ext>
                 </a:extLst>
               </a:tr>
@@ -9634,7 +9537,7 @@
                 </a:tc>
                 <a:extLst>
                   <a:ext uri="{0D108BD9-81ED-4DB2-BD59-A6C34878D82A}">
-                    <a16:rowId xmlns="" xmlns:a16="http://schemas.microsoft.com/office/drawing/2014/main" val="1980686529"/>
+                    <a16:rowId xmlns:a16="http://schemas.microsoft.com/office/drawing/2014/main" val="1980686529"/>
                   </a:ext>
                 </a:extLst>
               </a:tr>
@@ -9685,10 +9588,10 @@
           <p:cNvPr id="10" name="Rectangle 9">
             <a:extLst>
               <a:ext uri="{FF2B5EF4-FFF2-40B4-BE49-F238E27FC236}">
-                <a16:creationId xmlns="" xmlns:a16="http://schemas.microsoft.com/office/drawing/2014/main" id="{3A4F209C-C20E-4FA7-B241-1EF4F8D193B2}"/>
+                <a16:creationId xmlns:a16="http://schemas.microsoft.com/office/drawing/2014/main" id="{3A4F209C-C20E-4FA7-B241-1EF4F8D193B2}"/>
               </a:ext>
               <a:ext uri="{C183D7F6-B498-43B3-948B-1728B52AA6E4}">
-                <adec:decorative xmlns="" xmlns:adec="http://schemas.microsoft.com/office/drawing/2017/decorative" val="1"/>
+                <adec:decorative xmlns:adec="http://schemas.microsoft.com/office/drawing/2017/decorative" val="1"/>
               </a:ext>
             </a:extLst>
           </p:cNvPr>
@@ -9777,10 +9680,10 @@
           <p:cNvPr id="12" name="Rectangle 11">
             <a:extLst>
               <a:ext uri="{FF2B5EF4-FFF2-40B4-BE49-F238E27FC236}">
-                <a16:creationId xmlns="" xmlns:a16="http://schemas.microsoft.com/office/drawing/2014/main" id="{E4564234-45B0-4ED8-A9E2-199C00173276}"/>
+                <a16:creationId xmlns:a16="http://schemas.microsoft.com/office/drawing/2014/main" id="{E4564234-45B0-4ED8-A9E2-199C00173276}"/>
               </a:ext>
               <a:ext uri="{C183D7F6-B498-43B3-948B-1728B52AA6E4}">
-                <adec:decorative xmlns="" xmlns:adec="http://schemas.microsoft.com/office/drawing/2017/decorative" val="1"/>
+                <adec:decorative xmlns:adec="http://schemas.microsoft.com/office/drawing/2017/decorative" val="1"/>
               </a:ext>
             </a:extLst>
           </p:cNvPr>
@@ -9866,7 +9769,7 @@
           <p:cNvPr id="2" name="Title 1">
             <a:extLst>
               <a:ext uri="{FF2B5EF4-FFF2-40B4-BE49-F238E27FC236}">
-                <a16:creationId xmlns="" xmlns:a16="http://schemas.microsoft.com/office/drawing/2014/main" id="{12AE96A0-ED8F-624C-A189-18C57DFFC328}"/>
+                <a16:creationId xmlns:a16="http://schemas.microsoft.com/office/drawing/2014/main" id="{12AE96A0-ED8F-624C-A189-18C57DFFC328}"/>
               </a:ext>
             </a:extLst>
           </p:cNvPr>
@@ -9908,7 +9811,7 @@
           <p:cNvPr id="5" name="Content Placeholder 4">
             <a:extLst>
               <a:ext uri="{FF2B5EF4-FFF2-40B4-BE49-F238E27FC236}">
-                <a16:creationId xmlns="" xmlns:a16="http://schemas.microsoft.com/office/drawing/2014/main" id="{D709A5CC-AC22-0340-8F44-73A8C271AE35}"/>
+                <a16:creationId xmlns:a16="http://schemas.microsoft.com/office/drawing/2014/main" id="{D709A5CC-AC22-0340-8F44-73A8C271AE35}"/>
               </a:ext>
             </a:extLst>
           </p:cNvPr>
@@ -10001,10 +9904,10 @@
           <p:cNvPr id="10" name="Rectangle 9">
             <a:extLst>
               <a:ext uri="{FF2B5EF4-FFF2-40B4-BE49-F238E27FC236}">
-                <a16:creationId xmlns="" xmlns:a16="http://schemas.microsoft.com/office/drawing/2014/main" id="{3A4F209C-C20E-4FA7-B241-1EF4F8D193B2}"/>
+                <a16:creationId xmlns:a16="http://schemas.microsoft.com/office/drawing/2014/main" id="{3A4F209C-C20E-4FA7-B241-1EF4F8D193B2}"/>
               </a:ext>
               <a:ext uri="{C183D7F6-B498-43B3-948B-1728B52AA6E4}">
-                <adec:decorative xmlns="" xmlns:adec="http://schemas.microsoft.com/office/drawing/2017/decorative" val="1"/>
+                <adec:decorative xmlns:adec="http://schemas.microsoft.com/office/drawing/2017/decorative" val="1"/>
               </a:ext>
             </a:extLst>
           </p:cNvPr>
@@ -10093,10 +9996,10 @@
           <p:cNvPr id="12" name="Rectangle 11">
             <a:extLst>
               <a:ext uri="{FF2B5EF4-FFF2-40B4-BE49-F238E27FC236}">
-                <a16:creationId xmlns="" xmlns:a16="http://schemas.microsoft.com/office/drawing/2014/main" id="{E4564234-45B0-4ED8-A9E2-199C00173276}"/>
+                <a16:creationId xmlns:a16="http://schemas.microsoft.com/office/drawing/2014/main" id="{E4564234-45B0-4ED8-A9E2-199C00173276}"/>
               </a:ext>
               <a:ext uri="{C183D7F6-B498-43B3-948B-1728B52AA6E4}">
-                <adec:decorative xmlns="" xmlns:adec="http://schemas.microsoft.com/office/drawing/2017/decorative" val="1"/>
+                <adec:decorative xmlns:adec="http://schemas.microsoft.com/office/drawing/2017/decorative" val="1"/>
               </a:ext>
             </a:extLst>
           </p:cNvPr>
@@ -10182,7 +10085,7 @@
           <p:cNvPr id="2" name="Title 1">
             <a:extLst>
               <a:ext uri="{FF2B5EF4-FFF2-40B4-BE49-F238E27FC236}">
-                <a16:creationId xmlns="" xmlns:a16="http://schemas.microsoft.com/office/drawing/2014/main" id="{12AE96A0-ED8F-624C-A189-18C57DFFC328}"/>
+                <a16:creationId xmlns:a16="http://schemas.microsoft.com/office/drawing/2014/main" id="{12AE96A0-ED8F-624C-A189-18C57DFFC328}"/>
               </a:ext>
             </a:extLst>
           </p:cNvPr>
@@ -10224,7 +10127,7 @@
           <p:cNvPr id="5" name="Content Placeholder 4">
             <a:extLst>
               <a:ext uri="{FF2B5EF4-FFF2-40B4-BE49-F238E27FC236}">
-                <a16:creationId xmlns="" xmlns:a16="http://schemas.microsoft.com/office/drawing/2014/main" id="{D709A5CC-AC22-0340-8F44-73A8C271AE35}"/>
+                <a16:creationId xmlns:a16="http://schemas.microsoft.com/office/drawing/2014/main" id="{D709A5CC-AC22-0340-8F44-73A8C271AE35}"/>
               </a:ext>
             </a:extLst>
           </p:cNvPr>
@@ -10356,23 +10259,7 @@
                 <a:ea typeface="Times New Roman" charset="0"/>
                 <a:cs typeface="Times New Roman" charset="0"/>
               </a:rPr>
-              <a:t>CC </a:t>
-            </a:r>
-            <a:r>
-              <a:rPr lang="en-US" sz="2800" dirty="0">
-                <a:latin typeface="Times New Roman" charset="0"/>
-                <a:ea typeface="Times New Roman" charset="0"/>
-                <a:cs typeface="Times New Roman" charset="0"/>
-              </a:rPr>
-              <a:t>BY-SA </a:t>
-            </a:r>
-            <a:r>
-              <a:rPr lang="en-US" sz="2800" dirty="0">
-                <a:latin typeface="Times New Roman" charset="0"/>
-                <a:ea typeface="Times New Roman" charset="0"/>
-                <a:cs typeface="Times New Roman" charset="0"/>
-              </a:rPr>
-              <a:t>4.0. To view a copy of this license, visit </a:t>
+              <a:t>CC BY-SA 4.0. To view a copy of this license, visit </a:t>
             </a:r>
             <a:r>
               <a:rPr lang="en-US" sz="2800" dirty="0">
@@ -10381,24 +10268,7 @@
                 <a:cs typeface="Times New Roman" charset="0"/>
                 <a:hlinkClick r:id="rId2"/>
               </a:rPr>
-              <a:t>https://</a:t>
-            </a:r>
-            <a:r>
-              <a:rPr lang="en-US" sz="2800" dirty="0">
-                <a:latin typeface="Times New Roman" charset="0"/>
-                <a:ea typeface="Times New Roman" charset="0"/>
-                <a:cs typeface="Times New Roman" charset="0"/>
-                <a:hlinkClick r:id="rId2"/>
-              </a:rPr>
-              <a:t>creativecommons.org/licenses/by-sa/4.0</a:t>
-            </a:r>
-            <a:r>
-              <a:rPr lang="en-US" sz="2800" dirty="0">
-                <a:latin typeface="Times New Roman" charset="0"/>
-                <a:ea typeface="Times New Roman" charset="0"/>
-                <a:cs typeface="Times New Roman" charset="0"/>
-              </a:rPr>
-              <a:t/>
+              <a:t>https://creativecommons.org/licenses/by-sa/4.0</a:t>
             </a:r>
             <a:br>
               <a:rPr lang="en-US" sz="2800" dirty="0">
@@ -10407,14 +10277,6 @@
                 <a:cs typeface="Times New Roman" charset="0"/>
               </a:rPr>
             </a:br>
-            <a:r>
-              <a:rPr lang="en-US" sz="2800" dirty="0">
-                <a:latin typeface="Times New Roman" charset="0"/>
-                <a:ea typeface="Times New Roman" charset="0"/>
-                <a:cs typeface="Times New Roman" charset="0"/>
-              </a:rPr>
-              <a:t/>
-            </a:r>
             <a:br>
               <a:rPr lang="en-US" sz="2800" dirty="0">
                 <a:latin typeface="Times New Roman" charset="0"/>
@@ -10439,14 +10301,6 @@
               </a:rPr>
               <a:t>http://shodor.org/petascale/materials/semester-curriculum</a:t>
             </a:r>
-            <a:r>
-              <a:rPr lang="en-US" sz="2800" dirty="0">
-                <a:latin typeface="Times New Roman" charset="0"/>
-                <a:ea typeface="Times New Roman" charset="0"/>
-                <a:cs typeface="Times New Roman" charset="0"/>
-              </a:rPr>
-              <a:t/>
-            </a:r>
             <a:br>
               <a:rPr lang="en-US" sz="2800" dirty="0">
                 <a:latin typeface="Times New Roman" charset="0"/>
@@ -10454,14 +10308,6 @@
                 <a:cs typeface="Times New Roman" charset="0"/>
               </a:rPr>
             </a:br>
-            <a:r>
-              <a:rPr lang="en-US" sz="2800" dirty="0">
-                <a:latin typeface="Times New Roman" charset="0"/>
-                <a:ea typeface="Times New Roman" charset="0"/>
-                <a:cs typeface="Times New Roman" charset="0"/>
-              </a:rPr>
-              <a:t/>
-            </a:r>
             <a:br>
               <a:rPr lang="en-US" sz="2800" dirty="0">
                 <a:latin typeface="Times New Roman" charset="0"/>
@@ -10486,14 +10332,6 @@
               </a:rPr>
               <a:t>https://github.com/shodor-education/petascale-semester-curriculum</a:t>
             </a:r>
-            <a:r>
-              <a:rPr lang="en-US" sz="2800" dirty="0">
-                <a:latin typeface="Times New Roman" charset="0"/>
-                <a:ea typeface="Times New Roman" charset="0"/>
-                <a:cs typeface="Times New Roman" charset="0"/>
-              </a:rPr>
-              <a:t/>
-            </a:r>
             <a:br>
               <a:rPr lang="en-US" sz="2800" dirty="0">
                 <a:latin typeface="Times New Roman" charset="0"/>
@@ -10501,14 +10339,6 @@
                 <a:cs typeface="Times New Roman" charset="0"/>
               </a:rPr>
             </a:br>
-            <a:r>
-              <a:rPr lang="en-US" sz="2800" dirty="0">
-                <a:latin typeface="Times New Roman" charset="0"/>
-                <a:ea typeface="Times New Roman" charset="0"/>
-                <a:cs typeface="Times New Roman" charset="0"/>
-              </a:rPr>
-              <a:t/>
-            </a:r>
             <a:br>
               <a:rPr lang="en-US" sz="2800" dirty="0">
                 <a:latin typeface="Times New Roman" charset="0"/>
@@ -10576,7 +10406,7 @@
           <p:cNvPr id="2" name="Title 1">
             <a:extLst>
               <a:ext uri="{FF2B5EF4-FFF2-40B4-BE49-F238E27FC236}">
-                <a16:creationId xmlns="" xmlns:a16="http://schemas.microsoft.com/office/drawing/2014/main" id="{F7E79348-028E-EB42-9B8D-348A5CE5A3CF}"/>
+                <a16:creationId xmlns:a16="http://schemas.microsoft.com/office/drawing/2014/main" id="{F7E79348-028E-EB42-9B8D-348A5CE5A3CF}"/>
               </a:ext>
             </a:extLst>
           </p:cNvPr>
@@ -10649,10 +10479,10 @@
           <p:cNvPr id="10" name="Rectangle 9">
             <a:extLst>
               <a:ext uri="{FF2B5EF4-FFF2-40B4-BE49-F238E27FC236}">
-                <a16:creationId xmlns="" xmlns:a16="http://schemas.microsoft.com/office/drawing/2014/main" id="{3A4F209C-C20E-4FA7-B241-1EF4F8D193B2}"/>
+                <a16:creationId xmlns:a16="http://schemas.microsoft.com/office/drawing/2014/main" id="{3A4F209C-C20E-4FA7-B241-1EF4F8D193B2}"/>
               </a:ext>
               <a:ext uri="{C183D7F6-B498-43B3-948B-1728B52AA6E4}">
-                <adec:decorative xmlns="" xmlns:adec="http://schemas.microsoft.com/office/drawing/2017/decorative" val="1"/>
+                <adec:decorative xmlns:adec="http://schemas.microsoft.com/office/drawing/2017/decorative" val="1"/>
               </a:ext>
             </a:extLst>
           </p:cNvPr>
@@ -10741,10 +10571,10 @@
           <p:cNvPr id="12" name="Rectangle 11">
             <a:extLst>
               <a:ext uri="{FF2B5EF4-FFF2-40B4-BE49-F238E27FC236}">
-                <a16:creationId xmlns="" xmlns:a16="http://schemas.microsoft.com/office/drawing/2014/main" id="{E4564234-45B0-4ED8-A9E2-199C00173276}"/>
+                <a16:creationId xmlns:a16="http://schemas.microsoft.com/office/drawing/2014/main" id="{E4564234-45B0-4ED8-A9E2-199C00173276}"/>
               </a:ext>
               <a:ext uri="{C183D7F6-B498-43B3-948B-1728B52AA6E4}">
-                <adec:decorative xmlns="" xmlns:adec="http://schemas.microsoft.com/office/drawing/2017/decorative" val="1"/>
+                <adec:decorative xmlns:adec="http://schemas.microsoft.com/office/drawing/2017/decorative" val="1"/>
               </a:ext>
             </a:extLst>
           </p:cNvPr>
@@ -10830,7 +10660,7 @@
           <p:cNvPr id="2" name="Title 1">
             <a:extLst>
               <a:ext uri="{FF2B5EF4-FFF2-40B4-BE49-F238E27FC236}">
-                <a16:creationId xmlns="" xmlns:a16="http://schemas.microsoft.com/office/drawing/2014/main" id="{12AE96A0-ED8F-624C-A189-18C57DFFC328}"/>
+                <a16:creationId xmlns:a16="http://schemas.microsoft.com/office/drawing/2014/main" id="{12AE96A0-ED8F-624C-A189-18C57DFFC328}"/>
               </a:ext>
             </a:extLst>
           </p:cNvPr>
@@ -10874,7 +10704,7 @@
               <p:cNvPr id="5" name="Content Placeholder 4">
                 <a:extLst>
                   <a:ext uri="{FF2B5EF4-FFF2-40B4-BE49-F238E27FC236}">
-                    <a16:creationId xmlns="" xmlns:a16="http://schemas.microsoft.com/office/drawing/2014/main" id="{D709A5CC-AC22-0340-8F44-73A8C271AE35}"/>
+                    <a16:creationId xmlns:a16="http://schemas.microsoft.com/office/drawing/2014/main" id="{D709A5CC-AC22-0340-8F44-73A8C271AE35}"/>
                   </a:ext>
                 </a:extLst>
               </p:cNvPr>
@@ -10916,7 +10746,7 @@
                       <m:fPr>
                         <m:ctrlPr>
                           <a:rPr lang="en-US" sz="2000" i="1" smtClean="0">
-                            <a:latin typeface="Cambria Math" charset="0"/>
+                            <a:latin typeface="Cambria Math" panose="02040503050406030204" pitchFamily="18" charset="0"/>
                           </a:rPr>
                         </m:ctrlPr>
                       </m:fPr>
@@ -11008,7 +10838,7 @@
                       <m:sSupPr>
                         <m:ctrlPr>
                           <a:rPr lang="en-US" sz="2000" b="0" i="1" smtClean="0">
-                            <a:latin typeface="Cambria Math" charset="0"/>
+                            <a:latin typeface="Cambria Math" panose="02040503050406030204" pitchFamily="18" charset="0"/>
                             <a:ea typeface="Cambria Math" panose="02040503050406030204" pitchFamily="18" charset="0"/>
                           </a:rPr>
                         </m:ctrlPr>
@@ -11101,7 +10931,7 @@
                         <m:endChr m:val="]"/>
                         <m:ctrlPr>
                           <a:rPr lang="en-US" sz="2000" b="0" i="1" smtClean="0">
-                            <a:latin typeface="Cambria Math" charset="0"/>
+                            <a:latin typeface="Cambria Math" panose="02040503050406030204" pitchFamily="18" charset="0"/>
                             <a:ea typeface="Cambria Math" panose="02040503050406030204" pitchFamily="18" charset="0"/>
                           </a:rPr>
                         </m:ctrlPr>
@@ -11111,7 +10941,7 @@
                           <m:fPr>
                             <m:ctrlPr>
                               <a:rPr lang="en-US" sz="2000" b="0" i="1" smtClean="0">
-                                <a:latin typeface="Cambria Math" charset="0"/>
+                                <a:latin typeface="Cambria Math" panose="02040503050406030204" pitchFamily="18" charset="0"/>
                                 <a:ea typeface="Cambria Math" panose="02040503050406030204" pitchFamily="18" charset="0"/>
                               </a:rPr>
                             </m:ctrlPr>
@@ -11121,7 +10951,7 @@
                               <m:sSupPr>
                                 <m:ctrlPr>
                                   <a:rPr lang="en-US" sz="2000" b="0" i="1" smtClean="0">
-                                    <a:latin typeface="Cambria Math" charset="0"/>
+                                    <a:latin typeface="Cambria Math" panose="02040503050406030204" pitchFamily="18" charset="0"/>
                                     <a:ea typeface="Cambria Math" panose="02040503050406030204" pitchFamily="18" charset="0"/>
                                   </a:rPr>
                                 </m:ctrlPr>
@@ -11165,7 +10995,7 @@
                               <m:sSupPr>
                                 <m:ctrlPr>
                                   <a:rPr lang="en-US" sz="2000" b="0" i="1" smtClean="0">
-                                    <a:latin typeface="Cambria Math" charset="0"/>
+                                    <a:latin typeface="Cambria Math" panose="02040503050406030204" pitchFamily="18" charset="0"/>
                                     <a:ea typeface="Cambria Math" panose="02040503050406030204" pitchFamily="18" charset="0"/>
                                   </a:rPr>
                                 </m:ctrlPr>
@@ -11202,7 +11032,7 @@
                           <m:fPr>
                             <m:ctrlPr>
                               <a:rPr lang="en-US" sz="2000" b="0" i="1" smtClean="0">
-                                <a:latin typeface="Cambria Math" charset="0"/>
+                                <a:latin typeface="Cambria Math" panose="02040503050406030204" pitchFamily="18" charset="0"/>
                                 <a:ea typeface="Cambria Math" panose="02040503050406030204" pitchFamily="18" charset="0"/>
                               </a:rPr>
                             </m:ctrlPr>
@@ -11212,7 +11042,7 @@
                               <m:sSupPr>
                                 <m:ctrlPr>
                                   <a:rPr lang="en-US" sz="2000" i="1">
-                                    <a:latin typeface="Cambria Math" charset="0"/>
+                                    <a:latin typeface="Cambria Math" panose="02040503050406030204" pitchFamily="18" charset="0"/>
                                     <a:ea typeface="Cambria Math" panose="02040503050406030204" pitchFamily="18" charset="0"/>
                                   </a:rPr>
                                 </m:ctrlPr>
@@ -11256,7 +11086,7 @@
                               <m:sSupPr>
                                 <m:ctrlPr>
                                   <a:rPr lang="en-US" sz="2000" i="1">
-                                    <a:latin typeface="Cambria Math" charset="0"/>
+                                    <a:latin typeface="Cambria Math" panose="02040503050406030204" pitchFamily="18" charset="0"/>
                                     <a:ea typeface="Cambria Math" panose="02040503050406030204" pitchFamily="18" charset="0"/>
                                   </a:rPr>
                                 </m:ctrlPr>
@@ -11293,7 +11123,7 @@
                           <m:fPr>
                             <m:ctrlPr>
                               <a:rPr lang="en-US" sz="2000" b="0" i="1" smtClean="0">
-                                <a:latin typeface="Cambria Math" charset="0"/>
+                                <a:latin typeface="Cambria Math" panose="02040503050406030204" pitchFamily="18" charset="0"/>
                                 <a:ea typeface="Cambria Math" panose="02040503050406030204" pitchFamily="18" charset="0"/>
                               </a:rPr>
                             </m:ctrlPr>
@@ -11303,7 +11133,7 @@
                               <m:sSupPr>
                                 <m:ctrlPr>
                                   <a:rPr lang="en-US" sz="2000" i="1">
-                                    <a:latin typeface="Cambria Math" charset="0"/>
+                                    <a:latin typeface="Cambria Math" panose="02040503050406030204" pitchFamily="18" charset="0"/>
                                     <a:ea typeface="Cambria Math" panose="02040503050406030204" pitchFamily="18" charset="0"/>
                                   </a:rPr>
                                 </m:ctrlPr>
@@ -11347,7 +11177,7 @@
                               <m:sSupPr>
                                 <m:ctrlPr>
                                   <a:rPr lang="en-US" sz="2000" b="0" i="1" smtClean="0">
-                                    <a:latin typeface="Cambria Math" charset="0"/>
+                                    <a:latin typeface="Cambria Math" panose="02040503050406030204" pitchFamily="18" charset="0"/>
                                     <a:ea typeface="Cambria Math" panose="02040503050406030204" pitchFamily="18" charset="0"/>
                                   </a:rPr>
                                 </m:ctrlPr>
@@ -11424,7 +11254,7 @@
                       <m:fPr>
                         <m:ctrlPr>
                           <a:rPr lang="en-US" sz="2000" b="0" i="1" smtClean="0">
-                            <a:latin typeface="Cambria Math" charset="0"/>
+                            <a:latin typeface="Cambria Math" panose="02040503050406030204" pitchFamily="18" charset="0"/>
                             <a:ea typeface="Cambria Math" panose="02040503050406030204" pitchFamily="18" charset="0"/>
                           </a:rPr>
                         </m:ctrlPr>
@@ -11560,10 +11390,10 @@
           <p:cNvPr id="10" name="Rectangle 9">
             <a:extLst>
               <a:ext uri="{FF2B5EF4-FFF2-40B4-BE49-F238E27FC236}">
-                <a16:creationId xmlns="" xmlns:a16="http://schemas.microsoft.com/office/drawing/2014/main" id="{3A4F209C-C20E-4FA7-B241-1EF4F8D193B2}"/>
+                <a16:creationId xmlns:a16="http://schemas.microsoft.com/office/drawing/2014/main" id="{3A4F209C-C20E-4FA7-B241-1EF4F8D193B2}"/>
               </a:ext>
               <a:ext uri="{C183D7F6-B498-43B3-948B-1728B52AA6E4}">
-                <adec:decorative xmlns="" xmlns:adec="http://schemas.microsoft.com/office/drawing/2017/decorative" val="1"/>
+                <adec:decorative xmlns:adec="http://schemas.microsoft.com/office/drawing/2017/decorative" val="1"/>
               </a:ext>
             </a:extLst>
           </p:cNvPr>
@@ -11652,10 +11482,10 @@
           <p:cNvPr id="12" name="Rectangle 11">
             <a:extLst>
               <a:ext uri="{FF2B5EF4-FFF2-40B4-BE49-F238E27FC236}">
-                <a16:creationId xmlns="" xmlns:a16="http://schemas.microsoft.com/office/drawing/2014/main" id="{E4564234-45B0-4ED8-A9E2-199C00173276}"/>
+                <a16:creationId xmlns:a16="http://schemas.microsoft.com/office/drawing/2014/main" id="{E4564234-45B0-4ED8-A9E2-199C00173276}"/>
               </a:ext>
               <a:ext uri="{C183D7F6-B498-43B3-948B-1728B52AA6E4}">
-                <adec:decorative xmlns="" xmlns:adec="http://schemas.microsoft.com/office/drawing/2017/decorative" val="1"/>
+                <adec:decorative xmlns:adec="http://schemas.microsoft.com/office/drawing/2017/decorative" val="1"/>
               </a:ext>
             </a:extLst>
           </p:cNvPr>
@@ -11741,7 +11571,7 @@
           <p:cNvPr id="2" name="Title 1">
             <a:extLst>
               <a:ext uri="{FF2B5EF4-FFF2-40B4-BE49-F238E27FC236}">
-                <a16:creationId xmlns="" xmlns:a16="http://schemas.microsoft.com/office/drawing/2014/main" id="{12AE96A0-ED8F-624C-A189-18C57DFFC328}"/>
+                <a16:creationId xmlns:a16="http://schemas.microsoft.com/office/drawing/2014/main" id="{12AE96A0-ED8F-624C-A189-18C57DFFC328}"/>
               </a:ext>
             </a:extLst>
           </p:cNvPr>
@@ -11785,7 +11615,7 @@
               <p:cNvPr id="5" name="Content Placeholder 4">
                 <a:extLst>
                   <a:ext uri="{FF2B5EF4-FFF2-40B4-BE49-F238E27FC236}">
-                    <a16:creationId xmlns="" xmlns:a16="http://schemas.microsoft.com/office/drawing/2014/main" id="{D709A5CC-AC22-0340-8F44-73A8C271AE35}"/>
+                    <a16:creationId xmlns:a16="http://schemas.microsoft.com/office/drawing/2014/main" id="{D709A5CC-AC22-0340-8F44-73A8C271AE35}"/>
                   </a:ext>
                 </a:extLst>
               </p:cNvPr>
@@ -11827,7 +11657,7 @@
                         <m:fPr>
                           <m:ctrlPr>
                             <a:rPr lang="en-US" sz="2000" i="1">
-                              <a:latin typeface="Cambria Math" charset="0"/>
+                              <a:latin typeface="Cambria Math" panose="02040503050406030204" pitchFamily="18" charset="0"/>
                             </a:rPr>
                           </m:ctrlPr>
                         </m:fPr>
@@ -11946,7 +11776,7 @@
                         <m:sSupPr>
                           <m:ctrlPr>
                             <a:rPr lang="en-US" sz="2000" b="0" i="1" smtClean="0">
-                              <a:latin typeface="Cambria Math" charset="0"/>
+                              <a:latin typeface="Cambria Math" panose="02040503050406030204" pitchFamily="18" charset="0"/>
                               <a:ea typeface="Cambria Math" panose="02040503050406030204" pitchFamily="18" charset="0"/>
                             </a:rPr>
                           </m:ctrlPr>
@@ -12039,7 +11869,7 @@
                           <m:endChr m:val="]"/>
                           <m:ctrlPr>
                             <a:rPr lang="en-US" sz="2000" b="0" i="1" smtClean="0">
-                              <a:latin typeface="Cambria Math" charset="0"/>
+                              <a:latin typeface="Cambria Math" panose="02040503050406030204" pitchFamily="18" charset="0"/>
                               <a:ea typeface="Cambria Math" panose="02040503050406030204" pitchFamily="18" charset="0"/>
                             </a:rPr>
                           </m:ctrlPr>
@@ -12049,7 +11879,7 @@
                             <m:fPr>
                               <m:ctrlPr>
                                 <a:rPr lang="en-US" sz="2000" b="0" i="1" smtClean="0">
-                                  <a:latin typeface="Cambria Math" charset="0"/>
+                                  <a:latin typeface="Cambria Math" panose="02040503050406030204" pitchFamily="18" charset="0"/>
                                   <a:ea typeface="Cambria Math" panose="02040503050406030204" pitchFamily="18" charset="0"/>
                                 </a:rPr>
                               </m:ctrlPr>
@@ -12059,7 +11889,7 @@
                                 <m:sSupPr>
                                   <m:ctrlPr>
                                     <a:rPr lang="en-US" sz="2000" b="0" i="1" smtClean="0">
-                                      <a:latin typeface="Cambria Math" charset="0"/>
+                                      <a:latin typeface="Cambria Math" panose="02040503050406030204" pitchFamily="18" charset="0"/>
                                       <a:ea typeface="Cambria Math" panose="02040503050406030204" pitchFamily="18" charset="0"/>
                                     </a:rPr>
                                   </m:ctrlPr>
@@ -12103,7 +11933,7 @@
                                 <m:sSupPr>
                                   <m:ctrlPr>
                                     <a:rPr lang="en-US" sz="2000" b="0" i="1" smtClean="0">
-                                      <a:latin typeface="Cambria Math" charset="0"/>
+                                      <a:latin typeface="Cambria Math" panose="02040503050406030204" pitchFamily="18" charset="0"/>
                                       <a:ea typeface="Cambria Math" panose="02040503050406030204" pitchFamily="18" charset="0"/>
                                     </a:rPr>
                                   </m:ctrlPr>
@@ -12140,7 +11970,7 @@
                             <m:fPr>
                               <m:ctrlPr>
                                 <a:rPr lang="en-US" sz="2000" b="0" i="1" smtClean="0">
-                                  <a:latin typeface="Cambria Math" charset="0"/>
+                                  <a:latin typeface="Cambria Math" panose="02040503050406030204" pitchFamily="18" charset="0"/>
                                   <a:ea typeface="Cambria Math" panose="02040503050406030204" pitchFamily="18" charset="0"/>
                                 </a:rPr>
                               </m:ctrlPr>
@@ -12150,7 +11980,7 @@
                                 <m:sSupPr>
                                   <m:ctrlPr>
                                     <a:rPr lang="en-US" sz="2000" i="1">
-                                      <a:latin typeface="Cambria Math" charset="0"/>
+                                      <a:latin typeface="Cambria Math" panose="02040503050406030204" pitchFamily="18" charset="0"/>
                                       <a:ea typeface="Cambria Math" panose="02040503050406030204" pitchFamily="18" charset="0"/>
                                     </a:rPr>
                                   </m:ctrlPr>
@@ -12194,7 +12024,7 @@
                                 <m:sSupPr>
                                   <m:ctrlPr>
                                     <a:rPr lang="en-US" sz="2000" i="1">
-                                      <a:latin typeface="Cambria Math" charset="0"/>
+                                      <a:latin typeface="Cambria Math" panose="02040503050406030204" pitchFamily="18" charset="0"/>
                                       <a:ea typeface="Cambria Math" panose="02040503050406030204" pitchFamily="18" charset="0"/>
                                     </a:rPr>
                                   </m:ctrlPr>
@@ -12231,7 +12061,7 @@
                             <m:fPr>
                               <m:ctrlPr>
                                 <a:rPr lang="en-US" sz="2000" b="0" i="1" smtClean="0">
-                                  <a:latin typeface="Cambria Math" charset="0"/>
+                                  <a:latin typeface="Cambria Math" panose="02040503050406030204" pitchFamily="18" charset="0"/>
                                   <a:ea typeface="Cambria Math" panose="02040503050406030204" pitchFamily="18" charset="0"/>
                                 </a:rPr>
                               </m:ctrlPr>
@@ -12241,7 +12071,7 @@
                                 <m:sSupPr>
                                   <m:ctrlPr>
                                     <a:rPr lang="en-US" sz="2000" i="1">
-                                      <a:latin typeface="Cambria Math" charset="0"/>
+                                      <a:latin typeface="Cambria Math" panose="02040503050406030204" pitchFamily="18" charset="0"/>
                                       <a:ea typeface="Cambria Math" panose="02040503050406030204" pitchFamily="18" charset="0"/>
                                     </a:rPr>
                                   </m:ctrlPr>
@@ -12285,7 +12115,7 @@
                                 <m:sSupPr>
                                   <m:ctrlPr>
                                     <a:rPr lang="en-US" sz="2000" b="0" i="1" smtClean="0">
-                                      <a:latin typeface="Cambria Math" charset="0"/>
+                                      <a:latin typeface="Cambria Math" panose="02040503050406030204" pitchFamily="18" charset="0"/>
                                       <a:ea typeface="Cambria Math" panose="02040503050406030204" pitchFamily="18" charset="0"/>
                                     </a:rPr>
                                   </m:ctrlPr>
@@ -12411,7 +12241,7 @@
           <p:cNvPr id="2" name="Title 1">
             <a:extLst>
               <a:ext uri="{FF2B5EF4-FFF2-40B4-BE49-F238E27FC236}">
-                <a16:creationId xmlns="" xmlns:a16="http://schemas.microsoft.com/office/drawing/2014/main" id="{AD203B07-CB94-C543-8FED-3C2B518FCA0D}"/>
+                <a16:creationId xmlns:a16="http://schemas.microsoft.com/office/drawing/2014/main" id="{AD203B07-CB94-C543-8FED-3C2B518FCA0D}"/>
               </a:ext>
             </a:extLst>
           </p:cNvPr>
@@ -12448,7 +12278,7 @@
               <p:cNvPr id="3" name="Content Placeholder 2">
                 <a:extLst>
                   <a:ext uri="{FF2B5EF4-FFF2-40B4-BE49-F238E27FC236}">
-                    <a16:creationId xmlns="" xmlns:a16="http://schemas.microsoft.com/office/drawing/2014/main" id="{4E4B41E3-9411-4142-90D8-7B1BB45F2911}"/>
+                    <a16:creationId xmlns:a16="http://schemas.microsoft.com/office/drawing/2014/main" id="{4E4B41E3-9411-4142-90D8-7B1BB45F2911}"/>
                   </a:ext>
                 </a:extLst>
               </p:cNvPr>
@@ -12504,7 +12334,7 @@
                         <m:fPr>
                           <m:ctrlPr>
                             <a:rPr lang="en-US" sz="2000" i="1" smtClean="0">
-                              <a:latin typeface="Cambria Math" charset="0"/>
+                              <a:latin typeface="Cambria Math" panose="02040503050406030204" pitchFamily="18" charset="0"/>
                             </a:rPr>
                           </m:ctrlPr>
                         </m:fPr>
@@ -12513,7 +12343,7 @@
                             <m:sSupPr>
                               <m:ctrlPr>
                                 <a:rPr lang="en-US" sz="2000" i="1" smtClean="0">
-                                  <a:latin typeface="Cambria Math" charset="0"/>
+                                  <a:latin typeface="Cambria Math" panose="02040503050406030204" pitchFamily="18" charset="0"/>
                                 </a:rPr>
                               </m:ctrlPr>
                             </m:sSupPr>
@@ -12582,7 +12412,7 @@
                             <m:sSupPr>
                               <m:ctrlPr>
                                 <a:rPr lang="en-US" sz="2000" i="1" smtClean="0">
-                                  <a:latin typeface="Cambria Math" charset="0"/>
+                                  <a:latin typeface="Cambria Math" panose="02040503050406030204" pitchFamily="18" charset="0"/>
                                 </a:rPr>
                               </m:ctrlPr>
                             </m:sSupPr>
@@ -12616,7 +12446,7 @@
                         <m:fPr>
                           <m:ctrlPr>
                             <a:rPr lang="en-US" sz="2000" i="1" smtClean="0">
-                              <a:latin typeface="Cambria Math" charset="0"/>
+                              <a:latin typeface="Cambria Math" panose="02040503050406030204" pitchFamily="18" charset="0"/>
                               <a:ea typeface="Cambria Math" panose="02040503050406030204" pitchFamily="18" charset="0"/>
                             </a:rPr>
                           </m:ctrlPr>
@@ -12653,7 +12483,7 @@
                           <m:endChr m:val="]"/>
                           <m:ctrlPr>
                             <a:rPr lang="en-US" sz="2000" i="1" smtClean="0">
-                              <a:latin typeface="Cambria Math" charset="0"/>
+                              <a:latin typeface="Cambria Math" panose="02040503050406030204" pitchFamily="18" charset="0"/>
                               <a:ea typeface="Cambria Math" panose="02040503050406030204" pitchFamily="18" charset="0"/>
                             </a:rPr>
                           </m:ctrlPr>
@@ -12663,7 +12493,7 @@
                             <m:fPr>
                               <m:ctrlPr>
                                 <a:rPr lang="en-US" sz="2000" i="1" smtClean="0">
-                                  <a:latin typeface="Cambria Math" charset="0"/>
+                                  <a:latin typeface="Cambria Math" panose="02040503050406030204" pitchFamily="18" charset="0"/>
                                   <a:ea typeface="Cambria Math" panose="02040503050406030204" pitchFamily="18" charset="0"/>
                                 </a:rPr>
                               </m:ctrlPr>
@@ -12673,7 +12503,7 @@
                                 <m:sSubPr>
                                   <m:ctrlPr>
                                     <a:rPr lang="en-US" sz="2000" i="1" smtClean="0">
-                                      <a:latin typeface="Cambria Math" charset="0"/>
+                                      <a:latin typeface="Cambria Math" panose="02040503050406030204" pitchFamily="18" charset="0"/>
                                       <a:ea typeface="Cambria Math" panose="02040503050406030204" pitchFamily="18" charset="0"/>
                                     </a:rPr>
                                   </m:ctrlPr>
@@ -12708,7 +12538,7 @@
                                 <m:sSubPr>
                                   <m:ctrlPr>
                                     <a:rPr lang="en-US" sz="2000" b="0" i="1" smtClean="0">
-                                      <a:latin typeface="Cambria Math" charset="0"/>
+                                      <a:latin typeface="Cambria Math" panose="02040503050406030204" pitchFamily="18" charset="0"/>
                                       <a:ea typeface="Cambria Math" panose="02040503050406030204" pitchFamily="18" charset="0"/>
                                     </a:rPr>
                                   </m:ctrlPr>
@@ -12761,7 +12591,7 @@
                             <m:fPr>
                               <m:ctrlPr>
                                 <a:rPr lang="en-US" sz="2000" b="0" i="1" smtClean="0">
-                                  <a:latin typeface="Cambria Math" charset="0"/>
+                                  <a:latin typeface="Cambria Math" panose="02040503050406030204" pitchFamily="18" charset="0"/>
                                   <a:ea typeface="Cambria Math" panose="02040503050406030204" pitchFamily="18" charset="0"/>
                                 </a:rPr>
                               </m:ctrlPr>
@@ -12771,7 +12601,7 @@
                                 <m:sSubPr>
                                   <m:ctrlPr>
                                     <a:rPr lang="en-US" sz="2000" i="1">
-                                      <a:latin typeface="Cambria Math" charset="0"/>
+                                      <a:latin typeface="Cambria Math" panose="02040503050406030204" pitchFamily="18" charset="0"/>
                                       <a:ea typeface="Cambria Math" panose="02040503050406030204" pitchFamily="18" charset="0"/>
                                     </a:rPr>
                                   </m:ctrlPr>
@@ -12813,7 +12643,7 @@
                                 <m:sSubPr>
                                   <m:ctrlPr>
                                     <a:rPr lang="en-US" sz="2000" i="1">
-                                      <a:latin typeface="Cambria Math" charset="0"/>
+                                      <a:latin typeface="Cambria Math" panose="02040503050406030204" pitchFamily="18" charset="0"/>
                                       <a:ea typeface="Cambria Math" panose="02040503050406030204" pitchFamily="18" charset="0"/>
                                     </a:rPr>
                                   </m:ctrlPr>
@@ -12889,7 +12719,7 @@
                         <m:fPr>
                           <m:ctrlPr>
                             <a:rPr lang="en-US" sz="2000" i="1">
-                              <a:latin typeface="Cambria Math" charset="0"/>
+                              <a:latin typeface="Cambria Math" panose="02040503050406030204" pitchFamily="18" charset="0"/>
                             </a:rPr>
                           </m:ctrlPr>
                         </m:fPr>
@@ -12898,7 +12728,7 @@
                             <m:sSupPr>
                               <m:ctrlPr>
                                 <a:rPr lang="en-US" sz="2000" i="1">
-                                  <a:latin typeface="Cambria Math" charset="0"/>
+                                  <a:latin typeface="Cambria Math" panose="02040503050406030204" pitchFamily="18" charset="0"/>
                                 </a:rPr>
                               </m:ctrlPr>
                             </m:sSupPr>
@@ -12967,7 +12797,7 @@
                             <m:sSupPr>
                               <m:ctrlPr>
                                 <a:rPr lang="en-US" sz="2000" i="1">
-                                  <a:latin typeface="Cambria Math" charset="0"/>
+                                  <a:latin typeface="Cambria Math" panose="02040503050406030204" pitchFamily="18" charset="0"/>
                                 </a:rPr>
                               </m:ctrlPr>
                             </m:sSupPr>
@@ -13003,7 +12833,7 @@
                           <m:endChr m:val="]"/>
                           <m:ctrlPr>
                             <a:rPr lang="en-US" sz="2000" i="1">
-                              <a:latin typeface="Cambria Math" charset="0"/>
+                              <a:latin typeface="Cambria Math" panose="02040503050406030204" pitchFamily="18" charset="0"/>
                               <a:ea typeface="Cambria Math" panose="02040503050406030204" pitchFamily="18" charset="0"/>
                             </a:rPr>
                           </m:ctrlPr>
@@ -13013,7 +12843,7 @@
                             <m:fPr>
                               <m:ctrlPr>
                                 <a:rPr lang="en-US" sz="2000" i="1">
-                                  <a:latin typeface="Cambria Math" charset="0"/>
+                                  <a:latin typeface="Cambria Math" panose="02040503050406030204" pitchFamily="18" charset="0"/>
                                   <a:ea typeface="Cambria Math" panose="02040503050406030204" pitchFamily="18" charset="0"/>
                                 </a:rPr>
                               </m:ctrlPr>
@@ -13023,7 +12853,7 @@
                                 <m:sSubPr>
                                   <m:ctrlPr>
                                     <a:rPr lang="en-US" sz="2000" i="1">
-                                      <a:latin typeface="Cambria Math" charset="0"/>
+                                      <a:latin typeface="Cambria Math" panose="02040503050406030204" pitchFamily="18" charset="0"/>
                                       <a:ea typeface="Cambria Math" panose="02040503050406030204" pitchFamily="18" charset="0"/>
                                     </a:rPr>
                                   </m:ctrlPr>
@@ -13058,7 +12888,7 @@
                                 <m:sSubPr>
                                   <m:ctrlPr>
                                     <a:rPr lang="en-US" sz="2000" b="0" i="1" smtClean="0">
-                                      <a:latin typeface="Cambria Math" charset="0"/>
+                                      <a:latin typeface="Cambria Math" panose="02040503050406030204" pitchFamily="18" charset="0"/>
                                       <a:ea typeface="Cambria Math" panose="02040503050406030204" pitchFamily="18" charset="0"/>
                                     </a:rPr>
                                   </m:ctrlPr>
@@ -13093,7 +12923,7 @@
                                 <m:sSubPr>
                                   <m:ctrlPr>
                                     <a:rPr lang="en-US" sz="2000" i="1">
-                                      <a:latin typeface="Cambria Math" charset="0"/>
+                                      <a:latin typeface="Cambria Math" panose="02040503050406030204" pitchFamily="18" charset="0"/>
                                       <a:ea typeface="Cambria Math" panose="02040503050406030204" pitchFamily="18" charset="0"/>
                                     </a:rPr>
                                   </m:ctrlPr>
@@ -13130,7 +12960,7 @@
                                 <m:sSupPr>
                                   <m:ctrlPr>
                                     <a:rPr lang="en-US" sz="2000" i="1" smtClean="0">
-                                      <a:latin typeface="Cambria Math" charset="0"/>
+                                      <a:latin typeface="Cambria Math" panose="02040503050406030204" pitchFamily="18" charset="0"/>
                                       <a:ea typeface="Cambria Math" panose="02040503050406030204" pitchFamily="18" charset="0"/>
                                     </a:rPr>
                                   </m:ctrlPr>
@@ -13140,7 +12970,7 @@
                                     <m:dPr>
                                       <m:ctrlPr>
                                         <a:rPr lang="en-US" sz="2000" i="1">
-                                          <a:latin typeface="Cambria Math" charset="0"/>
+                                          <a:latin typeface="Cambria Math" panose="02040503050406030204" pitchFamily="18" charset="0"/>
                                           <a:ea typeface="Cambria Math" panose="02040503050406030204" pitchFamily="18" charset="0"/>
                                         </a:rPr>
                                       </m:ctrlPr>
@@ -13216,7 +13046,7 @@
                         <m:fPr>
                           <m:ctrlPr>
                             <a:rPr lang="en-US" sz="2000" i="1">
-                              <a:latin typeface="Cambria Math" charset="0"/>
+                              <a:latin typeface="Cambria Math" panose="02040503050406030204" pitchFamily="18" charset="0"/>
                             </a:rPr>
                           </m:ctrlPr>
                         </m:fPr>
@@ -13225,7 +13055,7 @@
                             <m:sSupPr>
                               <m:ctrlPr>
                                 <a:rPr lang="en-US" sz="2000" i="1">
-                                  <a:latin typeface="Cambria Math" charset="0"/>
+                                  <a:latin typeface="Cambria Math" panose="02040503050406030204" pitchFamily="18" charset="0"/>
                                 </a:rPr>
                               </m:ctrlPr>
                             </m:sSupPr>
@@ -13294,7 +13124,7 @@
                             <m:sSupPr>
                               <m:ctrlPr>
                                 <a:rPr lang="en-US" sz="2000" i="1">
-                                  <a:latin typeface="Cambria Math" charset="0"/>
+                                  <a:latin typeface="Cambria Math" panose="02040503050406030204" pitchFamily="18" charset="0"/>
                                 </a:rPr>
                               </m:ctrlPr>
                             </m:sSupPr>
@@ -13330,7 +13160,7 @@
                           <m:endChr m:val="]"/>
                           <m:ctrlPr>
                             <a:rPr lang="en-US" sz="2000" i="1">
-                              <a:latin typeface="Cambria Math" charset="0"/>
+                              <a:latin typeface="Cambria Math" panose="02040503050406030204" pitchFamily="18" charset="0"/>
                               <a:ea typeface="Cambria Math" panose="02040503050406030204" pitchFamily="18" charset="0"/>
                             </a:rPr>
                           </m:ctrlPr>
@@ -13340,7 +13170,7 @@
                             <m:fPr>
                               <m:ctrlPr>
                                 <a:rPr lang="en-US" sz="2000" i="1">
-                                  <a:latin typeface="Cambria Math" charset="0"/>
+                                  <a:latin typeface="Cambria Math" panose="02040503050406030204" pitchFamily="18" charset="0"/>
                                   <a:ea typeface="Cambria Math" panose="02040503050406030204" pitchFamily="18" charset="0"/>
                                 </a:rPr>
                               </m:ctrlPr>
@@ -13350,7 +13180,7 @@
                                 <m:sSubPr>
                                   <m:ctrlPr>
                                     <a:rPr lang="en-US" sz="2000" i="1">
-                                      <a:latin typeface="Cambria Math" charset="0"/>
+                                      <a:latin typeface="Cambria Math" panose="02040503050406030204" pitchFamily="18" charset="0"/>
                                       <a:ea typeface="Cambria Math" panose="02040503050406030204" pitchFamily="18" charset="0"/>
                                     </a:rPr>
                                   </m:ctrlPr>
@@ -13399,7 +13229,7 @@
                                 <m:sSubPr>
                                   <m:ctrlPr>
                                     <a:rPr lang="en-US" sz="2000" i="1">
-                                      <a:latin typeface="Cambria Math" charset="0"/>
+                                      <a:latin typeface="Cambria Math" panose="02040503050406030204" pitchFamily="18" charset="0"/>
                                       <a:ea typeface="Cambria Math" panose="02040503050406030204" pitchFamily="18" charset="0"/>
                                     </a:rPr>
                                   </m:ctrlPr>
@@ -13448,7 +13278,7 @@
                                 <m:sSubPr>
                                   <m:ctrlPr>
                                     <a:rPr lang="en-US" sz="2000" i="1">
-                                      <a:latin typeface="Cambria Math" charset="0"/>
+                                      <a:latin typeface="Cambria Math" panose="02040503050406030204" pitchFamily="18" charset="0"/>
                                       <a:ea typeface="Cambria Math" panose="02040503050406030204" pitchFamily="18" charset="0"/>
                                     </a:rPr>
                                   </m:ctrlPr>
@@ -13485,7 +13315,7 @@
                                 <m:sSupPr>
                                   <m:ctrlPr>
                                     <a:rPr lang="en-US" sz="2000" i="1">
-                                      <a:latin typeface="Cambria Math" charset="0"/>
+                                      <a:latin typeface="Cambria Math" panose="02040503050406030204" pitchFamily="18" charset="0"/>
                                       <a:ea typeface="Cambria Math" panose="02040503050406030204" pitchFamily="18" charset="0"/>
                                     </a:rPr>
                                   </m:ctrlPr>
@@ -13495,7 +13325,7 @@
                                     <m:dPr>
                                       <m:ctrlPr>
                                         <a:rPr lang="en-US" sz="2000" i="1">
-                                          <a:latin typeface="Cambria Math" charset="0"/>
+                                          <a:latin typeface="Cambria Math" panose="02040503050406030204" pitchFamily="18" charset="0"/>
                                           <a:ea typeface="Cambria Math" panose="02040503050406030204" pitchFamily="18" charset="0"/>
                                         </a:rPr>
                                       </m:ctrlPr>
@@ -13589,10 +13419,10 @@
           <p:cNvPr id="29" name="Rectangle 28">
             <a:extLst>
               <a:ext uri="{FF2B5EF4-FFF2-40B4-BE49-F238E27FC236}">
-                <a16:creationId xmlns="" xmlns:a16="http://schemas.microsoft.com/office/drawing/2014/main" id="{293F5FFF-2AE2-424B-BE21-49AFFEF68811}"/>
+                <a16:creationId xmlns:a16="http://schemas.microsoft.com/office/drawing/2014/main" id="{293F5FFF-2AE2-424B-BE21-49AFFEF68811}"/>
               </a:ext>
               <a:ext uri="{C183D7F6-B498-43B3-948B-1728B52AA6E4}">
-                <adec:decorative xmlns="" xmlns:adec="http://schemas.microsoft.com/office/drawing/2017/decorative" val="1"/>
+                <adec:decorative xmlns:adec="http://schemas.microsoft.com/office/drawing/2017/decorative" val="1"/>
               </a:ext>
             </a:extLst>
           </p:cNvPr>
@@ -13681,7 +13511,7 @@
           <p:cNvPr id="7" name="Picture 6" descr="A screenshot of a cell phone&#10;&#10;Description automatically generated">
             <a:extLst>
               <a:ext uri="{FF2B5EF4-FFF2-40B4-BE49-F238E27FC236}">
-                <a16:creationId xmlns="" xmlns:a16="http://schemas.microsoft.com/office/drawing/2014/main" id="{B736648E-051A-B34D-9914-D1BBB04498B7}"/>
+                <a16:creationId xmlns:a16="http://schemas.microsoft.com/office/drawing/2014/main" id="{B736648E-051A-B34D-9914-D1BBB04498B7}"/>
               </a:ext>
             </a:extLst>
           </p:cNvPr>
@@ -13711,7 +13541,7 @@
           <p:cNvPr id="10" name="Picture 9" descr="A screenshot of a cell phone&#10;&#10;Description automatically generated">
             <a:extLst>
               <a:ext uri="{FF2B5EF4-FFF2-40B4-BE49-F238E27FC236}">
-                <a16:creationId xmlns="" xmlns:a16="http://schemas.microsoft.com/office/drawing/2014/main" id="{400E893D-C7C9-9E42-9578-9E14E7CE25F0}"/>
+                <a16:creationId xmlns:a16="http://schemas.microsoft.com/office/drawing/2014/main" id="{400E893D-C7C9-9E42-9578-9E14E7CE25F0}"/>
               </a:ext>
             </a:extLst>
           </p:cNvPr>
@@ -13779,10 +13609,10 @@
           <p:cNvPr id="10" name="Rectangle 9">
             <a:extLst>
               <a:ext uri="{FF2B5EF4-FFF2-40B4-BE49-F238E27FC236}">
-                <a16:creationId xmlns="" xmlns:a16="http://schemas.microsoft.com/office/drawing/2014/main" id="{3A4F209C-C20E-4FA7-B241-1EF4F8D193B2}"/>
+                <a16:creationId xmlns:a16="http://schemas.microsoft.com/office/drawing/2014/main" id="{3A4F209C-C20E-4FA7-B241-1EF4F8D193B2}"/>
               </a:ext>
               <a:ext uri="{C183D7F6-B498-43B3-948B-1728B52AA6E4}">
-                <adec:decorative xmlns="" xmlns:adec="http://schemas.microsoft.com/office/drawing/2017/decorative" val="1"/>
+                <adec:decorative xmlns:adec="http://schemas.microsoft.com/office/drawing/2017/decorative" val="1"/>
               </a:ext>
             </a:extLst>
           </p:cNvPr>
@@ -13871,10 +13701,10 @@
           <p:cNvPr id="12" name="Rectangle 11">
             <a:extLst>
               <a:ext uri="{FF2B5EF4-FFF2-40B4-BE49-F238E27FC236}">
-                <a16:creationId xmlns="" xmlns:a16="http://schemas.microsoft.com/office/drawing/2014/main" id="{E4564234-45B0-4ED8-A9E2-199C00173276}"/>
+                <a16:creationId xmlns:a16="http://schemas.microsoft.com/office/drawing/2014/main" id="{E4564234-45B0-4ED8-A9E2-199C00173276}"/>
               </a:ext>
               <a:ext uri="{C183D7F6-B498-43B3-948B-1728B52AA6E4}">
-                <adec:decorative xmlns="" xmlns:adec="http://schemas.microsoft.com/office/drawing/2017/decorative" val="1"/>
+                <adec:decorative xmlns:adec="http://schemas.microsoft.com/office/drawing/2017/decorative" val="1"/>
               </a:ext>
             </a:extLst>
           </p:cNvPr>
@@ -13960,7 +13790,7 @@
           <p:cNvPr id="2" name="Title 1">
             <a:extLst>
               <a:ext uri="{FF2B5EF4-FFF2-40B4-BE49-F238E27FC236}">
-                <a16:creationId xmlns="" xmlns:a16="http://schemas.microsoft.com/office/drawing/2014/main" id="{12AE96A0-ED8F-624C-A189-18C57DFFC328}"/>
+                <a16:creationId xmlns:a16="http://schemas.microsoft.com/office/drawing/2014/main" id="{12AE96A0-ED8F-624C-A189-18C57DFFC328}"/>
               </a:ext>
             </a:extLst>
           </p:cNvPr>
@@ -14004,7 +13834,7 @@
               <p:cNvPr id="5" name="Content Placeholder 4">
                 <a:extLst>
                   <a:ext uri="{FF2B5EF4-FFF2-40B4-BE49-F238E27FC236}">
-                    <a16:creationId xmlns="" xmlns:a16="http://schemas.microsoft.com/office/drawing/2014/main" id="{D709A5CC-AC22-0340-8F44-73A8C271AE35}"/>
+                    <a16:creationId xmlns:a16="http://schemas.microsoft.com/office/drawing/2014/main" id="{D709A5CC-AC22-0340-8F44-73A8C271AE35}"/>
                   </a:ext>
                 </a:extLst>
               </p:cNvPr>
@@ -14056,7 +13886,7 @@
                           <m:endChr m:val="]"/>
                           <m:ctrlPr>
                             <a:rPr lang="en-US" sz="2000" i="1">
-                              <a:latin typeface="Cambria Math" charset="0"/>
+                              <a:latin typeface="Cambria Math" panose="02040503050406030204" pitchFamily="18" charset="0"/>
                               <a:ea typeface="Cambria Math" panose="02040503050406030204" pitchFamily="18" charset="0"/>
                             </a:rPr>
                           </m:ctrlPr>
@@ -14066,7 +13896,7 @@
                             <m:fPr>
                               <m:ctrlPr>
                                 <a:rPr lang="en-US" sz="2000" i="1">
-                                  <a:latin typeface="Cambria Math" charset="0"/>
+                                  <a:latin typeface="Cambria Math" panose="02040503050406030204" pitchFamily="18" charset="0"/>
                                   <a:ea typeface="Cambria Math" panose="02040503050406030204" pitchFamily="18" charset="0"/>
                                 </a:rPr>
                               </m:ctrlPr>
@@ -14076,7 +13906,7 @@
                                 <m:sSubPr>
                                   <m:ctrlPr>
                                     <a:rPr lang="en-US" sz="2000" i="1">
-                                      <a:latin typeface="Cambria Math" charset="0"/>
+                                      <a:latin typeface="Cambria Math" panose="02040503050406030204" pitchFamily="18" charset="0"/>
                                       <a:ea typeface="Cambria Math" panose="02040503050406030204" pitchFamily="18" charset="0"/>
                                     </a:rPr>
                                   </m:ctrlPr>
@@ -14125,7 +13955,7 @@
                                 <m:sSubPr>
                                   <m:ctrlPr>
                                     <a:rPr lang="en-US" sz="2000" i="1">
-                                      <a:latin typeface="Cambria Math" charset="0"/>
+                                      <a:latin typeface="Cambria Math" panose="02040503050406030204" pitchFamily="18" charset="0"/>
                                       <a:ea typeface="Cambria Math" panose="02040503050406030204" pitchFamily="18" charset="0"/>
                                     </a:rPr>
                                   </m:ctrlPr>
@@ -14174,7 +14004,7 @@
                                 <m:sSubPr>
                                   <m:ctrlPr>
                                     <a:rPr lang="en-US" sz="2000" i="1">
-                                      <a:latin typeface="Cambria Math" charset="0"/>
+                                      <a:latin typeface="Cambria Math" panose="02040503050406030204" pitchFamily="18" charset="0"/>
                                       <a:ea typeface="Cambria Math" panose="02040503050406030204" pitchFamily="18" charset="0"/>
                                     </a:rPr>
                                   </m:ctrlPr>
@@ -14225,7 +14055,7 @@
                                 <m:sSupPr>
                                   <m:ctrlPr>
                                     <a:rPr lang="en-US" sz="2000" i="1">
-                                      <a:latin typeface="Cambria Math" charset="0"/>
+                                      <a:latin typeface="Cambria Math" panose="02040503050406030204" pitchFamily="18" charset="0"/>
                                       <a:ea typeface="Cambria Math" panose="02040503050406030204" pitchFamily="18" charset="0"/>
                                     </a:rPr>
                                   </m:ctrlPr>
@@ -14235,7 +14065,7 @@
                                     <m:dPr>
                                       <m:ctrlPr>
                                         <a:rPr lang="en-US" sz="2000" i="1">
-                                          <a:latin typeface="Cambria Math" charset="0"/>
+                                          <a:latin typeface="Cambria Math" panose="02040503050406030204" pitchFamily="18" charset="0"/>
                                           <a:ea typeface="Cambria Math" panose="02040503050406030204" pitchFamily="18" charset="0"/>
                                         </a:rPr>
                                       </m:ctrlPr>
@@ -14285,7 +14115,7 @@
                           <m:endChr m:val="]"/>
                           <m:ctrlPr>
                             <a:rPr lang="en-US" sz="2000" i="1">
-                              <a:latin typeface="Cambria Math" charset="0"/>
+                              <a:latin typeface="Cambria Math" panose="02040503050406030204" pitchFamily="18" charset="0"/>
                               <a:ea typeface="Cambria Math" panose="02040503050406030204" pitchFamily="18" charset="0"/>
                             </a:rPr>
                           </m:ctrlPr>
@@ -14295,7 +14125,7 @@
                             <m:fPr>
                               <m:ctrlPr>
                                 <a:rPr lang="en-US" sz="2000" i="1">
-                                  <a:latin typeface="Cambria Math" charset="0"/>
+                                  <a:latin typeface="Cambria Math" panose="02040503050406030204" pitchFamily="18" charset="0"/>
                                   <a:ea typeface="Cambria Math" panose="02040503050406030204" pitchFamily="18" charset="0"/>
                                 </a:rPr>
                               </m:ctrlPr>
@@ -14305,7 +14135,7 @@
                                 <m:sSubPr>
                                   <m:ctrlPr>
                                     <a:rPr lang="en-US" sz="2000" i="1">
-                                      <a:latin typeface="Cambria Math" charset="0"/>
+                                      <a:latin typeface="Cambria Math" panose="02040503050406030204" pitchFamily="18" charset="0"/>
                                       <a:ea typeface="Cambria Math" panose="02040503050406030204" pitchFamily="18" charset="0"/>
                                     </a:rPr>
                                   </m:ctrlPr>
@@ -14361,7 +14191,7 @@
                                 <m:sSubPr>
                                   <m:ctrlPr>
                                     <a:rPr lang="en-US" sz="2000" i="1">
-                                      <a:latin typeface="Cambria Math" charset="0"/>
+                                      <a:latin typeface="Cambria Math" panose="02040503050406030204" pitchFamily="18" charset="0"/>
                                       <a:ea typeface="Cambria Math" panose="02040503050406030204" pitchFamily="18" charset="0"/>
                                     </a:rPr>
                                   </m:ctrlPr>
@@ -14417,7 +14247,7 @@
                                 <m:sSubPr>
                                   <m:ctrlPr>
                                     <a:rPr lang="en-US" sz="2000" i="1">
-                                      <a:latin typeface="Cambria Math" charset="0"/>
+                                      <a:latin typeface="Cambria Math" panose="02040503050406030204" pitchFamily="18" charset="0"/>
                                       <a:ea typeface="Cambria Math" panose="02040503050406030204" pitchFamily="18" charset="0"/>
                                     </a:rPr>
                                   </m:ctrlPr>
@@ -14468,7 +14298,7 @@
                                 <m:sSupPr>
                                   <m:ctrlPr>
                                     <a:rPr lang="en-US" sz="2000" i="1">
-                                      <a:latin typeface="Cambria Math" charset="0"/>
+                                      <a:latin typeface="Cambria Math" panose="02040503050406030204" pitchFamily="18" charset="0"/>
                                       <a:ea typeface="Cambria Math" panose="02040503050406030204" pitchFamily="18" charset="0"/>
                                     </a:rPr>
                                   </m:ctrlPr>
@@ -14478,7 +14308,7 @@
                                     <m:dPr>
                                       <m:ctrlPr>
                                         <a:rPr lang="en-US" sz="2000" i="1">
-                                          <a:latin typeface="Cambria Math" charset="0"/>
+                                          <a:latin typeface="Cambria Math" panose="02040503050406030204" pitchFamily="18" charset="0"/>
                                           <a:ea typeface="Cambria Math" panose="02040503050406030204" pitchFamily="18" charset="0"/>
                                         </a:rPr>
                                       </m:ctrlPr>
@@ -14575,7 +14405,7 @@
                         <m:sSubPr>
                           <m:ctrlPr>
                             <a:rPr lang="en-US" sz="2000" i="1">
-                              <a:latin typeface="Cambria Math" charset="0"/>
+                              <a:latin typeface="Cambria Math" panose="02040503050406030204" pitchFamily="18" charset="0"/>
                               <a:ea typeface="Cambria Math" panose="02040503050406030204" pitchFamily="18" charset="0"/>
                             </a:rPr>
                           </m:ctrlPr>
@@ -14624,7 +14454,7 @@
                         <m:sSubPr>
                           <m:ctrlPr>
                             <a:rPr lang="en-US" sz="2000" i="1">
-                              <a:latin typeface="Cambria Math" charset="0"/>
+                              <a:latin typeface="Cambria Math" panose="02040503050406030204" pitchFamily="18" charset="0"/>
                               <a:ea typeface="Cambria Math" panose="02040503050406030204" pitchFamily="18" charset="0"/>
                             </a:rPr>
                           </m:ctrlPr>
@@ -14673,7 +14503,7 @@
                         <m:sSubPr>
                           <m:ctrlPr>
                             <a:rPr lang="en-US" sz="2000" i="1">
-                              <a:latin typeface="Cambria Math" charset="0"/>
+                              <a:latin typeface="Cambria Math" panose="02040503050406030204" pitchFamily="18" charset="0"/>
                               <a:ea typeface="Cambria Math" panose="02040503050406030204" pitchFamily="18" charset="0"/>
                             </a:rPr>
                           </m:ctrlPr>
@@ -14729,7 +14559,7 @@
                         <m:sSubPr>
                           <m:ctrlPr>
                             <a:rPr lang="en-US" sz="2000" i="1">
-                              <a:latin typeface="Cambria Math" charset="0"/>
+                              <a:latin typeface="Cambria Math" panose="02040503050406030204" pitchFamily="18" charset="0"/>
                               <a:ea typeface="Cambria Math" panose="02040503050406030204" pitchFamily="18" charset="0"/>
                             </a:rPr>
                           </m:ctrlPr>
@@ -14785,7 +14615,7 @@
                         <m:sSubPr>
                           <m:ctrlPr>
                             <a:rPr lang="en-US" sz="2000" i="1">
-                              <a:latin typeface="Cambria Math" charset="0"/>
+                              <a:latin typeface="Cambria Math" panose="02040503050406030204" pitchFamily="18" charset="0"/>
                               <a:ea typeface="Cambria Math" panose="02040503050406030204" pitchFamily="18" charset="0"/>
                             </a:rPr>
                           </m:ctrlPr>
@@ -14858,7 +14688,7 @@
                       <m:dPr>
                         <m:ctrlPr>
                           <a:rPr lang="en-US" sz="2000" b="0" i="1" smtClean="0">
-                            <a:latin typeface="Cambria Math" charset="0"/>
+                            <a:latin typeface="Cambria Math" panose="02040503050406030204" pitchFamily="18" charset="0"/>
                             <a:ea typeface="Cambria Math" panose="02040503050406030204" pitchFamily="18" charset="0"/>
                           </a:rPr>
                         </m:ctrlPr>
@@ -14911,7 +14741,7 @@
                         <m:sSubPr>
                           <m:ctrlPr>
                             <a:rPr lang="en-US" sz="2000" i="1" smtClean="0">
-                              <a:latin typeface="Cambria Math" charset="0"/>
+                              <a:latin typeface="Cambria Math" panose="02040503050406030204" pitchFamily="18" charset="0"/>
                               <a:ea typeface="Cambria Math" panose="02040503050406030204" pitchFamily="18" charset="0"/>
                             </a:rPr>
                           </m:ctrlPr>
@@ -14960,7 +14790,7 @@
                         <m:sSubPr>
                           <m:ctrlPr>
                             <a:rPr lang="en-US" sz="2000" b="0" i="1" smtClean="0">
-                              <a:latin typeface="Cambria Math" charset="0"/>
+                              <a:latin typeface="Cambria Math" panose="02040503050406030204" pitchFamily="18" charset="0"/>
                               <a:ea typeface="Cambria Math" panose="02040503050406030204" pitchFamily="18" charset="0"/>
                             </a:rPr>
                           </m:ctrlPr>
@@ -15020,7 +14850,7 @@
                       <m:sSubPr>
                         <m:ctrlPr>
                           <a:rPr lang="en-US" sz="2000" i="1" smtClean="0">
-                            <a:latin typeface="Cambria Math" charset="0"/>
+                            <a:latin typeface="Cambria Math" panose="02040503050406030204" pitchFamily="18" charset="0"/>
                             <a:ea typeface="Cambria Math" panose="02040503050406030204" pitchFamily="18" charset="0"/>
                           </a:rPr>
                         </m:ctrlPr>
@@ -15198,10 +15028,10 @@
           <p:cNvPr id="10" name="Rectangle 9">
             <a:extLst>
               <a:ext uri="{FF2B5EF4-FFF2-40B4-BE49-F238E27FC236}">
-                <a16:creationId xmlns="" xmlns:a16="http://schemas.microsoft.com/office/drawing/2014/main" id="{3A4F209C-C20E-4FA7-B241-1EF4F8D193B2}"/>
+                <a16:creationId xmlns:a16="http://schemas.microsoft.com/office/drawing/2014/main" id="{3A4F209C-C20E-4FA7-B241-1EF4F8D193B2}"/>
               </a:ext>
               <a:ext uri="{C183D7F6-B498-43B3-948B-1728B52AA6E4}">
-                <adec:decorative xmlns="" xmlns:adec="http://schemas.microsoft.com/office/drawing/2017/decorative" val="1"/>
+                <adec:decorative xmlns:adec="http://schemas.microsoft.com/office/drawing/2017/decorative" val="1"/>
               </a:ext>
             </a:extLst>
           </p:cNvPr>
@@ -15290,10 +15120,10 @@
           <p:cNvPr id="12" name="Rectangle 11">
             <a:extLst>
               <a:ext uri="{FF2B5EF4-FFF2-40B4-BE49-F238E27FC236}">
-                <a16:creationId xmlns="" xmlns:a16="http://schemas.microsoft.com/office/drawing/2014/main" id="{E4564234-45B0-4ED8-A9E2-199C00173276}"/>
+                <a16:creationId xmlns:a16="http://schemas.microsoft.com/office/drawing/2014/main" id="{E4564234-45B0-4ED8-A9E2-199C00173276}"/>
               </a:ext>
               <a:ext uri="{C183D7F6-B498-43B3-948B-1728B52AA6E4}">
-                <adec:decorative xmlns="" xmlns:adec="http://schemas.microsoft.com/office/drawing/2017/decorative" val="1"/>
+                <adec:decorative xmlns:adec="http://schemas.microsoft.com/office/drawing/2017/decorative" val="1"/>
               </a:ext>
             </a:extLst>
           </p:cNvPr>
@@ -15379,7 +15209,7 @@
           <p:cNvPr id="2" name="Title 1">
             <a:extLst>
               <a:ext uri="{FF2B5EF4-FFF2-40B4-BE49-F238E27FC236}">
-                <a16:creationId xmlns="" xmlns:a16="http://schemas.microsoft.com/office/drawing/2014/main" id="{12AE96A0-ED8F-624C-A189-18C57DFFC328}"/>
+                <a16:creationId xmlns:a16="http://schemas.microsoft.com/office/drawing/2014/main" id="{12AE96A0-ED8F-624C-A189-18C57DFFC328}"/>
               </a:ext>
             </a:extLst>
           </p:cNvPr>
@@ -15423,7 +15253,7 @@
               <p:cNvPr id="5" name="Content Placeholder 4">
                 <a:extLst>
                   <a:ext uri="{FF2B5EF4-FFF2-40B4-BE49-F238E27FC236}">
-                    <a16:creationId xmlns="" xmlns:a16="http://schemas.microsoft.com/office/drawing/2014/main" id="{D709A5CC-AC22-0340-8F44-73A8C271AE35}"/>
+                    <a16:creationId xmlns:a16="http://schemas.microsoft.com/office/drawing/2014/main" id="{D709A5CC-AC22-0340-8F44-73A8C271AE35}"/>
                   </a:ext>
                 </a:extLst>
               </p:cNvPr>
@@ -15495,7 +15325,7 @@
                         <m:sSubSupPr>
                           <m:ctrlPr>
                             <a:rPr lang="en-US" sz="2000" i="1" smtClean="0">
-                              <a:latin typeface="Cambria Math" charset="0"/>
+                              <a:latin typeface="Cambria Math" panose="02040503050406030204" pitchFamily="18" charset="0"/>
                             </a:rPr>
                           </m:ctrlPr>
                         </m:sSubSupPr>
@@ -15546,7 +15376,7 @@
                         <m:fPr>
                           <m:ctrlPr>
                             <a:rPr lang="en-US" sz="2000" b="0" i="1" smtClean="0">
-                              <a:latin typeface="Cambria Math" charset="0"/>
+                              <a:latin typeface="Cambria Math" panose="02040503050406030204" pitchFamily="18" charset="0"/>
                             </a:rPr>
                           </m:ctrlPr>
                         </m:fPr>
@@ -15563,7 +15393,7 @@
                             <m:sSubPr>
                               <m:ctrlPr>
                                 <a:rPr lang="en-US" sz="2000" b="0" i="1" smtClean="0">
-                                  <a:latin typeface="Cambria Math" charset="0"/>
+                                  <a:latin typeface="Cambria Math" panose="02040503050406030204" pitchFamily="18" charset="0"/>
                                 </a:rPr>
                               </m:ctrlPr>
                             </m:sSubPr>
@@ -15602,7 +15432,7 @@
                         <m:dPr>
                           <m:ctrlPr>
                             <a:rPr lang="en-US" sz="2000" b="0" i="1" smtClean="0">
-                              <a:latin typeface="Cambria Math" charset="0"/>
+                              <a:latin typeface="Cambria Math" panose="02040503050406030204" pitchFamily="18" charset="0"/>
                             </a:rPr>
                           </m:ctrlPr>
                         </m:dPr>
@@ -15611,7 +15441,7 @@
                             <m:sSubPr>
                               <m:ctrlPr>
                                 <a:rPr lang="en-US" sz="2000" b="0" i="1" smtClean="0">
-                                  <a:latin typeface="Cambria Math" charset="0"/>
+                                  <a:latin typeface="Cambria Math" panose="02040503050406030204" pitchFamily="18" charset="0"/>
                                 </a:rPr>
                               </m:ctrlPr>
                             </m:sSubPr>
@@ -15644,7 +15474,7 @@
                               <m:supHide m:val="on"/>
                               <m:ctrlPr>
                                 <a:rPr lang="en-US" sz="2000" b="0" i="1" smtClean="0">
-                                  <a:latin typeface="Cambria Math" charset="0"/>
+                                  <a:latin typeface="Cambria Math" panose="02040503050406030204" pitchFamily="18" charset="0"/>
                                 </a:rPr>
                               </m:ctrlPr>
                             </m:naryPr>
@@ -15679,7 +15509,7 @@
                                 <m:sSubPr>
                                   <m:ctrlPr>
                                     <a:rPr lang="en-US" sz="2000" b="0" i="1" smtClean="0">
-                                      <a:latin typeface="Cambria Math" charset="0"/>
+                                      <a:latin typeface="Cambria Math" panose="02040503050406030204" pitchFamily="18" charset="0"/>
                                     </a:rPr>
                                   </m:ctrlPr>
                                 </m:sSubPr>
@@ -15716,7 +15546,7 @@
                                 <m:sSubSupPr>
                                   <m:ctrlPr>
                                     <a:rPr lang="en-US" sz="2000" b="0" i="1" smtClean="0">
-                                      <a:latin typeface="Cambria Math" charset="0"/>
+                                      <a:latin typeface="Cambria Math" panose="02040503050406030204" pitchFamily="18" charset="0"/>
                                     </a:rPr>
                                   </m:ctrlPr>
                                 </m:sSubSupPr>
@@ -15782,7 +15612,7 @@
                       <m:sSubPr>
                         <m:ctrlPr>
                           <a:rPr lang="en-US" sz="2000" i="1">
-                            <a:latin typeface="Cambria Math" charset="0"/>
+                            <a:latin typeface="Cambria Math" panose="02040503050406030204" pitchFamily="18" charset="0"/>
                           </a:rPr>
                         </m:ctrlPr>
                       </m:sSubPr>
@@ -15827,7 +15657,7 @@
                       <m:sSubPr>
                         <m:ctrlPr>
                           <a:rPr lang="en-US" sz="2000" i="1">
-                            <a:latin typeface="Cambria Math" charset="0"/>
+                            <a:latin typeface="Cambria Math" panose="02040503050406030204" pitchFamily="18" charset="0"/>
                           </a:rPr>
                         </m:ctrlPr>
                       </m:sSubPr>
@@ -15860,7 +15690,7 @@
                       <m:sSubSupPr>
                         <m:ctrlPr>
                           <a:rPr lang="en-US" sz="2000" i="1">
-                            <a:latin typeface="Cambria Math" charset="0"/>
+                            <a:latin typeface="Cambria Math" panose="02040503050406030204" pitchFamily="18" charset="0"/>
                           </a:rPr>
                         </m:ctrlPr>
                       </m:sSubSupPr>
@@ -15921,7 +15751,7 @@
                       <m:sSubSupPr>
                         <m:ctrlPr>
                           <a:rPr lang="en-US" sz="2000" i="1">
-                            <a:latin typeface="Cambria Math" charset="0"/>
+                            <a:latin typeface="Cambria Math" panose="02040503050406030204" pitchFamily="18" charset="0"/>
                           </a:rPr>
                         </m:ctrlPr>
                       </m:sSubSupPr>
@@ -15986,7 +15816,7 @@
                       <m:sSubSupPr>
                         <m:ctrlPr>
                           <a:rPr lang="en-US" sz="2000" i="1">
-                            <a:latin typeface="Cambria Math" charset="0"/>
+                            <a:latin typeface="Cambria Math" panose="02040503050406030204" pitchFamily="18" charset="0"/>
                           </a:rPr>
                         </m:ctrlPr>
                       </m:sSubSupPr>
@@ -16050,7 +15880,7 @@
                       <m:sSubSupPr>
                         <m:ctrlPr>
                           <a:rPr lang="en-US" sz="2000" i="1">
-                            <a:latin typeface="Cambria Math" charset="0"/>
+                            <a:latin typeface="Cambria Math" panose="02040503050406030204" pitchFamily="18" charset="0"/>
                           </a:rPr>
                         </m:ctrlPr>
                       </m:sSubSupPr>
@@ -16200,7 +16030,7 @@
           <p:cNvPr id="2" name="Title 1">
             <a:extLst>
               <a:ext uri="{FF2B5EF4-FFF2-40B4-BE49-F238E27FC236}">
-                <a16:creationId xmlns="" xmlns:a16="http://schemas.microsoft.com/office/drawing/2014/main" id="{AD203B07-CB94-C543-8FED-3C2B518FCA0D}"/>
+                <a16:creationId xmlns:a16="http://schemas.microsoft.com/office/drawing/2014/main" id="{AD203B07-CB94-C543-8FED-3C2B518FCA0D}"/>
               </a:ext>
             </a:extLst>
           </p:cNvPr>
@@ -16237,7 +16067,7 @@
               <p:cNvPr id="3" name="Content Placeholder 2">
                 <a:extLst>
                   <a:ext uri="{FF2B5EF4-FFF2-40B4-BE49-F238E27FC236}">
-                    <a16:creationId xmlns="" xmlns:a16="http://schemas.microsoft.com/office/drawing/2014/main" id="{4E4B41E3-9411-4142-90D8-7B1BB45F2911}"/>
+                    <a16:creationId xmlns:a16="http://schemas.microsoft.com/office/drawing/2014/main" id="{4E4B41E3-9411-4142-90D8-7B1BB45F2911}"/>
                   </a:ext>
                 </a:extLst>
               </p:cNvPr>
@@ -16448,10 +16278,10 @@
           <p:cNvPr id="29" name="Rectangle 28">
             <a:extLst>
               <a:ext uri="{FF2B5EF4-FFF2-40B4-BE49-F238E27FC236}">
-                <a16:creationId xmlns="" xmlns:a16="http://schemas.microsoft.com/office/drawing/2014/main" id="{293F5FFF-2AE2-424B-BE21-49AFFEF68811}"/>
+                <a16:creationId xmlns:a16="http://schemas.microsoft.com/office/drawing/2014/main" id="{293F5FFF-2AE2-424B-BE21-49AFFEF68811}"/>
               </a:ext>
               <a:ext uri="{C183D7F6-B498-43B3-948B-1728B52AA6E4}">
-                <adec:decorative xmlns="" xmlns:adec="http://schemas.microsoft.com/office/drawing/2017/decorative" val="1"/>
+                <adec:decorative xmlns:adec="http://schemas.microsoft.com/office/drawing/2017/decorative" val="1"/>
               </a:ext>
             </a:extLst>
           </p:cNvPr>
@@ -16540,7 +16370,7 @@
           <p:cNvPr id="8" name="Content Placeholder 2">
             <a:extLst>
               <a:ext uri="{FF2B5EF4-FFF2-40B4-BE49-F238E27FC236}">
-                <a16:creationId xmlns="" xmlns:a16="http://schemas.microsoft.com/office/drawing/2014/main" id="{229BC5D3-C8D7-1C49-9F9C-0B3BF35AFBE4}"/>
+                <a16:creationId xmlns:a16="http://schemas.microsoft.com/office/drawing/2014/main" id="{229BC5D3-C8D7-1C49-9F9C-0B3BF35AFBE4}"/>
               </a:ext>
             </a:extLst>
           </p:cNvPr>
@@ -16766,7 +16596,7 @@
           <p:cNvPr id="4" name="Rectangle 3">
             <a:extLst>
               <a:ext uri="{FF2B5EF4-FFF2-40B4-BE49-F238E27FC236}">
-                <a16:creationId xmlns="" xmlns:a16="http://schemas.microsoft.com/office/drawing/2014/main" id="{C2F3D90C-C107-2748-A8D5-91EEF6F90968}"/>
+                <a16:creationId xmlns:a16="http://schemas.microsoft.com/office/drawing/2014/main" id="{C2F3D90C-C107-2748-A8D5-91EEF6F90968}"/>
               </a:ext>
             </a:extLst>
           </p:cNvPr>
